--- a/Documentation/LEAF_Product_Overview.pptx
+++ b/Documentation/LEAF_Product_Overview.pptx
@@ -5,22 +5,24 @@
     <p:sldMasterId id="2147483648" r:id="rId1"/>
   </p:sldMasterIdLst>
   <p:notesMasterIdLst>
-    <p:notesMasterId r:id="rId12"/>
+    <p:notesMasterId r:id="rId14"/>
   </p:notesMasterIdLst>
   <p:handoutMasterIdLst>
-    <p:handoutMasterId r:id="rId13"/>
+    <p:handoutMasterId r:id="rId15"/>
   </p:handoutMasterIdLst>
   <p:sldIdLst>
     <p:sldId id="258" r:id="rId2"/>
     <p:sldId id="323" r:id="rId3"/>
     <p:sldId id="342" r:id="rId4"/>
-    <p:sldId id="344" r:id="rId5"/>
-    <p:sldId id="327" r:id="rId6"/>
-    <p:sldId id="329" r:id="rId7"/>
-    <p:sldId id="340" r:id="rId8"/>
-    <p:sldId id="330" r:id="rId9"/>
-    <p:sldId id="343" r:id="rId10"/>
-    <p:sldId id="346" r:id="rId11"/>
+    <p:sldId id="348" r:id="rId5"/>
+    <p:sldId id="349" r:id="rId6"/>
+    <p:sldId id="327" r:id="rId7"/>
+    <p:sldId id="329" r:id="rId8"/>
+    <p:sldId id="340" r:id="rId9"/>
+    <p:sldId id="330" r:id="rId10"/>
+    <p:sldId id="343" r:id="rId11"/>
+    <p:sldId id="346" r:id="rId12"/>
+    <p:sldId id="350" r:id="rId13"/>
   </p:sldIdLst>
   <p:sldSz cx="9144000" cy="6858000" type="screen4x3"/>
   <p:notesSz cx="6858000" cy="9144000"/>
@@ -122,6 +124,313 @@
 </p:presentation>
 </file>
 
+<file path=ppt/charts/chart1.xml><?xml version="1.0" encoding="utf-8"?>
+<c:chartSpace xmlns:c="http://schemas.openxmlformats.org/drawingml/2006/chart" xmlns:a="http://schemas.openxmlformats.org/drawingml/2006/main" xmlns:r="http://schemas.openxmlformats.org/officeDocument/2006/relationships">
+  <c:date1904 val="0"/>
+  <c:lang val="en-US"/>
+  <c:roundedCorners val="0"/>
+  <mc:AlternateContent xmlns:mc="http://schemas.openxmlformats.org/markup-compatibility/2006">
+    <mc:Choice xmlns:c14="http://schemas.microsoft.com/office/drawing/2007/8/2/chart" Requires="c14">
+      <c14:style val="118"/>
+    </mc:Choice>
+    <mc:Fallback>
+      <c:style val="18"/>
+    </mc:Fallback>
+  </mc:AlternateContent>
+  <c:chart>
+    <c:title>
+      <c:tx>
+        <c:rich>
+          <a:bodyPr/>
+          <a:lstStyle/>
+          <a:p>
+            <a:pPr>
+              <a:defRPr sz="1600"/>
+            </a:pPr>
+            <a:r>
+              <a:rPr lang="en-US" sz="1600"/>
+              <a:t>Average Days Between Request Opened and</a:t>
+            </a:r>
+            <a:r>
+              <a:rPr lang="en-US" sz="1600" baseline="0"/>
+              <a:t> Final Decision</a:t>
+            </a:r>
+            <a:endParaRPr lang="en-US" sz="1600"/>
+          </a:p>
+        </c:rich>
+      </c:tx>
+      <c:layout/>
+      <c:overlay val="0"/>
+    </c:title>
+    <c:autoTitleDeleted val="0"/>
+    <c:plotArea>
+      <c:layout/>
+      <c:barChart>
+        <c:barDir val="col"/>
+        <c:grouping val="clustered"/>
+        <c:varyColors val="0"/>
+        <c:ser>
+          <c:idx val="0"/>
+          <c:order val="0"/>
+          <c:tx>
+            <c:strRef>
+              <c:f>'[Hiring Times Data Analysis for LEAF_20161211.xlsx]Comparison'!$A$2</c:f>
+              <c:strCache>
+                <c:ptCount val="1"/>
+                <c:pt idx="0">
+                  <c:v>Old Process</c:v>
+                </c:pt>
+              </c:strCache>
+            </c:strRef>
+          </c:tx>
+          <c:invertIfNegative val="0"/>
+          <c:dLbls>
+            <c:dLbl>
+              <c:idx val="0"/>
+              <c:layout>
+                <c:manualLayout>
+                  <c:x val="0"/>
+                  <c:y val="1.48514851485148E-2"/>
+                </c:manualLayout>
+              </c:layout>
+              <c:tx>
+                <c:rich>
+                  <a:bodyPr/>
+                  <a:lstStyle/>
+                  <a:p>
+                    <a:r>
+                      <a:rPr lang="en-US" sz="2000"/>
+                      <a:t>48.4 </a:t>
+                    </a:r>
+                    <a:endParaRPr lang="en-US"/>
+                  </a:p>
+                </c:rich>
+              </c:tx>
+              <c:showLegendKey val="0"/>
+              <c:showVal val="1"/>
+              <c:showCatName val="0"/>
+              <c:showSerName val="0"/>
+              <c:showPercent val="0"/>
+              <c:showBubbleSize val="0"/>
+            </c:dLbl>
+            <c:txPr>
+              <a:bodyPr/>
+              <a:lstStyle/>
+              <a:p>
+                <a:pPr>
+                  <a:defRPr sz="2000" b="1"/>
+                </a:pPr>
+                <a:endParaRPr lang="en-US"/>
+              </a:p>
+            </c:txPr>
+            <c:showLegendKey val="0"/>
+            <c:showVal val="1"/>
+            <c:showCatName val="0"/>
+            <c:showSerName val="0"/>
+            <c:showPercent val="0"/>
+            <c:showBubbleSize val="0"/>
+            <c:showLeaderLines val="0"/>
+          </c:dLbls>
+          <c:cat>
+            <c:strRef>
+              <c:f>'[Hiring Times Data Analysis for LEAF_20161211.xlsx]Comparison'!$D$1</c:f>
+              <c:strCache>
+                <c:ptCount val="1"/>
+                <c:pt idx="0">
+                  <c:v>Average Days between Request Opened and Final Decision </c:v>
+                </c:pt>
+              </c:strCache>
+            </c:strRef>
+          </c:cat>
+          <c:val>
+            <c:numRef>
+              <c:f>'[Hiring Times Data Analysis for LEAF_20161211.xlsx]Comparison'!$D$2</c:f>
+              <c:numCache>
+                <c:formatCode>General</c:formatCode>
+                <c:ptCount val="1"/>
+                <c:pt idx="0">
+                  <c:v>48.4</c:v>
+                </c:pt>
+              </c:numCache>
+            </c:numRef>
+          </c:val>
+        </c:ser>
+        <c:ser>
+          <c:idx val="1"/>
+          <c:order val="1"/>
+          <c:tx>
+            <c:strRef>
+              <c:f>'[Hiring Times Data Analysis for LEAF_20161211.xlsx]Comparison'!$A$3</c:f>
+              <c:strCache>
+                <c:ptCount val="1"/>
+                <c:pt idx="0">
+                  <c:v>LEAF</c:v>
+                </c:pt>
+              </c:strCache>
+            </c:strRef>
+          </c:tx>
+          <c:spPr>
+            <a:solidFill>
+              <a:srgbClr val="008000"/>
+            </a:solidFill>
+          </c:spPr>
+          <c:invertIfNegative val="0"/>
+          <c:dLbls>
+            <c:txPr>
+              <a:bodyPr/>
+              <a:lstStyle/>
+              <a:p>
+                <a:pPr>
+                  <a:defRPr sz="2000" b="1"/>
+                </a:pPr>
+                <a:endParaRPr lang="en-US"/>
+              </a:p>
+            </c:txPr>
+            <c:showLegendKey val="0"/>
+            <c:showVal val="1"/>
+            <c:showCatName val="0"/>
+            <c:showSerName val="0"/>
+            <c:showPercent val="0"/>
+            <c:showBubbleSize val="0"/>
+            <c:showLeaderLines val="0"/>
+          </c:dLbls>
+          <c:cat>
+            <c:strRef>
+              <c:f>'[Hiring Times Data Analysis for LEAF_20161211.xlsx]Comparison'!$D$1</c:f>
+              <c:strCache>
+                <c:ptCount val="1"/>
+                <c:pt idx="0">
+                  <c:v>Average Days between Request Opened and Final Decision </c:v>
+                </c:pt>
+              </c:strCache>
+            </c:strRef>
+          </c:cat>
+          <c:val>
+            <c:numRef>
+              <c:f>'[Hiring Times Data Analysis for LEAF_20161211.xlsx]Comparison'!$D$3</c:f>
+              <c:numCache>
+                <c:formatCode>General</c:formatCode>
+                <c:ptCount val="1"/>
+                <c:pt idx="0">
+                  <c:v>22.1</c:v>
+                </c:pt>
+              </c:numCache>
+            </c:numRef>
+          </c:val>
+        </c:ser>
+        <c:dLbls>
+          <c:showLegendKey val="0"/>
+          <c:showVal val="1"/>
+          <c:showCatName val="0"/>
+          <c:showSerName val="0"/>
+          <c:showPercent val="0"/>
+          <c:showBubbleSize val="0"/>
+        </c:dLbls>
+        <c:gapWidth val="75"/>
+        <c:overlap val="-25"/>
+        <c:axId val="102484992"/>
+        <c:axId val="111149824"/>
+      </c:barChart>
+      <c:catAx>
+        <c:axId val="102484992"/>
+        <c:scaling>
+          <c:orientation val="minMax"/>
+        </c:scaling>
+        <c:delete val="1"/>
+        <c:axPos val="b"/>
+        <c:majorTickMark val="none"/>
+        <c:minorTickMark val="none"/>
+        <c:tickLblPos val="nextTo"/>
+        <c:crossAx val="111149824"/>
+        <c:crosses val="autoZero"/>
+        <c:auto val="1"/>
+        <c:lblAlgn val="ctr"/>
+        <c:lblOffset val="100"/>
+        <c:noMultiLvlLbl val="0"/>
+      </c:catAx>
+      <c:valAx>
+        <c:axId val="111149824"/>
+        <c:scaling>
+          <c:orientation val="minMax"/>
+        </c:scaling>
+        <c:delete val="0"/>
+        <c:axPos val="l"/>
+        <c:majorGridlines/>
+        <c:numFmt formatCode="General" sourceLinked="1"/>
+        <c:majorTickMark val="none"/>
+        <c:minorTickMark val="none"/>
+        <c:tickLblPos val="nextTo"/>
+        <c:spPr>
+          <a:ln w="9525">
+            <a:noFill/>
+          </a:ln>
+        </c:spPr>
+        <c:txPr>
+          <a:bodyPr/>
+          <a:lstStyle/>
+          <a:p>
+            <a:pPr>
+              <a:defRPr sz="1200"/>
+            </a:pPr>
+            <a:endParaRPr lang="en-US"/>
+          </a:p>
+        </c:txPr>
+        <c:crossAx val="102484992"/>
+        <c:crosses val="autoZero"/>
+        <c:crossBetween val="between"/>
+      </c:valAx>
+      <c:spPr>
+        <a:effectLst>
+          <a:outerShdw blurRad="50800" dist="38100" dir="5400000" algn="t" rotWithShape="0">
+            <a:prstClr val="black">
+              <a:alpha val="40000"/>
+            </a:prstClr>
+          </a:outerShdw>
+        </a:effectLst>
+      </c:spPr>
+    </c:plotArea>
+    <c:legend>
+      <c:legendPos val="t"/>
+      <c:layout/>
+      <c:overlay val="0"/>
+      <c:txPr>
+        <a:bodyPr/>
+        <a:lstStyle/>
+        <a:p>
+          <a:pPr>
+            <a:defRPr sz="1600"/>
+          </a:pPr>
+          <a:endParaRPr lang="en-US"/>
+        </a:p>
+      </c:txPr>
+    </c:legend>
+    <c:plotVisOnly val="1"/>
+    <c:dispBlanksAs val="gap"/>
+    <c:showDLblsOverMax val="0"/>
+  </c:chart>
+  <c:spPr>
+    <a:ln>
+      <a:solidFill>
+        <a:schemeClr val="tx1">
+          <a:lumMod val="75000"/>
+          <a:lumOff val="25000"/>
+        </a:schemeClr>
+      </a:solidFill>
+    </a:ln>
+    <a:effectLst>
+      <a:outerShdw blurRad="50800" dist="38100" dir="2700000" algn="tl" rotWithShape="0">
+        <a:prstClr val="black">
+          <a:alpha val="40000"/>
+        </a:prstClr>
+      </a:outerShdw>
+    </a:effectLst>
+  </c:spPr>
+  <c:externalData r:id="rId1">
+    <c:autoUpdate val="0"/>
+  </c:externalData>
+</c:chartSpace>
+</file>
+
 <file path=ppt/handoutMasters/handoutMaster1.xml><?xml version="1.0" encoding="utf-8"?>
 <p:handoutMaster xmlns:a="http://schemas.openxmlformats.org/drawingml/2006/main" xmlns:r="http://schemas.openxmlformats.org/officeDocument/2006/relationships" xmlns:p="http://schemas.openxmlformats.org/presentationml/2006/main">
   <p:cSld>
@@ -209,7 +518,7 @@
             <a:fld id="{2FDCBAFA-1951-4B2E-9FE8-0822D3CC3BD4}" type="datetimeFigureOut">
               <a:rPr lang="en-US" smtClean="0"/>
               <a:pPr/>
-              <a:t>2/28/2017</a:t>
+              <a:t>3/10/2017</a:t>
             </a:fld>
             <a:endParaRPr lang="en-US" dirty="0"/>
           </a:p>
@@ -381,7 +690,7 @@
             <a:fld id="{9C97DFA7-A930-459D-811A-93EBAD1FDC13}" type="datetimeFigureOut">
               <a:rPr lang="en-US" smtClean="0"/>
               <a:pPr/>
-              <a:t>2/28/2017</a:t>
+              <a:t>3/10/2017</a:t>
             </a:fld>
             <a:endParaRPr lang="en-US" dirty="0"/>
           </a:p>
@@ -697,18 +1006,38 @@
           <a:bodyPr/>
           <a:lstStyle/>
           <a:p>
+            <a:r>
+              <a:rPr lang="en-US" dirty="0" smtClean="0"/>
+              <a:t>Exhibit</a:t>
+            </a:r>
+            <a:r>
+              <a:rPr lang="en-US" baseline="0" dirty="0" smtClean="0"/>
+              <a:t> A – The travel memo</a:t>
+            </a:r>
+          </a:p>
+          <a:p>
+            <a:r>
+              <a:rPr lang="en-US" baseline="0" dirty="0" smtClean="0"/>
+              <a:t>This artifacts is demoralizing to our staff.</a:t>
+            </a:r>
+          </a:p>
+          <a:p>
+            <a:r>
+              <a:rPr lang="en-US" baseline="0" dirty="0" smtClean="0"/>
+              <a:t>Be sure to print out. </a:t>
+            </a:r>
             <a:endParaRPr lang="en-US" dirty="0"/>
           </a:p>
         </p:txBody>
       </p:sp>
       <p:sp>
         <p:nvSpPr>
-          <p:cNvPr id="4" name="Header Placeholder 3"/>
+          <p:cNvPr id="4" name="Slide Number Placeholder 3"/>
           <p:cNvSpPr>
             <a:spLocks noGrp="1"/>
           </p:cNvSpPr>
           <p:nvPr>
-            <p:ph type="hdr" sz="quarter" idx="10"/>
+            <p:ph type="sldNum" sz="quarter" idx="10"/>
           </p:nvPr>
         </p:nvSpPr>
         <p:spPr/>
@@ -716,42 +1045,18 @@
           <a:bodyPr/>
           <a:lstStyle/>
           <a:p>
-            <a:r>
+            <a:fld id="{CBFA152F-14D0-254A-8E76-130501E20A62}" type="slidenum">
               <a:rPr lang="en-US" smtClean="0"/>
-              <a:t>y</a:t>
-            </a:r>
-            <a:endParaRPr lang="en-US" dirty="0"/>
-          </a:p>
-        </p:txBody>
-      </p:sp>
-      <p:sp>
-        <p:nvSpPr>
-          <p:cNvPr id="5" name="Slide Number Placeholder 4"/>
-          <p:cNvSpPr>
-            <a:spLocks noGrp="1"/>
-          </p:cNvSpPr>
-          <p:nvPr>
-            <p:ph type="sldNum" sz="quarter" idx="11"/>
-          </p:nvPr>
-        </p:nvSpPr>
-        <p:spPr/>
-        <p:txBody>
-          <a:bodyPr/>
-          <a:lstStyle/>
-          <a:p>
-            <a:fld id="{26D62FD7-0F3B-41DD-A812-01FA087D189F}" type="slidenum">
-              <a:rPr lang="en-US" smtClean="0"/>
-              <a:pPr/>
-              <a:t>4</a:t>
+              <a:t>5</a:t>
             </a:fld>
-            <a:endParaRPr lang="en-US" dirty="0"/>
+            <a:endParaRPr lang="en-US"/>
           </a:p>
         </p:txBody>
       </p:sp>
     </p:spTree>
     <p:extLst>
       <p:ext uri="{BB962C8B-B14F-4D97-AF65-F5344CB8AC3E}">
-        <p14:creationId xmlns:p14="http://schemas.microsoft.com/office/powerpoint/2010/main" val="261672435"/>
+        <p14:creationId xmlns:p14="http://schemas.microsoft.com/office/powerpoint/2010/main" val="1394396354"/>
       </p:ext>
     </p:extLst>
   </p:cSld>
@@ -826,7 +1131,91 @@
           <a:p>
             <a:fld id="{CBFA152F-14D0-254A-8E76-130501E20A62}" type="slidenum">
               <a:rPr lang="en-US" smtClean="0"/>
-              <a:t>10</a:t>
+              <a:t>11</a:t>
+            </a:fld>
+            <a:endParaRPr lang="en-US"/>
+          </a:p>
+        </p:txBody>
+      </p:sp>
+    </p:spTree>
+    <p:extLst>
+      <p:ext uri="{BB962C8B-B14F-4D97-AF65-F5344CB8AC3E}">
+        <p14:creationId xmlns:p14="http://schemas.microsoft.com/office/powerpoint/2010/main" val="2724128632"/>
+      </p:ext>
+    </p:extLst>
+  </p:cSld>
+  <p:clrMapOvr>
+    <a:masterClrMapping/>
+  </p:clrMapOvr>
+</p:notes>
+</file>
+
+<file path=ppt/notesSlides/notesSlide3.xml><?xml version="1.0" encoding="utf-8"?>
+<p:notes xmlns:a="http://schemas.openxmlformats.org/drawingml/2006/main" xmlns:r="http://schemas.openxmlformats.org/officeDocument/2006/relationships" xmlns:p="http://schemas.openxmlformats.org/presentationml/2006/main">
+  <p:cSld>
+    <p:spTree>
+      <p:nvGrpSpPr>
+        <p:cNvPr id="1" name=""/>
+        <p:cNvGrpSpPr/>
+        <p:nvPr/>
+      </p:nvGrpSpPr>
+      <p:grpSpPr>
+        <a:xfrm>
+          <a:off x="0" y="0"/>
+          <a:ext cx="0" cy="0"/>
+          <a:chOff x="0" y="0"/>
+          <a:chExt cx="0" cy="0"/>
+        </a:xfrm>
+      </p:grpSpPr>
+      <p:sp>
+        <p:nvSpPr>
+          <p:cNvPr id="2" name="Slide Image Placeholder 1"/>
+          <p:cNvSpPr>
+            <a:spLocks noGrp="1" noRot="1" noChangeAspect="1"/>
+          </p:cNvSpPr>
+          <p:nvPr>
+            <p:ph type="sldImg"/>
+          </p:nvPr>
+        </p:nvSpPr>
+        <p:spPr/>
+      </p:sp>
+      <p:sp>
+        <p:nvSpPr>
+          <p:cNvPr id="3" name="Notes Placeholder 2"/>
+          <p:cNvSpPr>
+            <a:spLocks noGrp="1"/>
+          </p:cNvSpPr>
+          <p:nvPr>
+            <p:ph type="body" idx="1"/>
+          </p:nvPr>
+        </p:nvSpPr>
+        <p:spPr/>
+        <p:txBody>
+          <a:bodyPr/>
+          <a:lstStyle/>
+          <a:p>
+            <a:endParaRPr lang="en-US" dirty="0"/>
+          </a:p>
+        </p:txBody>
+      </p:sp>
+      <p:sp>
+        <p:nvSpPr>
+          <p:cNvPr id="4" name="Slide Number Placeholder 3"/>
+          <p:cNvSpPr>
+            <a:spLocks noGrp="1"/>
+          </p:cNvSpPr>
+          <p:nvPr>
+            <p:ph type="sldNum" sz="quarter" idx="10"/>
+          </p:nvPr>
+        </p:nvSpPr>
+        <p:spPr/>
+        <p:txBody>
+          <a:bodyPr/>
+          <a:lstStyle/>
+          <a:p>
+            <a:fld id="{CBFA152F-14D0-254A-8E76-130501E20A62}" type="slidenum">
+              <a:rPr lang="en-US" smtClean="0"/>
+              <a:t>12</a:t>
             </a:fld>
             <a:endParaRPr lang="en-US"/>
           </a:p>
@@ -1027,7 +1416,7 @@
             <a:fld id="{AA32C81B-06E9-47D3-A362-1EA77CEA09BE}" type="datetime1">
               <a:rPr lang="en-US" smtClean="0"/>
               <a:pPr/>
-              <a:t>2/28/2017</a:t>
+              <a:t>3/10/2017</a:t>
             </a:fld>
             <a:endParaRPr lang="en-US" dirty="0"/>
           </a:p>
@@ -1201,7 +1590,7 @@
             <a:fld id="{BFA00950-E4C1-4222-ACF4-2123E72AEF37}" type="datetime1">
               <a:rPr lang="en-US" smtClean="0"/>
               <a:pPr/>
-              <a:t>2/28/2017</a:t>
+              <a:t>3/10/2017</a:t>
             </a:fld>
             <a:endParaRPr lang="en-US" dirty="0"/>
           </a:p>
@@ -1378,7 +1767,7 @@
             <a:fld id="{CBD15043-742D-4F6E-A8C4-BA2AF834FE17}" type="datetime1">
               <a:rPr lang="en-US" smtClean="0"/>
               <a:pPr/>
-              <a:t>2/28/2017</a:t>
+              <a:t>3/10/2017</a:t>
             </a:fld>
             <a:endParaRPr lang="en-US" dirty="0"/>
           </a:p>
@@ -1888,7 +2277,7 @@
             <a:fld id="{7F1FD9F8-D836-4382-93E6-76465FBBB62F}" type="datetime1">
               <a:rPr lang="en-US" smtClean="0"/>
               <a:pPr/>
-              <a:t>2/28/2017</a:t>
+              <a:t>3/10/2017</a:t>
             </a:fld>
             <a:endParaRPr lang="en-US" dirty="0"/>
           </a:p>
@@ -2173,7 +2562,7 @@
             <a:fld id="{7D403F7E-814D-4D89-9EB2-9DE61751B6EC}" type="datetime1">
               <a:rPr lang="en-US" smtClean="0"/>
               <a:pPr/>
-              <a:t>2/28/2017</a:t>
+              <a:t>3/10/2017</a:t>
             </a:fld>
             <a:endParaRPr lang="en-US" dirty="0"/>
           </a:p>
@@ -2592,7 +2981,7 @@
             <a:fld id="{DEF81A8A-7DBA-4831-B14B-FDEB98BEFF71}" type="datetime1">
               <a:rPr lang="en-US" smtClean="0"/>
               <a:pPr/>
-              <a:t>2/28/2017</a:t>
+              <a:t>3/10/2017</a:t>
             </a:fld>
             <a:endParaRPr lang="en-US" dirty="0"/>
           </a:p>
@@ -2707,7 +3096,7 @@
             <a:fld id="{64B05029-6138-4597-A23C-391B5D03CDE8}" type="datetime1">
               <a:rPr lang="en-US" smtClean="0"/>
               <a:pPr/>
-              <a:t>2/28/2017</a:t>
+              <a:t>3/10/2017</a:t>
             </a:fld>
             <a:endParaRPr lang="en-US" dirty="0"/>
           </a:p>
@@ -2799,7 +3188,7 @@
             <a:fld id="{DFC743A0-176E-4DCC-A8B3-763ED910CD4A}" type="datetime1">
               <a:rPr lang="en-US" smtClean="0"/>
               <a:pPr/>
-              <a:t>2/28/2017</a:t>
+              <a:t>3/10/2017</a:t>
             </a:fld>
             <a:endParaRPr lang="en-US" dirty="0"/>
           </a:p>
@@ -3073,7 +3462,7 @@
             <a:fld id="{77D6D744-948F-4B19-811E-9DF46242F887}" type="datetime1">
               <a:rPr lang="en-US" smtClean="0"/>
               <a:pPr/>
-              <a:t>2/28/2017</a:t>
+              <a:t>3/10/2017</a:t>
             </a:fld>
             <a:endParaRPr lang="en-US" dirty="0"/>
           </a:p>
@@ -3323,7 +3712,7 @@
             <a:fld id="{8783B879-7E25-4082-9F6F-9089972D9901}" type="datetime1">
               <a:rPr lang="en-US" smtClean="0"/>
               <a:pPr/>
-              <a:t>2/28/2017</a:t>
+              <a:t>3/10/2017</a:t>
             </a:fld>
             <a:endParaRPr lang="en-US" dirty="0"/>
           </a:p>
@@ -3554,7 +3943,7 @@
             <a:fld id="{6A25572D-FDE5-4318-9CDF-9CF3DEE91333}" type="datetime1">
               <a:rPr lang="en-US" smtClean="0"/>
               <a:pPr/>
-              <a:t>2/28/2017</a:t>
+              <a:t>3/10/2017</a:t>
             </a:fld>
             <a:endParaRPr lang="en-US" dirty="0"/>
           </a:p>
@@ -4005,8 +4394,8 @@
         </p:nvSpPr>
         <p:spPr>
           <a:xfrm>
-            <a:off x="7543800" y="6400800"/>
-            <a:ext cx="2057400" cy="609600"/>
+            <a:off x="7391400" y="6477000"/>
+            <a:ext cx="2438400" cy="457200"/>
           </a:xfrm>
         </p:spPr>
         <p:txBody>
@@ -4015,17 +4404,16 @@
           <a:p>
             <a:r>
               <a:rPr lang="en-US" dirty="0" smtClean="0"/>
-              <a:t>Updated </a:t>
+              <a:t>Updated Mar. </a:t>
             </a:r>
             <a:r>
               <a:rPr lang="en-US" dirty="0" smtClean="0"/>
-              <a:t>Feb.</a:t>
+              <a:t>10, </a:t>
             </a:r>
             <a:r>
               <a:rPr lang="en-US" dirty="0" smtClean="0"/>
-              <a:t> 28, 2017</a:t>
-            </a:r>
-            <a:endParaRPr lang="en-US" dirty="0" smtClean="0"/>
+              <a:t>2017</a:t>
+            </a:r>
           </a:p>
         </p:txBody>
       </p:sp>
@@ -4307,6 +4695,373 @@
       </p:grpSpPr>
       <p:sp>
         <p:nvSpPr>
+          <p:cNvPr id="2" name="Title 1"/>
+          <p:cNvSpPr>
+            <a:spLocks noGrp="1"/>
+          </p:cNvSpPr>
+          <p:nvPr>
+            <p:ph type="title"/>
+          </p:nvPr>
+        </p:nvSpPr>
+        <p:spPr/>
+        <p:txBody>
+          <a:bodyPr/>
+          <a:lstStyle/>
+          <a:p>
+            <a:r>
+              <a:rPr lang="en-US" dirty="0" smtClean="0"/>
+              <a:t>Responsibilities</a:t>
+            </a:r>
+            <a:endParaRPr lang="en-US" dirty="0"/>
+          </a:p>
+        </p:txBody>
+      </p:sp>
+      <p:sp>
+        <p:nvSpPr>
+          <p:cNvPr id="3" name="Content Placeholder 2"/>
+          <p:cNvSpPr>
+            <a:spLocks noGrp="1"/>
+          </p:cNvSpPr>
+          <p:nvPr>
+            <p:ph idx="1"/>
+          </p:nvPr>
+        </p:nvSpPr>
+        <p:spPr>
+          <a:xfrm>
+            <a:off x="4648200" y="1143000"/>
+            <a:ext cx="4038600" cy="5486400"/>
+          </a:xfrm>
+        </p:spPr>
+        <p:txBody>
+          <a:bodyPr/>
+          <a:lstStyle/>
+          <a:p>
+            <a:pPr marL="0" indent="0">
+              <a:buNone/>
+            </a:pPr>
+            <a:endParaRPr lang="en-US" dirty="0" smtClean="0"/>
+          </a:p>
+          <a:p>
+            <a:r>
+              <a:rPr lang="en-US" sz="2800" dirty="0" smtClean="0"/>
+              <a:t>Server maintenance</a:t>
+            </a:r>
+          </a:p>
+          <a:p>
+            <a:r>
+              <a:rPr lang="en-US" sz="2800" dirty="0" smtClean="0"/>
+              <a:t>Backup databases</a:t>
+            </a:r>
+          </a:p>
+          <a:p>
+            <a:r>
+              <a:rPr lang="en-US" sz="2800" dirty="0" smtClean="0"/>
+              <a:t>Fix software issues</a:t>
+            </a:r>
+          </a:p>
+          <a:p>
+            <a:r>
+              <a:rPr lang="en-US" sz="2800" dirty="0" smtClean="0"/>
+              <a:t>Apply software updates</a:t>
+            </a:r>
+          </a:p>
+        </p:txBody>
+      </p:sp>
+      <p:sp>
+        <p:nvSpPr>
+          <p:cNvPr id="4" name="Content Placeholder 2"/>
+          <p:cNvSpPr txBox="1">
+            <a:spLocks/>
+          </p:cNvSpPr>
+          <p:nvPr/>
+        </p:nvSpPr>
+        <p:spPr>
+          <a:xfrm>
+            <a:off x="381000" y="1143000"/>
+            <a:ext cx="4038600" cy="5334000"/>
+          </a:xfrm>
+          <a:prstGeom prst="rect">
+            <a:avLst/>
+          </a:prstGeom>
+        </p:spPr>
+        <p:txBody>
+          <a:bodyPr vert="horz" lIns="91440" tIns="45720" rIns="91440" bIns="45720" rtlCol="0">
+            <a:normAutofit/>
+          </a:bodyPr>
+          <a:lstStyle>
+            <a:lvl1pPr marL="342900" indent="-342900" algn="l" defTabSz="914400" rtl="0" eaLnBrk="1" latinLnBrk="0" hangingPunct="1">
+              <a:spcBef>
+                <a:spcPct val="20000"/>
+              </a:spcBef>
+              <a:buFont typeface="Arial" pitchFamily="34" charset="0"/>
+              <a:buChar char="•"/>
+              <a:defRPr sz="3200" kern="1200">
+                <a:solidFill>
+                  <a:schemeClr val="tx1"/>
+                </a:solidFill>
+                <a:latin typeface="+mn-lt"/>
+                <a:ea typeface="+mn-ea"/>
+                <a:cs typeface="+mn-cs"/>
+              </a:defRPr>
+            </a:lvl1pPr>
+            <a:lvl2pPr marL="742950" indent="-285750" algn="l" defTabSz="914400" rtl="0" eaLnBrk="1" latinLnBrk="0" hangingPunct="1">
+              <a:spcBef>
+                <a:spcPct val="20000"/>
+              </a:spcBef>
+              <a:buFont typeface="Arial" pitchFamily="34" charset="0"/>
+              <a:buChar char="–"/>
+              <a:defRPr sz="2800" kern="1200">
+                <a:solidFill>
+                  <a:schemeClr val="tx1"/>
+                </a:solidFill>
+                <a:latin typeface="+mn-lt"/>
+                <a:ea typeface="+mn-ea"/>
+                <a:cs typeface="+mn-cs"/>
+              </a:defRPr>
+            </a:lvl2pPr>
+            <a:lvl3pPr marL="1143000" indent="-228600" algn="l" defTabSz="914400" rtl="0" eaLnBrk="1" latinLnBrk="0" hangingPunct="1">
+              <a:spcBef>
+                <a:spcPct val="20000"/>
+              </a:spcBef>
+              <a:buFont typeface="Arial" pitchFamily="34" charset="0"/>
+              <a:buChar char="•"/>
+              <a:defRPr sz="2400" kern="1200">
+                <a:solidFill>
+                  <a:schemeClr val="tx1"/>
+                </a:solidFill>
+                <a:latin typeface="+mn-lt"/>
+                <a:ea typeface="+mn-ea"/>
+                <a:cs typeface="+mn-cs"/>
+              </a:defRPr>
+            </a:lvl3pPr>
+            <a:lvl4pPr marL="1600200" indent="-228600" algn="l" defTabSz="914400" rtl="0" eaLnBrk="1" latinLnBrk="0" hangingPunct="1">
+              <a:spcBef>
+                <a:spcPct val="20000"/>
+              </a:spcBef>
+              <a:buFont typeface="Arial" pitchFamily="34" charset="0"/>
+              <a:buChar char="–"/>
+              <a:defRPr sz="2000" kern="1200">
+                <a:solidFill>
+                  <a:schemeClr val="tx1"/>
+                </a:solidFill>
+                <a:latin typeface="+mn-lt"/>
+                <a:ea typeface="+mn-ea"/>
+                <a:cs typeface="+mn-cs"/>
+              </a:defRPr>
+            </a:lvl4pPr>
+            <a:lvl5pPr marL="2057400" indent="-228600" algn="l" defTabSz="914400" rtl="0" eaLnBrk="1" latinLnBrk="0" hangingPunct="1">
+              <a:spcBef>
+                <a:spcPct val="20000"/>
+              </a:spcBef>
+              <a:buFont typeface="Arial" pitchFamily="34" charset="0"/>
+              <a:buChar char="»"/>
+              <a:defRPr sz="2000" kern="1200">
+                <a:solidFill>
+                  <a:schemeClr val="tx1"/>
+                </a:solidFill>
+                <a:latin typeface="+mn-lt"/>
+                <a:ea typeface="+mn-ea"/>
+                <a:cs typeface="+mn-cs"/>
+              </a:defRPr>
+            </a:lvl5pPr>
+            <a:lvl6pPr marL="2514600" indent="-228600" algn="l" defTabSz="914400" rtl="0" eaLnBrk="1" latinLnBrk="0" hangingPunct="1">
+              <a:spcBef>
+                <a:spcPct val="20000"/>
+              </a:spcBef>
+              <a:buFont typeface="Arial" pitchFamily="34" charset="0"/>
+              <a:buChar char="•"/>
+              <a:defRPr sz="2000" kern="1200">
+                <a:solidFill>
+                  <a:schemeClr val="tx1"/>
+                </a:solidFill>
+                <a:latin typeface="+mn-lt"/>
+                <a:ea typeface="+mn-ea"/>
+                <a:cs typeface="+mn-cs"/>
+              </a:defRPr>
+            </a:lvl6pPr>
+            <a:lvl7pPr marL="2971800" indent="-228600" algn="l" defTabSz="914400" rtl="0" eaLnBrk="1" latinLnBrk="0" hangingPunct="1">
+              <a:spcBef>
+                <a:spcPct val="20000"/>
+              </a:spcBef>
+              <a:buFont typeface="Arial" pitchFamily="34" charset="0"/>
+              <a:buChar char="•"/>
+              <a:defRPr sz="2000" kern="1200">
+                <a:solidFill>
+                  <a:schemeClr val="tx1"/>
+                </a:solidFill>
+                <a:latin typeface="+mn-lt"/>
+                <a:ea typeface="+mn-ea"/>
+                <a:cs typeface="+mn-cs"/>
+              </a:defRPr>
+            </a:lvl7pPr>
+            <a:lvl8pPr marL="3429000" indent="-228600" algn="l" defTabSz="914400" rtl="0" eaLnBrk="1" latinLnBrk="0" hangingPunct="1">
+              <a:spcBef>
+                <a:spcPct val="20000"/>
+              </a:spcBef>
+              <a:buFont typeface="Arial" pitchFamily="34" charset="0"/>
+              <a:buChar char="•"/>
+              <a:defRPr sz="2000" kern="1200">
+                <a:solidFill>
+                  <a:schemeClr val="tx1"/>
+                </a:solidFill>
+                <a:latin typeface="+mn-lt"/>
+                <a:ea typeface="+mn-ea"/>
+                <a:cs typeface="+mn-cs"/>
+              </a:defRPr>
+            </a:lvl8pPr>
+            <a:lvl9pPr marL="3886200" indent="-228600" algn="l" defTabSz="914400" rtl="0" eaLnBrk="1" latinLnBrk="0" hangingPunct="1">
+              <a:spcBef>
+                <a:spcPct val="20000"/>
+              </a:spcBef>
+              <a:buFont typeface="Arial" pitchFamily="34" charset="0"/>
+              <a:buChar char="•"/>
+              <a:defRPr sz="2000" kern="1200">
+                <a:solidFill>
+                  <a:schemeClr val="tx1"/>
+                </a:solidFill>
+                <a:latin typeface="+mn-lt"/>
+                <a:ea typeface="+mn-ea"/>
+                <a:cs typeface="+mn-cs"/>
+              </a:defRPr>
+            </a:lvl9pPr>
+          </a:lstStyle>
+          <a:p>
+            <a:pPr marL="0" indent="0" algn="ctr">
+              <a:buFont typeface="Arial" pitchFamily="34" charset="0"/>
+              <a:buNone/>
+            </a:pPr>
+            <a:r>
+              <a:rPr lang="en-US" b="1" dirty="0" smtClean="0"/>
+              <a:t>Your Facility</a:t>
+            </a:r>
+          </a:p>
+          <a:p>
+            <a:r>
+              <a:rPr lang="en-US" sz="2800" dirty="0" smtClean="0"/>
+              <a:t>Maintain forms, workflows, privilege groups, and any customizations made</a:t>
+            </a:r>
+          </a:p>
+          <a:p>
+            <a:r>
+              <a:rPr lang="en-US" sz="2800" dirty="0" smtClean="0"/>
+              <a:t>Ensure personnel are apprised of the system</a:t>
+            </a:r>
+          </a:p>
+          <a:p>
+            <a:endParaRPr lang="en-US" sz="2800" dirty="0"/>
+          </a:p>
+        </p:txBody>
+      </p:sp>
+      <p:pic>
+        <p:nvPicPr>
+          <p:cNvPr id="1026" name="Picture 2" descr="C:\Users\vhawasgaom1\Desktop\LEAF\Logos\LEAF_logo.png"/>
+          <p:cNvPicPr>
+            <a:picLocks noChangeAspect="1" noChangeArrowheads="1"/>
+          </p:cNvPicPr>
+          <p:nvPr/>
+        </p:nvPicPr>
+        <p:blipFill>
+          <a:blip r:embed="rId2" cstate="print">
+            <a:extLst>
+              <a:ext uri="{28A0092B-C50C-407E-A947-70E740481C1C}">
+                <a14:useLocalDpi xmlns:a14="http://schemas.microsoft.com/office/drawing/2010/main" val="0"/>
+              </a:ext>
+            </a:extLst>
+          </a:blip>
+          <a:srcRect/>
+          <a:stretch>
+            <a:fillRect/>
+          </a:stretch>
+        </p:blipFill>
+        <p:spPr bwMode="auto">
+          <a:xfrm>
+            <a:off x="5715000" y="1143001"/>
+            <a:ext cx="1828800" cy="452106"/>
+          </a:xfrm>
+          <a:prstGeom prst="rect">
+            <a:avLst/>
+          </a:prstGeom>
+          <a:noFill/>
+          <a:extLst>
+            <a:ext uri="{909E8E84-426E-40DD-AFC4-6F175D3DCCD1}">
+              <a14:hiddenFill xmlns:a14="http://schemas.microsoft.com/office/drawing/2010/main">
+                <a:solidFill>
+                  <a:srgbClr val="FFFFFF"/>
+                </a:solidFill>
+              </a14:hiddenFill>
+            </a:ext>
+          </a:extLst>
+        </p:spPr>
+      </p:pic>
+      <p:cxnSp>
+        <p:nvCxnSpPr>
+          <p:cNvPr id="6" name="Straight Connector 5"/>
+          <p:cNvCxnSpPr/>
+          <p:nvPr/>
+        </p:nvCxnSpPr>
+        <p:spPr>
+          <a:xfrm>
+            <a:off x="4419600" y="1066800"/>
+            <a:ext cx="0" cy="5486400"/>
+          </a:xfrm>
+          <a:prstGeom prst="line">
+            <a:avLst/>
+          </a:prstGeom>
+        </p:spPr>
+        <p:style>
+          <a:lnRef idx="1">
+            <a:schemeClr val="accent1"/>
+          </a:lnRef>
+          <a:fillRef idx="0">
+            <a:schemeClr val="accent1"/>
+          </a:fillRef>
+          <a:effectRef idx="0">
+            <a:schemeClr val="accent1"/>
+          </a:effectRef>
+          <a:fontRef idx="minor">
+            <a:schemeClr val="tx1"/>
+          </a:fontRef>
+        </p:style>
+      </p:cxnSp>
+    </p:spTree>
+    <p:extLst>
+      <p:ext uri="{BB962C8B-B14F-4D97-AF65-F5344CB8AC3E}">
+        <p14:creationId xmlns:p14="http://schemas.microsoft.com/office/powerpoint/2010/main" val="3799369597"/>
+      </p:ext>
+    </p:extLst>
+  </p:cSld>
+  <p:clrMapOvr>
+    <a:masterClrMapping/>
+  </p:clrMapOvr>
+  <p:timing>
+    <p:tnLst>
+      <p:par>
+        <p:cTn id="1" dur="indefinite" restart="never" nodeType="tmRoot"/>
+      </p:par>
+    </p:tnLst>
+  </p:timing>
+</p:sld>
+</file>
+
+<file path=ppt/slides/slide11.xml><?xml version="1.0" encoding="utf-8"?>
+<p:sld xmlns:a="http://schemas.openxmlformats.org/drawingml/2006/main" xmlns:r="http://schemas.openxmlformats.org/officeDocument/2006/relationships" xmlns:p="http://schemas.openxmlformats.org/presentationml/2006/main">
+  <p:cSld>
+    <p:spTree>
+      <p:nvGrpSpPr>
+        <p:cNvPr id="1" name=""/>
+        <p:cNvGrpSpPr/>
+        <p:nvPr/>
+      </p:nvGrpSpPr>
+      <p:grpSpPr>
+        <a:xfrm>
+          <a:off x="0" y="0"/>
+          <a:ext cx="0" cy="0"/>
+          <a:chOff x="0" y="0"/>
+          <a:chExt cx="0" cy="0"/>
+        </a:xfrm>
+      </p:grpSpPr>
+      <p:sp>
+        <p:nvSpPr>
           <p:cNvPr id="4" name="Content Placeholder 2"/>
           <p:cNvSpPr>
             <a:spLocks noGrp="1"/>
@@ -4550,6 +5305,173 @@
     <p:extLst>
       <p:ext uri="{BB962C8B-B14F-4D97-AF65-F5344CB8AC3E}">
         <p14:creationId xmlns:p14="http://schemas.microsoft.com/office/powerpoint/2010/main" val="2913308444"/>
+      </p:ext>
+    </p:extLst>
+  </p:cSld>
+  <p:clrMapOvr>
+    <a:masterClrMapping/>
+  </p:clrMapOvr>
+  <p:timing>
+    <p:tnLst>
+      <p:par>
+        <p:cTn id="1" dur="indefinite" restart="never" nodeType="tmRoot"/>
+      </p:par>
+    </p:tnLst>
+  </p:timing>
+</p:sld>
+</file>
+
+<file path=ppt/slides/slide12.xml><?xml version="1.0" encoding="utf-8"?>
+<p:sld xmlns:a="http://schemas.openxmlformats.org/drawingml/2006/main" xmlns:r="http://schemas.openxmlformats.org/officeDocument/2006/relationships" xmlns:p="http://schemas.openxmlformats.org/presentationml/2006/main">
+  <p:cSld>
+    <p:spTree>
+      <p:nvGrpSpPr>
+        <p:cNvPr id="1" name=""/>
+        <p:cNvGrpSpPr/>
+        <p:nvPr/>
+      </p:nvGrpSpPr>
+      <p:grpSpPr>
+        <a:xfrm>
+          <a:off x="0" y="0"/>
+          <a:ext cx="0" cy="0"/>
+          <a:chOff x="0" y="0"/>
+          <a:chExt cx="0" cy="0"/>
+        </a:xfrm>
+      </p:grpSpPr>
+      <p:sp>
+        <p:nvSpPr>
+          <p:cNvPr id="6" name="Title 1"/>
+          <p:cNvSpPr>
+            <a:spLocks noGrp="1"/>
+          </p:cNvSpPr>
+          <p:nvPr>
+            <p:ph type="title"/>
+          </p:nvPr>
+        </p:nvSpPr>
+        <p:spPr>
+          <a:xfrm>
+            <a:off x="76200" y="0"/>
+            <a:ext cx="5867400" cy="914400"/>
+          </a:xfrm>
+        </p:spPr>
+        <p:txBody>
+          <a:bodyPr/>
+          <a:lstStyle/>
+          <a:p>
+            <a:r>
+              <a:rPr lang="en-US" dirty="0" smtClean="0"/>
+              <a:t>How to get started</a:t>
+            </a:r>
+            <a:endParaRPr lang="en-US" dirty="0"/>
+          </a:p>
+        </p:txBody>
+      </p:sp>
+      <p:sp>
+        <p:nvSpPr>
+          <p:cNvPr id="3" name="TextBox 2"/>
+          <p:cNvSpPr txBox="1"/>
+          <p:nvPr/>
+        </p:nvSpPr>
+        <p:spPr>
+          <a:xfrm>
+            <a:off x="381000" y="2362200"/>
+            <a:ext cx="8382000" cy="523220"/>
+          </a:xfrm>
+          <a:prstGeom prst="rect">
+            <a:avLst/>
+          </a:prstGeom>
+          <a:noFill/>
+        </p:spPr>
+        <p:txBody>
+          <a:bodyPr wrap="square" rtlCol="0">
+            <a:spAutoFit/>
+          </a:bodyPr>
+          <a:lstStyle/>
+          <a:p>
+            <a:r>
+              <a:rPr lang="en-US" sz="2800" dirty="0">
+                <a:hlinkClick r:id="rId3"/>
+              </a:rPr>
+              <a:t>https://vhav05webrm.v05.med.va.gov/LEAF/launchpad</a:t>
+            </a:r>
+            <a:r>
+              <a:rPr lang="en-US" sz="2800" dirty="0" smtClean="0">
+                <a:hlinkClick r:id="rId3"/>
+              </a:rPr>
+              <a:t>/</a:t>
+            </a:r>
+            <a:r>
+              <a:rPr lang="en-US" sz="2800" dirty="0" smtClean="0"/>
+              <a:t> </a:t>
+            </a:r>
+            <a:endParaRPr lang="en-US" sz="2800" dirty="0"/>
+          </a:p>
+        </p:txBody>
+      </p:sp>
+      <p:sp>
+        <p:nvSpPr>
+          <p:cNvPr id="10" name="TextBox 9"/>
+          <p:cNvSpPr txBox="1"/>
+          <p:nvPr/>
+        </p:nvSpPr>
+        <p:spPr>
+          <a:xfrm>
+            <a:off x="381000" y="1356857"/>
+            <a:ext cx="7523150" cy="461665"/>
+          </a:xfrm>
+          <a:prstGeom prst="rect">
+            <a:avLst/>
+          </a:prstGeom>
+          <a:noFill/>
+        </p:spPr>
+        <p:txBody>
+          <a:bodyPr wrap="none" rtlCol="0">
+            <a:spAutoFit/>
+          </a:bodyPr>
+          <a:lstStyle/>
+          <a:p>
+            <a:r>
+              <a:rPr lang="en-US" sz="2400" dirty="0" smtClean="0"/>
+              <a:t>Get started by submitting a request on our Launchpad site:</a:t>
+            </a:r>
+            <a:endParaRPr lang="en-US" sz="2400" dirty="0"/>
+          </a:p>
+        </p:txBody>
+      </p:sp>
+      <p:sp>
+        <p:nvSpPr>
+          <p:cNvPr id="11" name="TextBox 10"/>
+          <p:cNvSpPr txBox="1"/>
+          <p:nvPr/>
+        </p:nvSpPr>
+        <p:spPr>
+          <a:xfrm>
+            <a:off x="4800600" y="6096000"/>
+            <a:ext cx="4021101" cy="369332"/>
+          </a:xfrm>
+          <a:prstGeom prst="rect">
+            <a:avLst/>
+          </a:prstGeom>
+          <a:noFill/>
+        </p:spPr>
+        <p:txBody>
+          <a:bodyPr wrap="none" rtlCol="0">
+            <a:spAutoFit/>
+          </a:bodyPr>
+          <a:lstStyle/>
+          <a:p>
+            <a:r>
+              <a:rPr lang="en-US" dirty="0" smtClean="0"/>
+              <a:t>Our Launchpad site was built using LEAF!</a:t>
+            </a:r>
+            <a:endParaRPr lang="en-US" dirty="0"/>
+          </a:p>
+        </p:txBody>
+      </p:sp>
+    </p:spTree>
+    <p:extLst>
+      <p:ext uri="{BB962C8B-B14F-4D97-AF65-F5344CB8AC3E}">
+        <p14:creationId xmlns:p14="http://schemas.microsoft.com/office/powerpoint/2010/main" val="1527403877"/>
       </p:ext>
     </p:extLst>
   </p:cSld>
@@ -4624,7 +5546,7 @@
         </p:spPr>
         <p:txBody>
           <a:bodyPr>
-            <a:normAutofit lnSpcReduction="10000"/>
+            <a:normAutofit fontScale="92500"/>
           </a:bodyPr>
           <a:lstStyle/>
           <a:p>
@@ -4634,17 +5556,12 @@
             </a:r>
             <a:r>
               <a:rPr lang="en-US" sz="2400" dirty="0" smtClean="0"/>
-              <a:t>web </a:t>
+              <a:t>secure web </a:t>
             </a:r>
             <a:r>
               <a:rPr lang="en-US" sz="2400" dirty="0" smtClean="0"/>
-              <a:t>application, and Class II VA Software, designed to help facilities rapidly </a:t>
-            </a:r>
-            <a:r>
-              <a:rPr lang="en-US" sz="2400" dirty="0" smtClean="0"/>
-              <a:t>develop common form/workflow solutions</a:t>
-            </a:r>
-            <a:endParaRPr lang="en-US" sz="2400" dirty="0" smtClean="0"/>
+              <a:t>application, and Class II VA Software, designed to help facilities rapidly develop common form/workflow solutions</a:t>
+            </a:r>
           </a:p>
           <a:p>
             <a:pPr marL="0" indent="0">
@@ -4655,36 +5572,16 @@
           <a:p>
             <a:r>
               <a:rPr lang="en-US" sz="2400" dirty="0" smtClean="0"/>
-              <a:t>Developed by </a:t>
-            </a:r>
+              <a:t>Developed by VA employees to solve common issues</a:t>
+            </a:r>
+          </a:p>
+          <a:p>
+            <a:endParaRPr lang="en-US" sz="2400" dirty="0" smtClean="0"/>
+          </a:p>
+          <a:p>
             <a:r>
               <a:rPr lang="en-US" sz="2400" dirty="0" smtClean="0"/>
-              <a:t>VA employees to solve common issues</a:t>
-            </a:r>
-          </a:p>
-          <a:p>
-            <a:endParaRPr lang="en-US" sz="2400" dirty="0" smtClean="0"/>
-          </a:p>
-          <a:p>
-            <a:r>
-              <a:rPr lang="en-US" sz="2400" dirty="0" smtClean="0"/>
-              <a:t>No </a:t>
-            </a:r>
-            <a:r>
-              <a:rPr lang="en-US" sz="2400" dirty="0" smtClean="0"/>
-              <a:t>licensing </a:t>
-            </a:r>
-            <a:r>
-              <a:rPr lang="en-US" sz="2400" dirty="0" smtClean="0"/>
-              <a:t>costs</a:t>
-            </a:r>
-            <a:r>
-              <a:rPr lang="en-US" sz="2400" dirty="0" smtClean="0"/>
-              <a:t>, open </a:t>
-            </a:r>
-            <a:r>
-              <a:rPr lang="en-US" sz="2400" dirty="0" smtClean="0"/>
-              <a:t>source technologies</a:t>
+              <a:t>No licensing costs, open source technologies</a:t>
             </a:r>
           </a:p>
           <a:p>
@@ -4845,11 +5742,7 @@
           <a:p>
             <a:r>
               <a:rPr lang="en-US" dirty="0" smtClean="0"/>
-              <a:t>Solve </a:t>
-            </a:r>
-            <a:r>
-              <a:rPr lang="en-US" dirty="0" smtClean="0"/>
-              <a:t>common issues</a:t>
+              <a:t>Solve common issues</a:t>
             </a:r>
             <a:endParaRPr lang="en-US" dirty="0"/>
           </a:p>
@@ -4873,7 +5766,7 @@
         </p:spPr>
         <p:txBody>
           <a:bodyPr>
-            <a:normAutofit lnSpcReduction="10000"/>
+            <a:normAutofit/>
           </a:bodyPr>
           <a:lstStyle/>
           <a:p>
@@ -4884,17 +5777,8 @@
             </a:pPr>
             <a:r>
               <a:rPr lang="en-US" sz="2400" dirty="0" smtClean="0"/>
-              <a:t>Never </a:t>
-            </a:r>
-            <a:r>
-              <a:rPr lang="en-US" sz="2400" dirty="0" smtClean="0"/>
-              <a:t>lose a </a:t>
-            </a:r>
-            <a:r>
-              <a:rPr lang="en-US" sz="2400" dirty="0" smtClean="0"/>
-              <a:t>request</a:t>
-            </a:r>
-            <a:endParaRPr lang="en-US" sz="2400" dirty="0" smtClean="0"/>
+              <a:t>Never lose a request</a:t>
+            </a:r>
           </a:p>
           <a:p>
             <a:pPr>
@@ -4912,13 +5796,8 @@
             </a:pPr>
             <a:r>
               <a:rPr lang="en-US" sz="2400" dirty="0" smtClean="0"/>
-              <a:t>Always know where a request is in the </a:t>
-            </a:r>
-            <a:r>
-              <a:rPr lang="en-US" sz="2400" dirty="0" smtClean="0"/>
-              <a:t>process</a:t>
-            </a:r>
-            <a:endParaRPr lang="en-US" sz="2400" dirty="0" smtClean="0"/>
+              <a:t>Always know where a request is in the process</a:t>
+            </a:r>
           </a:p>
           <a:p>
             <a:pPr>
@@ -4938,7 +5817,6 @@
               <a:rPr lang="en-US" sz="2400" dirty="0" smtClean="0"/>
               <a:t>Guard sensitive data</a:t>
             </a:r>
-            <a:endParaRPr lang="en-US" sz="2400" dirty="0" smtClean="0"/>
           </a:p>
           <a:p>
             <a:pPr>
@@ -4956,13 +5834,8 @@
             </a:pPr>
             <a:r>
               <a:rPr lang="en-US" sz="2400" dirty="0" smtClean="0"/>
-              <a:t>Ensure transparency of the </a:t>
-            </a:r>
-            <a:r>
-              <a:rPr lang="en-US" sz="2400" dirty="0" smtClean="0"/>
-              <a:t>process</a:t>
-            </a:r>
-            <a:endParaRPr lang="en-US" sz="2400" dirty="0" smtClean="0"/>
+              <a:t>Ensure transparency of the process</a:t>
+            </a:r>
           </a:p>
           <a:p>
             <a:pPr>
@@ -4980,13 +5853,8 @@
             </a:pPr>
             <a:r>
               <a:rPr lang="en-US" sz="2400" dirty="0" smtClean="0"/>
-              <a:t>Improve timeliness of reviewers and </a:t>
-            </a:r>
-            <a:r>
-              <a:rPr lang="en-US" sz="2400" dirty="0" smtClean="0"/>
-              <a:t>implementation</a:t>
-            </a:r>
-            <a:endParaRPr lang="en-US" sz="2400" dirty="0" smtClean="0"/>
+              <a:t>Improve timeliness of reviewers and implementation</a:t>
+            </a:r>
           </a:p>
           <a:p>
             <a:pPr>
@@ -5023,9 +5891,8 @@
             </a:pPr>
             <a:r>
               <a:rPr lang="en-US" sz="2400" dirty="0" smtClean="0"/>
-              <a:t>No new username/passwords, uses existing security infrastructure</a:t>
-            </a:r>
-            <a:endParaRPr lang="en-US" sz="2400" dirty="0" smtClean="0"/>
+              <a:t>Leverages existing enterprise IT security infrastructure</a:t>
+            </a:r>
           </a:p>
         </p:txBody>
       </p:sp>
@@ -5068,226 +5935,681 @@
       </p:grpSpPr>
       <p:sp>
         <p:nvSpPr>
-          <p:cNvPr id="15" name="Rectangle 14"/>
-          <p:cNvSpPr/>
-          <p:nvPr/>
+          <p:cNvPr id="2" name="Title 1"/>
+          <p:cNvSpPr>
+            <a:spLocks noGrp="1"/>
+          </p:cNvSpPr>
+          <p:nvPr>
+            <p:ph type="title" idx="4294967295"/>
+          </p:nvPr>
         </p:nvSpPr>
         <p:spPr>
           <a:xfrm>
-            <a:off x="152400" y="5181600"/>
-            <a:ext cx="8915400" cy="1295400"/>
+            <a:off x="396875" y="3192463"/>
+            <a:ext cx="8229600" cy="1143000"/>
+          </a:xfrm>
+        </p:spPr>
+        <p:txBody>
+          <a:bodyPr>
+            <a:normAutofit/>
+          </a:bodyPr>
+          <a:lstStyle/>
+          <a:p>
+            <a:r>
+              <a:rPr lang="en-US" sz="3600" dirty="0" smtClean="0">
+                <a:solidFill>
+                  <a:schemeClr val="tx1">
+                    <a:lumMod val="75000"/>
+                    <a:lumOff val="25000"/>
+                  </a:schemeClr>
+                </a:solidFill>
+              </a:rPr>
+              <a:t>EXISTING PROCESSES</a:t>
+            </a:r>
+            <a:endParaRPr lang="en-US" sz="3600" dirty="0">
+              <a:solidFill>
+                <a:schemeClr val="tx1">
+                  <a:lumMod val="75000"/>
+                  <a:lumOff val="25000"/>
+                </a:schemeClr>
+              </a:solidFill>
+            </a:endParaRPr>
+          </a:p>
+        </p:txBody>
+      </p:sp>
+      <p:sp>
+        <p:nvSpPr>
+          <p:cNvPr id="3" name="TextBox 2"/>
+          <p:cNvSpPr txBox="1"/>
+          <p:nvPr/>
+        </p:nvSpPr>
+        <p:spPr>
+          <a:xfrm>
+            <a:off x="296476" y="588713"/>
+            <a:ext cx="3107677" cy="400110"/>
           </a:xfrm>
           <a:prstGeom prst="rect">
             <a:avLst/>
           </a:prstGeom>
-          <a:solidFill>
-            <a:schemeClr val="tx2">
-              <a:lumMod val="20000"/>
-              <a:lumOff val="80000"/>
-              <a:alpha val="30000"/>
-            </a:schemeClr>
-          </a:solidFill>
-          <a:ln>
-            <a:noFill/>
-          </a:ln>
-          <a:effectLst/>
+          <a:noFill/>
         </p:spPr>
-        <p:style>
-          <a:lnRef idx="1">
-            <a:schemeClr val="accent1"/>
-          </a:lnRef>
-          <a:fillRef idx="3">
-            <a:schemeClr val="accent1"/>
-          </a:fillRef>
-          <a:effectRef idx="2">
-            <a:schemeClr val="accent1"/>
-          </a:effectRef>
-          <a:fontRef idx="minor">
-            <a:schemeClr val="lt1"/>
-          </a:fontRef>
-        </p:style>
-        <p:txBody>
-          <a:bodyPr rtlCol="0" anchor="ctr"/>
+        <p:txBody>
+          <a:bodyPr wrap="square" rtlCol="0">
+            <a:spAutoFit/>
+          </a:bodyPr>
           <a:lstStyle/>
           <a:p>
-            <a:pPr algn="ctr"/>
-            <a:endParaRPr lang="en-US"/>
-          </a:p>
-        </p:txBody>
-      </p:sp>
-      <p:sp>
-        <p:nvSpPr>
-          <p:cNvPr id="14" name="Rectangle 13"/>
-          <p:cNvSpPr/>
+            <a:r>
+              <a:rPr lang="en-US" sz="2000" dirty="0" smtClean="0">
+                <a:solidFill>
+                  <a:srgbClr val="005FB2"/>
+                </a:solidFill>
+              </a:rPr>
+              <a:t>Travel Requests</a:t>
+            </a:r>
+            <a:endParaRPr lang="en-US" sz="2000" dirty="0">
+              <a:solidFill>
+                <a:srgbClr val="005FB2"/>
+              </a:solidFill>
+            </a:endParaRPr>
+          </a:p>
+        </p:txBody>
+      </p:sp>
+      <p:sp>
+        <p:nvSpPr>
+          <p:cNvPr id="4" name="TextBox 3"/>
+          <p:cNvSpPr txBox="1"/>
           <p:nvPr/>
         </p:nvSpPr>
         <p:spPr>
           <a:xfrm>
-            <a:off x="152400" y="2743200"/>
-            <a:ext cx="8915400" cy="1295400"/>
+            <a:off x="296476" y="1789035"/>
+            <a:ext cx="1847323" cy="400110"/>
           </a:xfrm>
           <a:prstGeom prst="rect">
             <a:avLst/>
           </a:prstGeom>
-          <a:solidFill>
-            <a:schemeClr val="tx2">
-              <a:lumMod val="20000"/>
-              <a:lumOff val="80000"/>
-              <a:alpha val="30000"/>
-            </a:schemeClr>
-          </a:solidFill>
-          <a:ln>
-            <a:noFill/>
-          </a:ln>
-          <a:effectLst/>
+          <a:noFill/>
         </p:spPr>
-        <p:style>
-          <a:lnRef idx="1">
-            <a:schemeClr val="accent1"/>
-          </a:lnRef>
-          <a:fillRef idx="3">
-            <a:schemeClr val="accent1"/>
-          </a:fillRef>
-          <a:effectRef idx="2">
-            <a:schemeClr val="accent1"/>
-          </a:effectRef>
-          <a:fontRef idx="minor">
-            <a:schemeClr val="lt1"/>
-          </a:fontRef>
-        </p:style>
-        <p:txBody>
-          <a:bodyPr rtlCol="0" anchor="ctr"/>
+        <p:txBody>
+          <a:bodyPr wrap="square" rtlCol="0">
+            <a:spAutoFit/>
+          </a:bodyPr>
           <a:lstStyle/>
           <a:p>
+            <a:r>
+              <a:rPr lang="en-US" sz="2000" dirty="0" smtClean="0">
+                <a:solidFill>
+                  <a:srgbClr val="005FB2"/>
+                </a:solidFill>
+              </a:rPr>
+              <a:t>Task Tracking</a:t>
+            </a:r>
+            <a:endParaRPr lang="en-US" sz="2000" dirty="0">
+              <a:solidFill>
+                <a:srgbClr val="005FB2"/>
+              </a:solidFill>
+            </a:endParaRPr>
+          </a:p>
+        </p:txBody>
+      </p:sp>
+      <p:sp>
+        <p:nvSpPr>
+          <p:cNvPr id="5" name="TextBox 4"/>
+          <p:cNvSpPr txBox="1"/>
+          <p:nvPr/>
+        </p:nvSpPr>
+        <p:spPr>
+          <a:xfrm>
+            <a:off x="484224" y="4257366"/>
+            <a:ext cx="3397390" cy="400110"/>
+          </a:xfrm>
+          <a:prstGeom prst="rect">
+            <a:avLst/>
+          </a:prstGeom>
+          <a:noFill/>
+        </p:spPr>
+        <p:txBody>
+          <a:bodyPr wrap="square" rtlCol="0">
+            <a:spAutoFit/>
+          </a:bodyPr>
+          <a:lstStyle/>
+          <a:p>
             <a:pPr algn="ctr"/>
-            <a:endParaRPr lang="en-US"/>
+            <a:r>
+              <a:rPr lang="en-US" sz="2000" dirty="0" smtClean="0">
+                <a:solidFill>
+                  <a:srgbClr val="005FB2"/>
+                </a:solidFill>
+              </a:rPr>
+              <a:t>Clinic Profile Management </a:t>
+            </a:r>
+            <a:endParaRPr lang="en-US" sz="2000" i="1" dirty="0">
+              <a:solidFill>
+                <a:schemeClr val="tx1">
+                  <a:lumMod val="75000"/>
+                  <a:lumOff val="25000"/>
+                </a:schemeClr>
+              </a:solidFill>
+            </a:endParaRPr>
+          </a:p>
+        </p:txBody>
+      </p:sp>
+      <p:sp>
+        <p:nvSpPr>
+          <p:cNvPr id="7" name="TextBox 6"/>
+          <p:cNvSpPr txBox="1"/>
+          <p:nvPr/>
+        </p:nvSpPr>
+        <p:spPr>
+          <a:xfrm>
+            <a:off x="7322143" y="1777364"/>
+            <a:ext cx="1217215" cy="707886"/>
+          </a:xfrm>
+          <a:prstGeom prst="rect">
+            <a:avLst/>
+          </a:prstGeom>
+          <a:noFill/>
+        </p:spPr>
+        <p:txBody>
+          <a:bodyPr wrap="square" rtlCol="0">
+            <a:spAutoFit/>
+          </a:bodyPr>
+          <a:lstStyle/>
+          <a:p>
+            <a:pPr algn="ctr"/>
+            <a:r>
+              <a:rPr lang="en-US" sz="2000" dirty="0" smtClean="0">
+                <a:solidFill>
+                  <a:srgbClr val="005FB2"/>
+                </a:solidFill>
+              </a:rPr>
+              <a:t>Org Charting</a:t>
+            </a:r>
+            <a:endParaRPr lang="en-US" sz="2000" dirty="0">
+              <a:solidFill>
+                <a:srgbClr val="005FB2"/>
+              </a:solidFill>
+            </a:endParaRPr>
+          </a:p>
+        </p:txBody>
+      </p:sp>
+      <p:sp>
+        <p:nvSpPr>
+          <p:cNvPr id="8" name="TextBox 7"/>
+          <p:cNvSpPr txBox="1"/>
+          <p:nvPr/>
+        </p:nvSpPr>
+        <p:spPr>
+          <a:xfrm>
+            <a:off x="6666425" y="209360"/>
+            <a:ext cx="2020379" cy="400110"/>
+          </a:xfrm>
+          <a:prstGeom prst="rect">
+            <a:avLst/>
+          </a:prstGeom>
+          <a:noFill/>
+        </p:spPr>
+        <p:txBody>
+          <a:bodyPr wrap="square" rtlCol="0">
+            <a:spAutoFit/>
+          </a:bodyPr>
+          <a:lstStyle/>
+          <a:p>
+            <a:pPr algn="ctr"/>
+            <a:r>
+              <a:rPr lang="en-US" sz="2000" dirty="0" smtClean="0">
+                <a:solidFill>
+                  <a:srgbClr val="005FB2"/>
+                </a:solidFill>
+              </a:rPr>
+              <a:t>Vacancy Tracking</a:t>
+            </a:r>
+            <a:endParaRPr lang="en-US" sz="2000" dirty="0">
+              <a:solidFill>
+                <a:srgbClr val="005FB2"/>
+              </a:solidFill>
+            </a:endParaRPr>
+          </a:p>
+        </p:txBody>
+      </p:sp>
+      <p:sp>
+        <p:nvSpPr>
+          <p:cNvPr id="9" name="TextBox 8"/>
+          <p:cNvSpPr txBox="1"/>
+          <p:nvPr/>
+        </p:nvSpPr>
+        <p:spPr>
+          <a:xfrm>
+            <a:off x="4424672" y="327464"/>
+            <a:ext cx="1965153" cy="707886"/>
+          </a:xfrm>
+          <a:prstGeom prst="rect">
+            <a:avLst/>
+          </a:prstGeom>
+          <a:noFill/>
+        </p:spPr>
+        <p:txBody>
+          <a:bodyPr wrap="square" rtlCol="0">
+            <a:spAutoFit/>
+          </a:bodyPr>
+          <a:lstStyle/>
+          <a:p>
+            <a:pPr algn="ctr"/>
+            <a:r>
+              <a:rPr lang="en-US" sz="2000" dirty="0" smtClean="0">
+                <a:solidFill>
+                  <a:srgbClr val="005FB2"/>
+                </a:solidFill>
+              </a:rPr>
+              <a:t>Resource Committee (FTE)</a:t>
+            </a:r>
+            <a:endParaRPr lang="en-US" sz="2000" dirty="0">
+              <a:solidFill>
+                <a:srgbClr val="005FB2"/>
+              </a:solidFill>
+            </a:endParaRPr>
+          </a:p>
+        </p:txBody>
+      </p:sp>
+      <p:sp>
+        <p:nvSpPr>
+          <p:cNvPr id="10" name="TextBox 9"/>
+          <p:cNvSpPr txBox="1"/>
+          <p:nvPr/>
+        </p:nvSpPr>
+        <p:spPr>
+          <a:xfrm>
+            <a:off x="2304527" y="313417"/>
+            <a:ext cx="1847323" cy="400110"/>
+          </a:xfrm>
+          <a:prstGeom prst="rect">
+            <a:avLst/>
+          </a:prstGeom>
+          <a:noFill/>
+        </p:spPr>
+        <p:txBody>
+          <a:bodyPr wrap="square" rtlCol="0">
+            <a:spAutoFit/>
+          </a:bodyPr>
+          <a:lstStyle/>
+          <a:p>
+            <a:r>
+              <a:rPr lang="en-US" sz="2000" dirty="0" smtClean="0">
+                <a:solidFill>
+                  <a:srgbClr val="005FB2"/>
+                </a:solidFill>
+              </a:rPr>
+              <a:t>Data Calls</a:t>
+            </a:r>
+            <a:endParaRPr lang="en-US" sz="2000" dirty="0">
+              <a:solidFill>
+                <a:srgbClr val="005FB2"/>
+              </a:solidFill>
+            </a:endParaRPr>
+          </a:p>
+        </p:txBody>
+      </p:sp>
+      <p:sp>
+        <p:nvSpPr>
+          <p:cNvPr id="11" name="TextBox 10"/>
+          <p:cNvSpPr txBox="1"/>
+          <p:nvPr/>
+        </p:nvSpPr>
+        <p:spPr>
+          <a:xfrm>
+            <a:off x="5436870" y="4317413"/>
+            <a:ext cx="1885274" cy="400110"/>
+          </a:xfrm>
+          <a:prstGeom prst="rect">
+            <a:avLst/>
+          </a:prstGeom>
+          <a:noFill/>
+        </p:spPr>
+        <p:txBody>
+          <a:bodyPr wrap="square" rtlCol="0">
+            <a:spAutoFit/>
+          </a:bodyPr>
+          <a:lstStyle/>
+          <a:p>
+            <a:r>
+              <a:rPr lang="en-US" sz="2000" dirty="0" smtClean="0">
+                <a:solidFill>
+                  <a:srgbClr val="005FB2"/>
+                </a:solidFill>
+              </a:rPr>
+              <a:t>FCP Requests</a:t>
+            </a:r>
+            <a:endParaRPr lang="en-US" sz="2000" dirty="0">
+              <a:solidFill>
+                <a:srgbClr val="005FB2"/>
+              </a:solidFill>
+            </a:endParaRPr>
+          </a:p>
+        </p:txBody>
+      </p:sp>
+      <p:sp>
+        <p:nvSpPr>
+          <p:cNvPr id="12" name="TextBox 11"/>
+          <p:cNvSpPr txBox="1"/>
+          <p:nvPr/>
+        </p:nvSpPr>
+        <p:spPr>
+          <a:xfrm>
+            <a:off x="6213196" y="4958919"/>
+            <a:ext cx="2574357" cy="400110"/>
+          </a:xfrm>
+          <a:prstGeom prst="rect">
+            <a:avLst/>
+          </a:prstGeom>
+          <a:noFill/>
+        </p:spPr>
+        <p:txBody>
+          <a:bodyPr wrap="square" rtlCol="0">
+            <a:spAutoFit/>
+          </a:bodyPr>
+          <a:lstStyle/>
+          <a:p>
+            <a:pPr algn="ctr"/>
+            <a:r>
+              <a:rPr lang="en-US" sz="2000" dirty="0" smtClean="0">
+                <a:solidFill>
+                  <a:srgbClr val="005FB2"/>
+                </a:solidFill>
+              </a:rPr>
+              <a:t>Space Requests</a:t>
+            </a:r>
+            <a:endParaRPr lang="en-US" sz="2000" dirty="0">
+              <a:solidFill>
+                <a:srgbClr val="005FB2"/>
+              </a:solidFill>
+            </a:endParaRPr>
+          </a:p>
+        </p:txBody>
+      </p:sp>
+      <p:sp>
+        <p:nvSpPr>
+          <p:cNvPr id="13" name="TextBox 12"/>
+          <p:cNvSpPr txBox="1"/>
+          <p:nvPr/>
+        </p:nvSpPr>
+        <p:spPr>
+          <a:xfrm>
+            <a:off x="1455889" y="2110707"/>
+            <a:ext cx="2574357" cy="400110"/>
+          </a:xfrm>
+          <a:prstGeom prst="rect">
+            <a:avLst/>
+          </a:prstGeom>
+          <a:noFill/>
+        </p:spPr>
+        <p:txBody>
+          <a:bodyPr wrap="square" rtlCol="0">
+            <a:spAutoFit/>
+          </a:bodyPr>
+          <a:lstStyle/>
+          <a:p>
+            <a:pPr algn="ctr"/>
+            <a:r>
+              <a:rPr lang="en-US" sz="2000" dirty="0" smtClean="0">
+                <a:solidFill>
+                  <a:srgbClr val="005FB2"/>
+                </a:solidFill>
+              </a:rPr>
+              <a:t>Special Projects</a:t>
+            </a:r>
+            <a:endParaRPr lang="en-US" sz="2000" dirty="0">
+              <a:solidFill>
+                <a:srgbClr val="005FB2"/>
+              </a:solidFill>
+            </a:endParaRPr>
+          </a:p>
+        </p:txBody>
+      </p:sp>
+      <p:sp>
+        <p:nvSpPr>
+          <p:cNvPr id="16" name="TextBox 15"/>
+          <p:cNvSpPr txBox="1"/>
+          <p:nvPr/>
+        </p:nvSpPr>
+        <p:spPr>
+          <a:xfrm>
+            <a:off x="4662931" y="1935709"/>
+            <a:ext cx="3107677" cy="400110"/>
+          </a:xfrm>
+          <a:prstGeom prst="rect">
+            <a:avLst/>
+          </a:prstGeom>
+          <a:noFill/>
+        </p:spPr>
+        <p:txBody>
+          <a:bodyPr wrap="square" rtlCol="0">
+            <a:spAutoFit/>
+          </a:bodyPr>
+          <a:lstStyle/>
+          <a:p>
+            <a:r>
+              <a:rPr lang="en-US" sz="2000" dirty="0" smtClean="0">
+                <a:solidFill>
+                  <a:srgbClr val="005FB2"/>
+                </a:solidFill>
+              </a:rPr>
+              <a:t>On-boarding Tracking</a:t>
+            </a:r>
+            <a:endParaRPr lang="en-US" sz="2000" dirty="0">
+              <a:solidFill>
+                <a:srgbClr val="005FB2"/>
+              </a:solidFill>
+            </a:endParaRPr>
+          </a:p>
+        </p:txBody>
+      </p:sp>
+      <p:sp>
+        <p:nvSpPr>
+          <p:cNvPr id="17" name="TextBox 16"/>
+          <p:cNvSpPr txBox="1"/>
+          <p:nvPr/>
+        </p:nvSpPr>
+        <p:spPr>
+          <a:xfrm>
+            <a:off x="732213" y="1190045"/>
+            <a:ext cx="3107677" cy="461665"/>
+          </a:xfrm>
+          <a:prstGeom prst="rect">
+            <a:avLst/>
+          </a:prstGeom>
+          <a:noFill/>
+        </p:spPr>
+        <p:txBody>
+          <a:bodyPr wrap="square" rtlCol="0">
+            <a:spAutoFit/>
+          </a:bodyPr>
+          <a:lstStyle/>
+          <a:p>
+            <a:pPr algn="ctr"/>
+            <a:r>
+              <a:rPr lang="en-US" sz="2400" dirty="0" smtClean="0">
+                <a:solidFill>
+                  <a:srgbClr val="04804F"/>
+                </a:solidFill>
+              </a:rPr>
+              <a:t>ADMINISTRATIVE </a:t>
+            </a:r>
+            <a:endParaRPr lang="en-US" sz="2400" dirty="0">
+              <a:solidFill>
+                <a:srgbClr val="04804F"/>
+              </a:solidFill>
+            </a:endParaRPr>
+          </a:p>
+        </p:txBody>
+      </p:sp>
+      <p:sp>
+        <p:nvSpPr>
+          <p:cNvPr id="18" name="TextBox 17"/>
+          <p:cNvSpPr txBox="1"/>
+          <p:nvPr/>
+        </p:nvSpPr>
+        <p:spPr>
+          <a:xfrm>
+            <a:off x="4988387" y="1180329"/>
+            <a:ext cx="3107677" cy="461665"/>
+          </a:xfrm>
+          <a:prstGeom prst="rect">
+            <a:avLst/>
+          </a:prstGeom>
+          <a:noFill/>
+        </p:spPr>
+        <p:txBody>
+          <a:bodyPr wrap="square" rtlCol="0">
+            <a:spAutoFit/>
+          </a:bodyPr>
+          <a:lstStyle/>
+          <a:p>
+            <a:pPr algn="ctr"/>
+            <a:r>
+              <a:rPr lang="en-US" sz="2400" dirty="0" smtClean="0">
+                <a:solidFill>
+                  <a:srgbClr val="04804F"/>
+                </a:solidFill>
+              </a:rPr>
+              <a:t>HUMAN RESOURCES </a:t>
+            </a:r>
+            <a:endParaRPr lang="en-US" sz="2400" dirty="0">
+              <a:solidFill>
+                <a:srgbClr val="04804F"/>
+              </a:solidFill>
+            </a:endParaRPr>
+          </a:p>
+        </p:txBody>
+      </p:sp>
+      <p:sp>
+        <p:nvSpPr>
+          <p:cNvPr id="19" name="TextBox 18"/>
+          <p:cNvSpPr txBox="1"/>
+          <p:nvPr/>
+        </p:nvSpPr>
+        <p:spPr>
+          <a:xfrm>
+            <a:off x="2870833" y="4870767"/>
+            <a:ext cx="3107677" cy="461665"/>
+          </a:xfrm>
+          <a:prstGeom prst="rect">
+            <a:avLst/>
+          </a:prstGeom>
+          <a:noFill/>
+        </p:spPr>
+        <p:txBody>
+          <a:bodyPr wrap="square" rtlCol="0">
+            <a:spAutoFit/>
+          </a:bodyPr>
+          <a:lstStyle/>
+          <a:p>
+            <a:pPr algn="ctr"/>
+            <a:r>
+              <a:rPr lang="en-US" sz="2400" dirty="0" smtClean="0">
+                <a:solidFill>
+                  <a:srgbClr val="04804F"/>
+                </a:solidFill>
+              </a:rPr>
+              <a:t>OTHER SERVICE LINES </a:t>
+            </a:r>
+            <a:endParaRPr lang="en-US" sz="2400" dirty="0">
+              <a:solidFill>
+                <a:srgbClr val="04804F"/>
+              </a:solidFill>
+            </a:endParaRPr>
+          </a:p>
+        </p:txBody>
+      </p:sp>
+      <p:sp>
+        <p:nvSpPr>
+          <p:cNvPr id="20" name="TextBox 19"/>
+          <p:cNvSpPr txBox="1"/>
+          <p:nvPr/>
+        </p:nvSpPr>
+        <p:spPr>
+          <a:xfrm>
+            <a:off x="5112586" y="5714845"/>
+            <a:ext cx="3107677" cy="400110"/>
+          </a:xfrm>
+          <a:prstGeom prst="rect">
+            <a:avLst/>
+          </a:prstGeom>
+          <a:noFill/>
+        </p:spPr>
+        <p:txBody>
+          <a:bodyPr wrap="square" rtlCol="0">
+            <a:spAutoFit/>
+          </a:bodyPr>
+          <a:lstStyle/>
+          <a:p>
+            <a:r>
+              <a:rPr lang="en-US" sz="2000" dirty="0" smtClean="0">
+                <a:solidFill>
+                  <a:srgbClr val="005FB2"/>
+                </a:solidFill>
+              </a:rPr>
+              <a:t>Resource Committees</a:t>
+            </a:r>
+            <a:endParaRPr lang="en-US" sz="2000" dirty="0">
+              <a:solidFill>
+                <a:srgbClr val="005FB2"/>
+              </a:solidFill>
+            </a:endParaRPr>
           </a:p>
         </p:txBody>
       </p:sp>
       <p:pic>
         <p:nvPicPr>
-          <p:cNvPr id="10" name="Picture 9" descr="Travel and Tuition.png"/>
+          <p:cNvPr id="21" name="Picture 2" descr="C:\Users\vhawasgaom1\Desktop\LEAF\Logos\LEAF_logo.png"/>
           <p:cNvPicPr>
-            <a:picLocks noChangeAspect="1"/>
+            <a:picLocks noChangeAspect="1" noChangeArrowheads="1"/>
           </p:cNvPicPr>
           <p:nvPr/>
         </p:nvPicPr>
-        <p:blipFill rotWithShape="1">
-          <a:blip r:embed="rId3">
+        <p:blipFill>
+          <a:blip r:embed="rId2" cstate="print">
             <a:extLst>
               <a:ext uri="{28A0092B-C50C-407E-A947-70E740481C1C}">
                 <a14:useLocalDpi xmlns:a14="http://schemas.microsoft.com/office/drawing/2010/main" val="0"/>
               </a:ext>
             </a:extLst>
           </a:blip>
-          <a:srcRect t="10182"/>
-          <a:stretch/>
+          <a:srcRect/>
+          <a:stretch>
+            <a:fillRect/>
+          </a:stretch>
         </p:blipFill>
-        <p:spPr>
+        <p:spPr bwMode="auto">
           <a:xfrm>
-            <a:off x="4095750" y="894098"/>
-            <a:ext cx="1638300" cy="1165197"/>
+            <a:off x="3390641" y="2824598"/>
+            <a:ext cx="2270571" cy="561318"/>
           </a:xfrm>
           <a:prstGeom prst="rect">
             <a:avLst/>
           </a:prstGeom>
+          <a:noFill/>
+          <a:extLst>
+            <a:ext uri="{909E8E84-426E-40DD-AFC4-6F175D3DCCD1}">
+              <a14:hiddenFill xmlns:a14="http://schemas.microsoft.com/office/drawing/2010/main">
+                <a:solidFill>
+                  <a:srgbClr val="FFFFFF"/>
+                </a:solidFill>
+              </a14:hiddenFill>
+            </a:ext>
+          </a:extLst>
         </p:spPr>
       </p:pic>
       <p:sp>
         <p:nvSpPr>
-          <p:cNvPr id="2" name="Title 1"/>
-          <p:cNvSpPr>
-            <a:spLocks noGrp="1"/>
-          </p:cNvSpPr>
-          <p:nvPr>
-            <p:ph type="title"/>
-          </p:nvPr>
-        </p:nvSpPr>
-        <p:spPr/>
-        <p:txBody>
-          <a:bodyPr/>
-          <a:lstStyle/>
-          <a:p>
-            <a:r>
-              <a:rPr lang="en-US" dirty="0" smtClean="0"/>
-              <a:t>What are some things I can do?</a:t>
-            </a:r>
-            <a:endParaRPr lang="en-US" dirty="0"/>
-          </a:p>
-        </p:txBody>
-      </p:sp>
-      <p:pic>
-        <p:nvPicPr>
-          <p:cNvPr id="8" name="Picture 7" descr="Resource Committee.png"/>
-          <p:cNvPicPr>
-            <a:picLocks noChangeAspect="1"/>
-          </p:cNvPicPr>
+          <p:cNvPr id="22" name="TextBox 21"/>
+          <p:cNvSpPr txBox="1"/>
           <p:nvPr/>
-        </p:nvPicPr>
-        <p:blipFill>
-          <a:blip r:embed="rId4">
-            <a:extLst>
-              <a:ext uri="{28A0092B-C50C-407E-A947-70E740481C1C}">
-                <a14:useLocalDpi xmlns:a14="http://schemas.microsoft.com/office/drawing/2010/main" val="0"/>
-              </a:ext>
-            </a:extLst>
-          </a:blip>
-          <a:stretch>
-            <a:fillRect/>
-          </a:stretch>
-        </p:blipFill>
+        </p:nvSpPr>
         <p:spPr>
           <a:xfrm>
-            <a:off x="1485900" y="990600"/>
-            <a:ext cx="1676400" cy="1143000"/>
-          </a:xfrm>
-          <a:prstGeom prst="rect">
-            <a:avLst/>
-          </a:prstGeom>
-        </p:spPr>
-      </p:pic>
-      <p:pic>
-        <p:nvPicPr>
-          <p:cNvPr id="9" name="Picture 8" descr="Org Chart.png"/>
-          <p:cNvPicPr>
-            <a:picLocks noChangeAspect="1"/>
-          </p:cNvPicPr>
-          <p:nvPr/>
-        </p:nvPicPr>
-        <p:blipFill>
-          <a:blip r:embed="rId5">
-            <a:extLst>
-              <a:ext uri="{28A0092B-C50C-407E-A947-70E740481C1C}">
-                <a14:useLocalDpi xmlns:a14="http://schemas.microsoft.com/office/drawing/2010/main" val="0"/>
-              </a:ext>
-            </a:extLst>
-          </a:blip>
-          <a:stretch>
-            <a:fillRect/>
-          </a:stretch>
-        </p:blipFill>
-        <p:spPr>
-          <a:xfrm>
-            <a:off x="6724650" y="909387"/>
-            <a:ext cx="1257300" cy="1224213"/>
-          </a:xfrm>
-          <a:prstGeom prst="rect">
-            <a:avLst/>
-          </a:prstGeom>
-        </p:spPr>
-      </p:pic>
-      <p:sp>
-        <p:nvSpPr>
-          <p:cNvPr id="4" name="Title 1"/>
-          <p:cNvSpPr txBox="1">
-            <a:spLocks/>
-          </p:cNvSpPr>
-          <p:nvPr/>
-        </p:nvSpPr>
-        <p:spPr>
-          <a:xfrm>
-            <a:off x="990600" y="1905000"/>
-            <a:ext cx="2667000" cy="914400"/>
+            <a:off x="119450" y="5130253"/>
+            <a:ext cx="2064886" cy="707886"/>
           </a:xfrm>
           <a:prstGeom prst="rect">
             <a:avLst/>
@@ -5295,47 +6617,38 @@
           <a:noFill/>
         </p:spPr>
         <p:txBody>
-          <a:bodyPr vert="horz" lIns="91440" tIns="45720" rIns="91440" bIns="45720" rtlCol="0" anchor="ctr">
-            <a:noAutofit/>
+          <a:bodyPr wrap="square" rtlCol="0">
+            <a:spAutoFit/>
           </a:bodyPr>
-          <a:lstStyle>
-            <a:lvl1pPr algn="l" defTabSz="914400" rtl="0" eaLnBrk="1" latinLnBrk="0" hangingPunct="1">
-              <a:spcBef>
-                <a:spcPct val="0"/>
-              </a:spcBef>
-              <a:buNone/>
-              <a:defRPr sz="2400" kern="1200" baseline="0">
-                <a:solidFill>
-                  <a:schemeClr val="tx2"/>
-                </a:solidFill>
-                <a:latin typeface="+mj-lt"/>
-                <a:ea typeface="+mj-ea"/>
-                <a:cs typeface="+mj-cs"/>
-              </a:defRPr>
-            </a:lvl1pPr>
-          </a:lstStyle>
+          <a:lstStyle/>
           <a:p>
             <a:pPr algn="ctr"/>
             <a:r>
-              <a:rPr lang="en-US" sz="1800" b="1" dirty="0" smtClean="0"/>
-              <a:t>Resource Committee</a:t>
-            </a:r>
-            <a:endParaRPr lang="en-US" sz="1800" b="1" dirty="0"/>
-          </a:p>
-        </p:txBody>
-      </p:sp>
-      <p:sp>
-        <p:nvSpPr>
-          <p:cNvPr id="6" name="Title 1"/>
-          <p:cNvSpPr txBox="1">
-            <a:spLocks/>
-          </p:cNvSpPr>
+              <a:rPr lang="en-US" sz="2000" dirty="0" smtClean="0">
+                <a:solidFill>
+                  <a:srgbClr val="005FB2"/>
+                </a:solidFill>
+              </a:rPr>
+              <a:t>Tuition Reimbursement</a:t>
+            </a:r>
+            <a:endParaRPr lang="en-US" sz="2000" dirty="0">
+              <a:solidFill>
+                <a:srgbClr val="005FB2"/>
+              </a:solidFill>
+            </a:endParaRPr>
+          </a:p>
+        </p:txBody>
+      </p:sp>
+      <p:sp>
+        <p:nvSpPr>
+          <p:cNvPr id="23" name="TextBox 22"/>
+          <p:cNvSpPr txBox="1"/>
           <p:nvPr/>
         </p:nvSpPr>
         <p:spPr>
           <a:xfrm>
-            <a:off x="5943600" y="1828800"/>
-            <a:ext cx="2819400" cy="914400"/>
+            <a:off x="2428749" y="5484196"/>
+            <a:ext cx="1977061" cy="707886"/>
           </a:xfrm>
           <a:prstGeom prst="rect">
             <a:avLst/>
@@ -5343,47 +6656,38 @@
           <a:noFill/>
         </p:spPr>
         <p:txBody>
-          <a:bodyPr vert="horz" lIns="91440" tIns="45720" rIns="91440" bIns="45720" rtlCol="0" anchor="ctr">
-            <a:noAutofit/>
+          <a:bodyPr wrap="square" rtlCol="0">
+            <a:spAutoFit/>
           </a:bodyPr>
-          <a:lstStyle>
-            <a:lvl1pPr algn="l" defTabSz="914400" rtl="0" eaLnBrk="1" latinLnBrk="0" hangingPunct="1">
-              <a:spcBef>
-                <a:spcPct val="0"/>
-              </a:spcBef>
-              <a:buNone/>
-              <a:defRPr sz="2400" kern="1200" baseline="0">
-                <a:solidFill>
-                  <a:schemeClr val="tx2"/>
-                </a:solidFill>
-                <a:latin typeface="+mj-lt"/>
-                <a:ea typeface="+mj-ea"/>
-                <a:cs typeface="+mj-cs"/>
-              </a:defRPr>
-            </a:lvl1pPr>
-          </a:lstStyle>
+          <a:lstStyle/>
           <a:p>
             <a:pPr algn="ctr"/>
             <a:r>
-              <a:rPr lang="en-US" sz="1800" b="1" dirty="0" smtClean="0"/>
-              <a:t>Org Chart</a:t>
-            </a:r>
-            <a:endParaRPr lang="en-US" sz="1800" b="1" dirty="0"/>
-          </a:p>
-        </p:txBody>
-      </p:sp>
-      <p:sp>
-        <p:nvSpPr>
-          <p:cNvPr id="7" name="Title 1"/>
-          <p:cNvSpPr txBox="1">
-            <a:spLocks/>
-          </p:cNvSpPr>
+              <a:rPr lang="en-US" sz="2000" dirty="0" smtClean="0">
+                <a:solidFill>
+                  <a:srgbClr val="005FB2"/>
+                </a:solidFill>
+              </a:rPr>
+              <a:t>VISTA Menu Option Requests</a:t>
+            </a:r>
+            <a:endParaRPr lang="en-US" sz="2000" dirty="0">
+              <a:solidFill>
+                <a:srgbClr val="005FB2"/>
+              </a:solidFill>
+            </a:endParaRPr>
+          </a:p>
+        </p:txBody>
+      </p:sp>
+      <p:sp>
+        <p:nvSpPr>
+          <p:cNvPr id="24" name="TextBox 23"/>
+          <p:cNvSpPr txBox="1"/>
           <p:nvPr/>
         </p:nvSpPr>
         <p:spPr>
           <a:xfrm>
-            <a:off x="3505200" y="1828800"/>
-            <a:ext cx="2819400" cy="914400"/>
+            <a:off x="296476" y="2946931"/>
+            <a:ext cx="1977061" cy="400110"/>
           </a:xfrm>
           <a:prstGeom prst="rect">
             <a:avLst/>
@@ -5391,227 +6695,6 @@
           <a:noFill/>
         </p:spPr>
         <p:txBody>
-          <a:bodyPr vert="horz" lIns="91440" tIns="45720" rIns="91440" bIns="45720" rtlCol="0" anchor="ctr">
-            <a:noAutofit/>
-          </a:bodyPr>
-          <a:lstStyle>
-            <a:lvl1pPr algn="l" defTabSz="914400" rtl="0" eaLnBrk="1" latinLnBrk="0" hangingPunct="1">
-              <a:spcBef>
-                <a:spcPct val="0"/>
-              </a:spcBef>
-              <a:buNone/>
-              <a:defRPr sz="2400" kern="1200" baseline="0">
-                <a:solidFill>
-                  <a:schemeClr val="tx2"/>
-                </a:solidFill>
-                <a:latin typeface="+mj-lt"/>
-                <a:ea typeface="+mj-ea"/>
-                <a:cs typeface="+mj-cs"/>
-              </a:defRPr>
-            </a:lvl1pPr>
-          </a:lstStyle>
-          <a:p>
-            <a:pPr algn="ctr"/>
-            <a:r>
-              <a:rPr lang="en-US" sz="1800" b="1" dirty="0" smtClean="0"/>
-              <a:t>Travel &amp; Tuition Reimbursement</a:t>
-            </a:r>
-            <a:endParaRPr lang="en-US" sz="1800" b="1" dirty="0"/>
-          </a:p>
-        </p:txBody>
-      </p:sp>
-      <p:sp>
-        <p:nvSpPr>
-          <p:cNvPr id="11" name="Title 1"/>
-          <p:cNvSpPr txBox="1">
-            <a:spLocks/>
-          </p:cNvSpPr>
-          <p:nvPr/>
-        </p:nvSpPr>
-        <p:spPr>
-          <a:xfrm>
-            <a:off x="152400" y="2895600"/>
-            <a:ext cx="2057400" cy="914400"/>
-          </a:xfrm>
-          <a:prstGeom prst="rect">
-            <a:avLst/>
-          </a:prstGeom>
-          <a:noFill/>
-        </p:spPr>
-        <p:txBody>
-          <a:bodyPr vert="horz" lIns="91440" tIns="45720" rIns="91440" bIns="45720" rtlCol="0" anchor="ctr">
-            <a:noAutofit/>
-          </a:bodyPr>
-          <a:lstStyle>
-            <a:lvl1pPr algn="l" defTabSz="914400" rtl="0" eaLnBrk="1" latinLnBrk="0" hangingPunct="1">
-              <a:spcBef>
-                <a:spcPct val="0"/>
-              </a:spcBef>
-              <a:buNone/>
-              <a:defRPr sz="2400" kern="1200" baseline="0">
-                <a:solidFill>
-                  <a:schemeClr val="tx2"/>
-                </a:solidFill>
-                <a:latin typeface="+mj-lt"/>
-                <a:ea typeface="+mj-ea"/>
-                <a:cs typeface="+mj-cs"/>
-              </a:defRPr>
-            </a:lvl1pPr>
-          </a:lstStyle>
-          <a:p>
-            <a:r>
-              <a:rPr lang="en-US" sz="1600" b="1" dirty="0" smtClean="0">
-                <a:solidFill>
-                  <a:srgbClr val="008000"/>
-                </a:solidFill>
-              </a:rPr>
-              <a:t>WHAT</a:t>
-            </a:r>
-            <a:endParaRPr lang="en-US" sz="1600" b="1" dirty="0">
-              <a:solidFill>
-                <a:srgbClr val="008000"/>
-              </a:solidFill>
-            </a:endParaRPr>
-          </a:p>
-        </p:txBody>
-      </p:sp>
-      <p:sp>
-        <p:nvSpPr>
-          <p:cNvPr id="12" name="Title 1"/>
-          <p:cNvSpPr txBox="1">
-            <a:spLocks/>
-          </p:cNvSpPr>
-          <p:nvPr/>
-        </p:nvSpPr>
-        <p:spPr>
-          <a:xfrm>
-            <a:off x="152400" y="4114800"/>
-            <a:ext cx="2057400" cy="914400"/>
-          </a:xfrm>
-          <a:prstGeom prst="rect">
-            <a:avLst/>
-          </a:prstGeom>
-          <a:noFill/>
-        </p:spPr>
-        <p:txBody>
-          <a:bodyPr vert="horz" lIns="91440" tIns="45720" rIns="91440" bIns="45720" rtlCol="0" anchor="ctr">
-            <a:noAutofit/>
-          </a:bodyPr>
-          <a:lstStyle>
-            <a:lvl1pPr algn="l" defTabSz="914400" rtl="0" eaLnBrk="1" latinLnBrk="0" hangingPunct="1">
-              <a:spcBef>
-                <a:spcPct val="0"/>
-              </a:spcBef>
-              <a:buNone/>
-              <a:defRPr sz="2400" kern="1200" baseline="0">
-                <a:solidFill>
-                  <a:schemeClr val="tx2"/>
-                </a:solidFill>
-                <a:latin typeface="+mj-lt"/>
-                <a:ea typeface="+mj-ea"/>
-                <a:cs typeface="+mj-cs"/>
-              </a:defRPr>
-            </a:lvl1pPr>
-          </a:lstStyle>
-          <a:p>
-            <a:r>
-              <a:rPr lang="en-US" sz="1600" b="1" dirty="0" smtClean="0">
-                <a:solidFill>
-                  <a:srgbClr val="008000"/>
-                </a:solidFill>
-              </a:rPr>
-              <a:t>WHO</a:t>
-            </a:r>
-            <a:endParaRPr lang="en-US" sz="1600" b="1" dirty="0">
-              <a:solidFill>
-                <a:srgbClr val="008000"/>
-              </a:solidFill>
-            </a:endParaRPr>
-          </a:p>
-        </p:txBody>
-      </p:sp>
-      <p:sp>
-        <p:nvSpPr>
-          <p:cNvPr id="13" name="Title 1"/>
-          <p:cNvSpPr txBox="1">
-            <a:spLocks/>
-          </p:cNvSpPr>
-          <p:nvPr/>
-        </p:nvSpPr>
-        <p:spPr>
-          <a:xfrm>
-            <a:off x="152400" y="5257800"/>
-            <a:ext cx="2057400" cy="914400"/>
-          </a:xfrm>
-          <a:prstGeom prst="rect">
-            <a:avLst/>
-          </a:prstGeom>
-          <a:noFill/>
-        </p:spPr>
-        <p:txBody>
-          <a:bodyPr vert="horz" lIns="91440" tIns="45720" rIns="91440" bIns="45720" rtlCol="0" anchor="ctr">
-            <a:noAutofit/>
-          </a:bodyPr>
-          <a:lstStyle>
-            <a:lvl1pPr algn="l" defTabSz="914400" rtl="0" eaLnBrk="1" latinLnBrk="0" hangingPunct="1">
-              <a:spcBef>
-                <a:spcPct val="0"/>
-              </a:spcBef>
-              <a:buNone/>
-              <a:defRPr sz="2400" kern="1200" baseline="0">
-                <a:solidFill>
-                  <a:schemeClr val="tx2"/>
-                </a:solidFill>
-                <a:latin typeface="+mj-lt"/>
-                <a:ea typeface="+mj-ea"/>
-                <a:cs typeface="+mj-cs"/>
-              </a:defRPr>
-            </a:lvl1pPr>
-          </a:lstStyle>
-          <a:p>
-            <a:r>
-              <a:rPr lang="en-US" sz="1600" b="1" dirty="0" smtClean="0">
-                <a:solidFill>
-                  <a:srgbClr val="008000"/>
-                </a:solidFill>
-              </a:rPr>
-              <a:t>STARTUP</a:t>
-            </a:r>
-          </a:p>
-          <a:p>
-            <a:r>
-              <a:rPr lang="en-US" sz="1600" b="1" dirty="0" smtClean="0">
-                <a:solidFill>
-                  <a:srgbClr val="008000"/>
-                </a:solidFill>
-              </a:rPr>
-              <a:t>EFFORT</a:t>
-            </a:r>
-            <a:endParaRPr lang="en-US" sz="1600" b="1" dirty="0">
-              <a:solidFill>
-                <a:srgbClr val="008000"/>
-              </a:solidFill>
-            </a:endParaRPr>
-          </a:p>
-        </p:txBody>
-      </p:sp>
-      <p:sp>
-        <p:nvSpPr>
-          <p:cNvPr id="16" name="TextBox 15"/>
-          <p:cNvSpPr txBox="1"/>
-          <p:nvPr/>
-        </p:nvSpPr>
-        <p:spPr>
-          <a:xfrm>
-            <a:off x="1181100" y="2819400"/>
-            <a:ext cx="2286000" cy="1077218"/>
-          </a:xfrm>
-          <a:prstGeom prst="rect">
-            <a:avLst/>
-          </a:prstGeom>
-          <a:noFill/>
-        </p:spPr>
-        <p:txBody>
           <a:bodyPr wrap="square" rtlCol="0">
             <a:spAutoFit/>
           </a:bodyPr>
@@ -5619,390 +6702,16 @@
           <a:p>
             <a:pPr algn="ctr"/>
             <a:r>
-              <a:rPr lang="en-US" sz="1600" dirty="0" smtClean="0"/>
-              <a:t>Real-time processing, tracking of FTE, equipment, and other resource requests </a:t>
-            </a:r>
-            <a:endParaRPr lang="en-US" sz="1600" dirty="0"/>
-          </a:p>
-        </p:txBody>
-      </p:sp>
-      <p:sp>
-        <p:nvSpPr>
-          <p:cNvPr id="17" name="TextBox 16"/>
-          <p:cNvSpPr txBox="1"/>
-          <p:nvPr/>
-        </p:nvSpPr>
-        <p:spPr>
-          <a:xfrm>
-            <a:off x="1181100" y="4191000"/>
-            <a:ext cx="2286000" cy="830997"/>
-          </a:xfrm>
-          <a:prstGeom prst="rect">
-            <a:avLst/>
-          </a:prstGeom>
-          <a:noFill/>
-        </p:spPr>
-        <p:txBody>
-          <a:bodyPr wrap="square" rtlCol="0">
-            <a:spAutoFit/>
-          </a:bodyPr>
-          <a:lstStyle/>
-          <a:p>
-            <a:pPr algn="ctr"/>
-            <a:r>
-              <a:rPr lang="en-US" sz="1600" dirty="0" smtClean="0"/>
-              <a:t>Associate Directors</a:t>
-            </a:r>
-          </a:p>
-          <a:p>
-            <a:pPr algn="ctr"/>
-            <a:r>
-              <a:rPr lang="en-US" sz="1600" dirty="0" smtClean="0"/>
-              <a:t>Service Line Directors</a:t>
-            </a:r>
-          </a:p>
-          <a:p>
-            <a:pPr algn="ctr"/>
-            <a:r>
-              <a:rPr lang="en-US" sz="1600" dirty="0" smtClean="0"/>
-              <a:t>Service Line Personnel </a:t>
-            </a:r>
-            <a:endParaRPr lang="en-US" sz="1600" dirty="0"/>
-          </a:p>
-        </p:txBody>
-      </p:sp>
-      <p:sp>
-        <p:nvSpPr>
-          <p:cNvPr id="18" name="TextBox 17"/>
-          <p:cNvSpPr txBox="1"/>
-          <p:nvPr/>
-        </p:nvSpPr>
-        <p:spPr>
-          <a:xfrm>
-            <a:off x="1143000" y="5435024"/>
-            <a:ext cx="2286000" cy="584776"/>
-          </a:xfrm>
-          <a:prstGeom prst="rect">
-            <a:avLst/>
-          </a:prstGeom>
-          <a:noFill/>
-        </p:spPr>
-        <p:txBody>
-          <a:bodyPr wrap="square" rtlCol="0">
-            <a:spAutoFit/>
-          </a:bodyPr>
-          <a:lstStyle/>
-          <a:p>
-            <a:pPr algn="ctr"/>
-            <a:r>
-              <a:rPr lang="en-US" sz="1600" dirty="0" smtClean="0"/>
-              <a:t>Low </a:t>
-            </a:r>
-          </a:p>
-          <a:p>
-            <a:pPr algn="ctr"/>
-            <a:r>
-              <a:rPr lang="en-US" sz="1600" dirty="0" smtClean="0"/>
-              <a:t>~ 15 Hours</a:t>
-            </a:r>
-            <a:endParaRPr lang="en-US" sz="1600" dirty="0"/>
-          </a:p>
-        </p:txBody>
-      </p:sp>
-      <p:sp>
-        <p:nvSpPr>
-          <p:cNvPr id="19" name="TextBox 18"/>
-          <p:cNvSpPr txBox="1"/>
-          <p:nvPr/>
-        </p:nvSpPr>
-        <p:spPr>
-          <a:xfrm>
-            <a:off x="3733800" y="2971800"/>
-            <a:ext cx="2362200" cy="830997"/>
-          </a:xfrm>
-          <a:prstGeom prst="rect">
-            <a:avLst/>
-          </a:prstGeom>
-          <a:noFill/>
-        </p:spPr>
-        <p:txBody>
-          <a:bodyPr wrap="square" rtlCol="0">
-            <a:spAutoFit/>
-          </a:bodyPr>
-          <a:lstStyle/>
-          <a:p>
-            <a:pPr algn="ctr"/>
-            <a:r>
-              <a:rPr lang="en-US" sz="1600" dirty="0" smtClean="0"/>
-              <a:t>Digitize travel </a:t>
-            </a:r>
-          </a:p>
-          <a:p>
-            <a:pPr algn="ctr"/>
-            <a:r>
-              <a:rPr lang="en-US" sz="1600" dirty="0" smtClean="0"/>
-              <a:t>requests and tuition reimbursement approvals </a:t>
-            </a:r>
-            <a:endParaRPr lang="en-US" sz="1600" dirty="0"/>
-          </a:p>
-        </p:txBody>
-      </p:sp>
-      <p:sp>
-        <p:nvSpPr>
-          <p:cNvPr id="20" name="TextBox 19"/>
-          <p:cNvSpPr txBox="1"/>
-          <p:nvPr/>
-        </p:nvSpPr>
-        <p:spPr>
-          <a:xfrm>
-            <a:off x="3733800" y="4191000"/>
-            <a:ext cx="2362200" cy="830997"/>
-          </a:xfrm>
-          <a:prstGeom prst="rect">
-            <a:avLst/>
-          </a:prstGeom>
-          <a:noFill/>
-        </p:spPr>
-        <p:txBody>
-          <a:bodyPr wrap="square" rtlCol="0">
-            <a:spAutoFit/>
-          </a:bodyPr>
-          <a:lstStyle/>
-          <a:p>
-            <a:pPr algn="ctr"/>
-            <a:r>
-              <a:rPr lang="en-US" sz="1600" dirty="0" smtClean="0"/>
-              <a:t>Travelers and students</a:t>
-            </a:r>
-          </a:p>
-          <a:p>
-            <a:pPr algn="ctr"/>
-            <a:r>
-              <a:rPr lang="en-US" sz="1600" dirty="0" smtClean="0"/>
-              <a:t>Admin staff</a:t>
-            </a:r>
-          </a:p>
-          <a:p>
-            <a:pPr algn="ctr"/>
-            <a:r>
-              <a:rPr lang="en-US" sz="1600" dirty="0" smtClean="0"/>
-              <a:t>Fiscal staff</a:t>
-            </a:r>
-            <a:endParaRPr lang="en-US" sz="1600" dirty="0"/>
-          </a:p>
-        </p:txBody>
-      </p:sp>
-      <p:sp>
-        <p:nvSpPr>
-          <p:cNvPr id="21" name="TextBox 20"/>
-          <p:cNvSpPr txBox="1"/>
-          <p:nvPr/>
-        </p:nvSpPr>
-        <p:spPr>
-          <a:xfrm>
-            <a:off x="3771900" y="5358824"/>
-            <a:ext cx="2286000" cy="584776"/>
-          </a:xfrm>
-          <a:prstGeom prst="rect">
-            <a:avLst/>
-          </a:prstGeom>
-          <a:noFill/>
-        </p:spPr>
-        <p:txBody>
-          <a:bodyPr wrap="square" rtlCol="0">
-            <a:spAutoFit/>
-          </a:bodyPr>
-          <a:lstStyle/>
-          <a:p>
-            <a:pPr algn="ctr"/>
-            <a:r>
-              <a:rPr lang="en-US" sz="1600" dirty="0" smtClean="0"/>
-              <a:t>Low </a:t>
-            </a:r>
-          </a:p>
-          <a:p>
-            <a:pPr algn="ctr"/>
-            <a:r>
-              <a:rPr lang="en-US" sz="1600" dirty="0" smtClean="0"/>
-              <a:t>~ 10 Hours</a:t>
-            </a:r>
-            <a:endParaRPr lang="en-US" sz="1600" dirty="0"/>
-          </a:p>
-        </p:txBody>
-      </p:sp>
-      <p:sp>
-        <p:nvSpPr>
-          <p:cNvPr id="22" name="TextBox 21"/>
-          <p:cNvSpPr txBox="1"/>
-          <p:nvPr/>
-        </p:nvSpPr>
-        <p:spPr>
-          <a:xfrm>
-            <a:off x="6172200" y="2979003"/>
-            <a:ext cx="2362200" cy="830997"/>
-          </a:xfrm>
-          <a:prstGeom prst="rect">
-            <a:avLst/>
-          </a:prstGeom>
-          <a:noFill/>
-        </p:spPr>
-        <p:txBody>
-          <a:bodyPr wrap="square" rtlCol="0">
-            <a:spAutoFit/>
-          </a:bodyPr>
-          <a:lstStyle/>
-          <a:p>
-            <a:pPr algn="ctr"/>
-            <a:r>
-              <a:rPr lang="en-US" sz="1600" dirty="0" smtClean="0"/>
-              <a:t>Automated Org Charting that ties in vacancy data. Includes search ability. </a:t>
-            </a:r>
-            <a:endParaRPr lang="en-US" sz="1600" dirty="0"/>
-          </a:p>
-        </p:txBody>
-      </p:sp>
-      <p:sp>
-        <p:nvSpPr>
-          <p:cNvPr id="23" name="TextBox 22"/>
-          <p:cNvSpPr txBox="1"/>
-          <p:nvPr/>
-        </p:nvSpPr>
-        <p:spPr>
-          <a:xfrm>
-            <a:off x="6172200" y="4198203"/>
-            <a:ext cx="2362200" cy="830997"/>
-          </a:xfrm>
-          <a:prstGeom prst="rect">
-            <a:avLst/>
-          </a:prstGeom>
-          <a:noFill/>
-        </p:spPr>
-        <p:txBody>
-          <a:bodyPr wrap="square" rtlCol="0">
-            <a:spAutoFit/>
-          </a:bodyPr>
-          <a:lstStyle/>
-          <a:p>
-            <a:pPr algn="ctr"/>
-            <a:r>
-              <a:rPr lang="en-US" sz="1600" dirty="0" smtClean="0"/>
-              <a:t>Human Resources</a:t>
-            </a:r>
-          </a:p>
-          <a:p>
-            <a:pPr algn="ctr"/>
-            <a:r>
-              <a:rPr lang="en-US" sz="1600" dirty="0" smtClean="0"/>
-              <a:t>Admin staff</a:t>
-            </a:r>
-          </a:p>
-          <a:p>
-            <a:pPr algn="ctr"/>
-            <a:r>
-              <a:rPr lang="en-US" sz="1600" dirty="0" smtClean="0"/>
-              <a:t>Fiscal staff</a:t>
-            </a:r>
-            <a:endParaRPr lang="en-US" sz="1600" dirty="0"/>
-          </a:p>
-        </p:txBody>
-      </p:sp>
-      <p:sp>
-        <p:nvSpPr>
-          <p:cNvPr id="24" name="TextBox 23"/>
-          <p:cNvSpPr txBox="1"/>
-          <p:nvPr/>
-        </p:nvSpPr>
-        <p:spPr>
-          <a:xfrm>
-            <a:off x="6172200" y="5358824"/>
-            <a:ext cx="2362200" cy="584776"/>
-          </a:xfrm>
-          <a:prstGeom prst="rect">
-            <a:avLst/>
-          </a:prstGeom>
-          <a:noFill/>
-        </p:spPr>
-        <p:txBody>
-          <a:bodyPr wrap="square" rtlCol="0">
-            <a:spAutoFit/>
-          </a:bodyPr>
-          <a:lstStyle/>
-          <a:p>
-            <a:pPr algn="ctr"/>
-            <a:r>
-              <a:rPr lang="en-US" sz="1600" dirty="0" smtClean="0"/>
-              <a:t>High</a:t>
-            </a:r>
-          </a:p>
-          <a:p>
-            <a:pPr algn="ctr"/>
-            <a:r>
-              <a:rPr lang="en-US" sz="1600" b="1" dirty="0" smtClean="0">
-                <a:solidFill>
-                  <a:srgbClr val="FF6600"/>
+              <a:rPr lang="en-US" sz="2000" dirty="0" smtClean="0">
+                <a:solidFill>
+                  <a:srgbClr val="005FB2"/>
                 </a:solidFill>
               </a:rPr>
-              <a:t>40-80 hours</a:t>
-            </a:r>
-            <a:endParaRPr lang="en-US" sz="1600" b="1" dirty="0">
+              <a:t>Parking Decals</a:t>
+            </a:r>
+            <a:endParaRPr lang="en-US" sz="2000" dirty="0">
               <a:solidFill>
-                <a:srgbClr val="FF6600"/>
-              </a:solidFill>
-            </a:endParaRPr>
-          </a:p>
-        </p:txBody>
-      </p:sp>
-      <p:sp>
-        <p:nvSpPr>
-          <p:cNvPr id="26" name="Title 1"/>
-          <p:cNvSpPr txBox="1">
-            <a:spLocks/>
-          </p:cNvSpPr>
-          <p:nvPr/>
-        </p:nvSpPr>
-        <p:spPr>
-          <a:xfrm rot="1983394">
-            <a:off x="7318458" y="932656"/>
-            <a:ext cx="1880772" cy="914400"/>
-          </a:xfrm>
-          <a:prstGeom prst="rect">
-            <a:avLst/>
-          </a:prstGeom>
-          <a:noFill/>
-        </p:spPr>
-        <p:txBody>
-          <a:bodyPr vert="horz" lIns="91440" tIns="45720" rIns="91440" bIns="45720" rtlCol="0" anchor="ctr">
-            <a:noAutofit/>
-          </a:bodyPr>
-          <a:lstStyle>
-            <a:lvl1pPr algn="l" defTabSz="914400" rtl="0" eaLnBrk="1" latinLnBrk="0" hangingPunct="1">
-              <a:spcBef>
-                <a:spcPct val="0"/>
-              </a:spcBef>
-              <a:buNone/>
-              <a:defRPr sz="2400" kern="1200" baseline="0">
-                <a:solidFill>
-                  <a:schemeClr val="tx2"/>
-                </a:solidFill>
-                <a:latin typeface="+mj-lt"/>
-                <a:ea typeface="+mj-ea"/>
-                <a:cs typeface="+mj-cs"/>
-              </a:defRPr>
-            </a:lvl1pPr>
-          </a:lstStyle>
-          <a:p>
-            <a:pPr algn="ctr"/>
-            <a:r>
-              <a:rPr lang="en-US" sz="2000" b="1" i="1" dirty="0" smtClean="0">
-                <a:solidFill>
-                  <a:srgbClr val="FF6600"/>
-                </a:solidFill>
-              </a:rPr>
-              <a:t>for Pro Sites</a:t>
-            </a:r>
-            <a:endParaRPr lang="en-US" sz="2000" b="1" i="1" dirty="0">
-              <a:solidFill>
-                <a:srgbClr val="FF6600"/>
+                <a:srgbClr val="005FB2"/>
               </a:solidFill>
             </a:endParaRPr>
           </a:p>
@@ -6011,7 +6720,7 @@
     </p:spTree>
     <p:extLst>
       <p:ext uri="{BB962C8B-B14F-4D97-AF65-F5344CB8AC3E}">
-        <p14:creationId xmlns:p14="http://schemas.microsoft.com/office/powerpoint/2010/main" val="840877975"/>
+        <p14:creationId xmlns:p14="http://schemas.microsoft.com/office/powerpoint/2010/main" val="3651902813"/>
       </p:ext>
     </p:extLst>
   </p:cSld>
@@ -6052,7 +6761,7 @@
                                           </p:stCondLst>
                                         </p:cTn>
                                         <p:tgtEl>
-                                          <p:spTgt spid="4"/>
+                                          <p:spTgt spid="3"/>
                                         </p:tgtEl>
                                         <p:attrNameLst>
                                           <p:attrName>style.visibility</p:attrName>
@@ -6066,7 +6775,7 @@
                                       <p:cBhvr>
                                         <p:cTn id="7" dur="500"/>
                                         <p:tgtEl>
-                                          <p:spTgt spid="4"/>
+                                          <p:spTgt spid="3"/>
                                         </p:tgtEl>
                                       </p:cBhvr>
                                     </p:animEffect>
@@ -6074,7 +6783,7 @@
                                 </p:cTn>
                               </p:par>
                               <p:par>
-                                <p:cTn id="8" presetID="9" presetClass="entr" presetSubtype="0" fill="hold" nodeType="withEffect">
+                                <p:cTn id="8" presetID="9" presetClass="entr" presetSubtype="0" fill="hold" grpId="0" nodeType="withEffect">
                                   <p:stCondLst>
                                     <p:cond delay="0"/>
                                   </p:stCondLst>
@@ -6087,7 +6796,7 @@
                                           </p:stCondLst>
                                         </p:cTn>
                                         <p:tgtEl>
-                                          <p:spTgt spid="8"/>
+                                          <p:spTgt spid="4"/>
                                         </p:tgtEl>
                                         <p:attrNameLst>
                                           <p:attrName>style.visibility</p:attrName>
@@ -6101,7 +6810,7 @@
                                       <p:cBhvr>
                                         <p:cTn id="10" dur="500"/>
                                         <p:tgtEl>
-                                          <p:spTgt spid="8"/>
+                                          <p:spTgt spid="4"/>
                                         </p:tgtEl>
                                       </p:cBhvr>
                                     </p:animEffect>
@@ -6122,7 +6831,7 @@
                                           </p:stCondLst>
                                         </p:cTn>
                                         <p:tgtEl>
-                                          <p:spTgt spid="16"/>
+                                          <p:spTgt spid="17"/>
                                         </p:tgtEl>
                                         <p:attrNameLst>
                                           <p:attrName>style.visibility</p:attrName>
@@ -6136,7 +6845,7 @@
                                       <p:cBhvr>
                                         <p:cTn id="13" dur="500"/>
                                         <p:tgtEl>
-                                          <p:spTgt spid="16"/>
+                                          <p:spTgt spid="17"/>
                                         </p:tgtEl>
                                       </p:cBhvr>
                                     </p:animEffect>
@@ -6157,7 +6866,7 @@
                                           </p:stCondLst>
                                         </p:cTn>
                                         <p:tgtEl>
-                                          <p:spTgt spid="17"/>
+                                          <p:spTgt spid="24"/>
                                         </p:tgtEl>
                                         <p:attrNameLst>
                                           <p:attrName>style.visibility</p:attrName>
@@ -6171,7 +6880,7 @@
                                       <p:cBhvr>
                                         <p:cTn id="16" dur="500"/>
                                         <p:tgtEl>
-                                          <p:spTgt spid="17"/>
+                                          <p:spTgt spid="24"/>
                                         </p:tgtEl>
                                       </p:cBhvr>
                                     </p:animEffect>
@@ -6192,7 +6901,7 @@
                                           </p:stCondLst>
                                         </p:cTn>
                                         <p:tgtEl>
-                                          <p:spTgt spid="18"/>
+                                          <p:spTgt spid="13"/>
                                         </p:tgtEl>
                                         <p:attrNameLst>
                                           <p:attrName>style.visibility</p:attrName>
@@ -6206,40 +6915,22 @@
                                       <p:cBhvr>
                                         <p:cTn id="19" dur="500"/>
                                         <p:tgtEl>
-                                          <p:spTgt spid="18"/>
+                                          <p:spTgt spid="13"/>
                                         </p:tgtEl>
                                       </p:cBhvr>
                                     </p:animEffect>
                                   </p:childTnLst>
                                 </p:cTn>
                               </p:par>
-                            </p:childTnLst>
-                          </p:cTn>
-                        </p:par>
-                      </p:childTnLst>
-                    </p:cTn>
-                  </p:par>
-                  <p:par>
-                    <p:cTn id="20" fill="hold">
-                      <p:stCondLst>
-                        <p:cond delay="indefinite"/>
-                      </p:stCondLst>
-                      <p:childTnLst>
-                        <p:par>
-                          <p:cTn id="21" fill="hold">
-                            <p:stCondLst>
-                              <p:cond delay="0"/>
-                            </p:stCondLst>
-                            <p:childTnLst>
                               <p:par>
-                                <p:cTn id="22" presetID="9" presetClass="entr" presetSubtype="0" fill="hold" nodeType="clickEffect">
+                                <p:cTn id="20" presetID="9" presetClass="entr" presetSubtype="0" fill="hold" grpId="0" nodeType="withEffect">
                                   <p:stCondLst>
                                     <p:cond delay="0"/>
                                   </p:stCondLst>
                                   <p:childTnLst>
                                     <p:set>
                                       <p:cBhvr>
-                                        <p:cTn id="23" dur="1" fill="hold">
+                                        <p:cTn id="21" dur="1" fill="hold">
                                           <p:stCondLst>
                                             <p:cond delay="0"/>
                                           </p:stCondLst>
@@ -6257,7 +6948,7 @@
                                     </p:set>
                                     <p:animEffect transition="in" filter="dissolve">
                                       <p:cBhvr>
-                                        <p:cTn id="24" dur="500"/>
+                                        <p:cTn id="22" dur="500"/>
                                         <p:tgtEl>
                                           <p:spTgt spid="10"/>
                                         </p:tgtEl>
@@ -6266,8 +6957,26 @@
                                   </p:childTnLst>
                                 </p:cTn>
                               </p:par>
+                            </p:childTnLst>
+                          </p:cTn>
+                        </p:par>
+                      </p:childTnLst>
+                    </p:cTn>
+                  </p:par>
+                  <p:par>
+                    <p:cTn id="23" fill="hold">
+                      <p:stCondLst>
+                        <p:cond delay="indefinite"/>
+                      </p:stCondLst>
+                      <p:childTnLst>
+                        <p:par>
+                          <p:cTn id="24" fill="hold">
+                            <p:stCondLst>
+                              <p:cond delay="0"/>
+                            </p:stCondLst>
+                            <p:childTnLst>
                               <p:par>
-                                <p:cTn id="25" presetID="9" presetClass="entr" presetSubtype="0" fill="hold" grpId="0" nodeType="withEffect">
+                                <p:cTn id="25" presetID="9" presetClass="entr" presetSubtype="0" fill="hold" grpId="0" nodeType="clickEffect">
                                   <p:stCondLst>
                                     <p:cond delay="0"/>
                                   </p:stCondLst>
@@ -6280,7 +6989,7 @@
                                           </p:stCondLst>
                                         </p:cTn>
                                         <p:tgtEl>
-                                          <p:spTgt spid="7"/>
+                                          <p:spTgt spid="8"/>
                                         </p:tgtEl>
                                         <p:attrNameLst>
                                           <p:attrName>style.visibility</p:attrName>
@@ -6294,7 +7003,7 @@
                                       <p:cBhvr>
                                         <p:cTn id="27" dur="500"/>
                                         <p:tgtEl>
-                                          <p:spTgt spid="7"/>
+                                          <p:spTgt spid="8"/>
                                         </p:tgtEl>
                                       </p:cBhvr>
                                     </p:animEffect>
@@ -6315,7 +7024,7 @@
                                           </p:stCondLst>
                                         </p:cTn>
                                         <p:tgtEl>
-                                          <p:spTgt spid="19"/>
+                                          <p:spTgt spid="9"/>
                                         </p:tgtEl>
                                         <p:attrNameLst>
                                           <p:attrName>style.visibility</p:attrName>
@@ -6329,7 +7038,7 @@
                                       <p:cBhvr>
                                         <p:cTn id="30" dur="500"/>
                                         <p:tgtEl>
-                                          <p:spTgt spid="19"/>
+                                          <p:spTgt spid="9"/>
                                         </p:tgtEl>
                                       </p:cBhvr>
                                     </p:animEffect>
@@ -6350,7 +7059,7 @@
                                           </p:stCondLst>
                                         </p:cTn>
                                         <p:tgtEl>
-                                          <p:spTgt spid="20"/>
+                                          <p:spTgt spid="16"/>
                                         </p:tgtEl>
                                         <p:attrNameLst>
                                           <p:attrName>style.visibility</p:attrName>
@@ -6364,7 +7073,7 @@
                                       <p:cBhvr>
                                         <p:cTn id="33" dur="500"/>
                                         <p:tgtEl>
-                                          <p:spTgt spid="20"/>
+                                          <p:spTgt spid="16"/>
                                         </p:tgtEl>
                                       </p:cBhvr>
                                     </p:animEffect>
@@ -6385,7 +7094,7 @@
                                           </p:stCondLst>
                                         </p:cTn>
                                         <p:tgtEl>
-                                          <p:spTgt spid="21"/>
+                                          <p:spTgt spid="18"/>
                                         </p:tgtEl>
                                         <p:attrNameLst>
                                           <p:attrName>style.visibility</p:attrName>
@@ -6399,7 +7108,42 @@
                                       <p:cBhvr>
                                         <p:cTn id="36" dur="500"/>
                                         <p:tgtEl>
-                                          <p:spTgt spid="21"/>
+                                          <p:spTgt spid="18"/>
+                                        </p:tgtEl>
+                                      </p:cBhvr>
+                                    </p:animEffect>
+                                  </p:childTnLst>
+                                </p:cTn>
+                              </p:par>
+                              <p:par>
+                                <p:cTn id="37" presetID="9" presetClass="entr" presetSubtype="0" fill="hold" grpId="0" nodeType="withEffect">
+                                  <p:stCondLst>
+                                    <p:cond delay="0"/>
+                                  </p:stCondLst>
+                                  <p:childTnLst>
+                                    <p:set>
+                                      <p:cBhvr>
+                                        <p:cTn id="38" dur="1" fill="hold">
+                                          <p:stCondLst>
+                                            <p:cond delay="0"/>
+                                          </p:stCondLst>
+                                        </p:cTn>
+                                        <p:tgtEl>
+                                          <p:spTgt spid="7"/>
+                                        </p:tgtEl>
+                                        <p:attrNameLst>
+                                          <p:attrName>style.visibility</p:attrName>
+                                        </p:attrNameLst>
+                                      </p:cBhvr>
+                                      <p:to>
+                                        <p:strVal val="visible"/>
+                                      </p:to>
+                                    </p:set>
+                                    <p:animEffect transition="in" filter="dissolve">
+                                      <p:cBhvr>
+                                        <p:cTn id="39" dur="500"/>
+                                        <p:tgtEl>
+                                          <p:spTgt spid="7"/>
                                         </p:tgtEl>
                                       </p:cBhvr>
                                     </p:animEffect>
@@ -6413,54 +7157,19 @@
                     </p:cTn>
                   </p:par>
                   <p:par>
-                    <p:cTn id="37" fill="hold">
+                    <p:cTn id="40" fill="hold">
                       <p:stCondLst>
                         <p:cond delay="indefinite"/>
                       </p:stCondLst>
                       <p:childTnLst>
                         <p:par>
-                          <p:cTn id="38" fill="hold">
+                          <p:cTn id="41" fill="hold">
                             <p:stCondLst>
                               <p:cond delay="0"/>
                             </p:stCondLst>
                             <p:childTnLst>
                               <p:par>
-                                <p:cTn id="39" presetID="9" presetClass="entr" presetSubtype="0" fill="hold" nodeType="clickEffect">
-                                  <p:stCondLst>
-                                    <p:cond delay="0"/>
-                                  </p:stCondLst>
-                                  <p:childTnLst>
-                                    <p:set>
-                                      <p:cBhvr>
-                                        <p:cTn id="40" dur="1" fill="hold">
-                                          <p:stCondLst>
-                                            <p:cond delay="0"/>
-                                          </p:stCondLst>
-                                        </p:cTn>
-                                        <p:tgtEl>
-                                          <p:spTgt spid="9"/>
-                                        </p:tgtEl>
-                                        <p:attrNameLst>
-                                          <p:attrName>style.visibility</p:attrName>
-                                        </p:attrNameLst>
-                                      </p:cBhvr>
-                                      <p:to>
-                                        <p:strVal val="visible"/>
-                                      </p:to>
-                                    </p:set>
-                                    <p:animEffect transition="in" filter="dissolve">
-                                      <p:cBhvr>
-                                        <p:cTn id="41" dur="500"/>
-                                        <p:tgtEl>
-                                          <p:spTgt spid="9"/>
-                                        </p:tgtEl>
-                                      </p:cBhvr>
-                                    </p:animEffect>
-                                  </p:childTnLst>
-                                </p:cTn>
-                              </p:par>
-                              <p:par>
-                                <p:cTn id="42" presetID="9" presetClass="entr" presetSubtype="0" fill="hold" grpId="0" nodeType="withEffect">
+                                <p:cTn id="42" presetID="9" presetClass="entr" presetSubtype="0" fill="hold" grpId="0" nodeType="clickEffect">
                                   <p:stCondLst>
                                     <p:cond delay="0"/>
                                   </p:stCondLst>
@@ -6473,7 +7182,7 @@
                                           </p:stCondLst>
                                         </p:cTn>
                                         <p:tgtEl>
-                                          <p:spTgt spid="6"/>
+                                          <p:spTgt spid="5"/>
                                         </p:tgtEl>
                                         <p:attrNameLst>
                                           <p:attrName>style.visibility</p:attrName>
@@ -6487,7 +7196,7 @@
                                       <p:cBhvr>
                                         <p:cTn id="44" dur="500"/>
                                         <p:tgtEl>
-                                          <p:spTgt spid="6"/>
+                                          <p:spTgt spid="5"/>
                                         </p:tgtEl>
                                       </p:cBhvr>
                                     </p:animEffect>
@@ -6564,39 +7273,21 @@
                                   </p:childTnLst>
                                 </p:cTn>
                               </p:par>
-                            </p:childTnLst>
-                          </p:cTn>
-                        </p:par>
-                      </p:childTnLst>
-                    </p:cTn>
-                  </p:par>
-                  <p:par>
-                    <p:cTn id="51" fill="hold">
-                      <p:stCondLst>
-                        <p:cond delay="indefinite"/>
-                      </p:stCondLst>
-                      <p:childTnLst>
-                        <p:par>
-                          <p:cTn id="52" fill="hold">
-                            <p:stCondLst>
-                              <p:cond delay="0"/>
-                            </p:stCondLst>
-                            <p:childTnLst>
                               <p:par>
-                                <p:cTn id="53" presetID="9" presetClass="entr" presetSubtype="0" fill="hold" grpId="0" nodeType="clickEffect">
+                                <p:cTn id="51" presetID="9" presetClass="entr" presetSubtype="0" fill="hold" grpId="0" nodeType="withEffect">
                                   <p:stCondLst>
                                     <p:cond delay="0"/>
                                   </p:stCondLst>
                                   <p:childTnLst>
                                     <p:set>
                                       <p:cBhvr>
-                                        <p:cTn id="54" dur="1" fill="hold">
+                                        <p:cTn id="52" dur="1" fill="hold">
                                           <p:stCondLst>
                                             <p:cond delay="0"/>
                                           </p:stCondLst>
                                         </p:cTn>
                                         <p:tgtEl>
-                                          <p:spTgt spid="24"/>
+                                          <p:spTgt spid="19"/>
                                         </p:tgtEl>
                                         <p:attrNameLst>
                                           <p:attrName>style.visibility</p:attrName>
@@ -6608,9 +7299,9 @@
                                     </p:set>
                                     <p:animEffect transition="in" filter="dissolve">
                                       <p:cBhvr>
-                                        <p:cTn id="55" dur="500"/>
+                                        <p:cTn id="53" dur="500"/>
                                         <p:tgtEl>
-                                          <p:spTgt spid="24"/>
+                                          <p:spTgt spid="19"/>
                                         </p:tgtEl>
                                       </p:cBhvr>
                                     </p:animEffect>
@@ -6618,20 +7309,20 @@
                                 </p:cTn>
                               </p:par>
                               <p:par>
-                                <p:cTn id="56" presetID="9" presetClass="entr" presetSubtype="0" fill="hold" grpId="0" nodeType="withEffect">
+                                <p:cTn id="54" presetID="9" presetClass="entr" presetSubtype="0" fill="hold" grpId="0" nodeType="withEffect">
                                   <p:stCondLst>
                                     <p:cond delay="0"/>
                                   </p:stCondLst>
                                   <p:childTnLst>
                                     <p:set>
                                       <p:cBhvr>
-                                        <p:cTn id="57" dur="1" fill="hold">
+                                        <p:cTn id="55" dur="1" fill="hold">
                                           <p:stCondLst>
                                             <p:cond delay="0"/>
                                           </p:stCondLst>
                                         </p:cTn>
                                         <p:tgtEl>
-                                          <p:spTgt spid="26"/>
+                                          <p:spTgt spid="20"/>
                                         </p:tgtEl>
                                         <p:attrNameLst>
                                           <p:attrName>style.visibility</p:attrName>
@@ -6643,9 +7334,79 @@
                                     </p:set>
                                     <p:animEffect transition="in" filter="dissolve">
                                       <p:cBhvr>
-                                        <p:cTn id="58" dur="500"/>
+                                        <p:cTn id="56" dur="500"/>
                                         <p:tgtEl>
-                                          <p:spTgt spid="26"/>
+                                          <p:spTgt spid="20"/>
+                                        </p:tgtEl>
+                                      </p:cBhvr>
+                                    </p:animEffect>
+                                  </p:childTnLst>
+                                </p:cTn>
+                              </p:par>
+                              <p:par>
+                                <p:cTn id="57" presetID="9" presetClass="entr" presetSubtype="0" fill="hold" grpId="0" nodeType="withEffect">
+                                  <p:stCondLst>
+                                    <p:cond delay="0"/>
+                                  </p:stCondLst>
+                                  <p:childTnLst>
+                                    <p:set>
+                                      <p:cBhvr>
+                                        <p:cTn id="58" dur="1" fill="hold">
+                                          <p:stCondLst>
+                                            <p:cond delay="0"/>
+                                          </p:stCondLst>
+                                        </p:cTn>
+                                        <p:tgtEl>
+                                          <p:spTgt spid="12"/>
+                                        </p:tgtEl>
+                                        <p:attrNameLst>
+                                          <p:attrName>style.visibility</p:attrName>
+                                        </p:attrNameLst>
+                                      </p:cBhvr>
+                                      <p:to>
+                                        <p:strVal val="visible"/>
+                                      </p:to>
+                                    </p:set>
+                                    <p:animEffect transition="in" filter="dissolve">
+                                      <p:cBhvr>
+                                        <p:cTn id="59" dur="500"/>
+                                        <p:tgtEl>
+                                          <p:spTgt spid="12"/>
+                                        </p:tgtEl>
+                                      </p:cBhvr>
+                                    </p:animEffect>
+                                  </p:childTnLst>
+                                </p:cTn>
+                              </p:par>
+                              <p:par>
+                                <p:cTn id="60" presetID="9" presetClass="entr" presetSubtype="0" fill="hold" grpId="0" nodeType="withEffect">
+                                  <p:stCondLst>
+                                    <p:cond delay="0"/>
+                                  </p:stCondLst>
+                                  <p:childTnLst>
+                                    <p:set>
+                                      <p:cBhvr>
+                                        <p:cTn id="61" dur="1" fill="hold">
+                                          <p:stCondLst>
+                                            <p:cond delay="0"/>
+                                          </p:stCondLst>
+                                        </p:cTn>
+                                        <p:tgtEl>
+                                          <p:spTgt spid="11"/>
+                                        </p:tgtEl>
+                                        <p:attrNameLst>
+                                          <p:attrName>style.visibility</p:attrName>
+                                        </p:attrNameLst>
+                                      </p:cBhvr>
+                                      <p:to>
+                                        <p:strVal val="visible"/>
+                                      </p:to>
+                                    </p:set>
+                                    <p:animEffect transition="in" filter="dissolve">
+                                      <p:cBhvr>
+                                        <p:cTn id="62" dur="500"/>
+                                        <p:tgtEl>
+                                          <p:spTgt spid="11"/>
                                         </p:tgtEl>
                                       </p:cBhvr>
                                     </p:animEffect>
@@ -6680,25 +7441,1328 @@
       </p:par>
     </p:tnLst>
     <p:bldLst>
+      <p:bldP spid="3" grpId="0"/>
       <p:bldP spid="4" grpId="0"/>
-      <p:bldP spid="6" grpId="0"/>
+      <p:bldP spid="5" grpId="0"/>
       <p:bldP spid="7" grpId="0"/>
+      <p:bldP spid="8" grpId="0"/>
+      <p:bldP spid="9" grpId="0"/>
+      <p:bldP spid="10" grpId="0"/>
+      <p:bldP spid="11" grpId="0"/>
+      <p:bldP spid="12" grpId="0"/>
+      <p:bldP spid="13" grpId="0"/>
       <p:bldP spid="16" grpId="0"/>
       <p:bldP spid="17" grpId="0"/>
       <p:bldP spid="18" grpId="0"/>
       <p:bldP spid="19" grpId="0"/>
       <p:bldP spid="20" grpId="0"/>
-      <p:bldP spid="21" grpId="0"/>
       <p:bldP spid="22" grpId="0"/>
       <p:bldP spid="23" grpId="0"/>
       <p:bldP spid="24" grpId="0"/>
-      <p:bldP spid="26" grpId="0"/>
     </p:bldLst>
   </p:timing>
 </p:sld>
 </file>
 
 <file path=ppt/slides/slide5.xml><?xml version="1.0" encoding="utf-8"?>
+<p:sld xmlns:a="http://schemas.openxmlformats.org/drawingml/2006/main" xmlns:r="http://schemas.openxmlformats.org/officeDocument/2006/relationships" xmlns:p="http://schemas.openxmlformats.org/presentationml/2006/main">
+  <p:cSld>
+    <p:spTree>
+      <p:nvGrpSpPr>
+        <p:cNvPr id="1" name=""/>
+        <p:cNvGrpSpPr/>
+        <p:nvPr/>
+      </p:nvGrpSpPr>
+      <p:grpSpPr>
+        <a:xfrm>
+          <a:off x="0" y="0"/>
+          <a:ext cx="0" cy="0"/>
+          <a:chOff x="0" y="0"/>
+          <a:chExt cx="0" cy="0"/>
+        </a:xfrm>
+      </p:grpSpPr>
+      <p:sp>
+        <p:nvSpPr>
+          <p:cNvPr id="12" name="Content Placeholder 2"/>
+          <p:cNvSpPr txBox="1">
+            <a:spLocks/>
+          </p:cNvSpPr>
+          <p:nvPr/>
+        </p:nvSpPr>
+        <p:spPr>
+          <a:xfrm>
+            <a:off x="6152462" y="5471345"/>
+            <a:ext cx="2715974" cy="1020763"/>
+          </a:xfrm>
+          <a:prstGeom prst="rect">
+            <a:avLst/>
+          </a:prstGeom>
+        </p:spPr>
+        <p:txBody>
+          <a:bodyPr vert="horz" lIns="91440" tIns="45720" rIns="91440" bIns="45720" rtlCol="0">
+            <a:normAutofit/>
+          </a:bodyPr>
+          <a:lstStyle>
+            <a:lvl1pPr marL="342900" indent="-342900" algn="l" defTabSz="914400" rtl="0" eaLnBrk="1" latinLnBrk="0" hangingPunct="1">
+              <a:spcBef>
+                <a:spcPct val="20000"/>
+              </a:spcBef>
+              <a:buFont typeface="Arial" pitchFamily="34" charset="0"/>
+              <a:buChar char="•"/>
+              <a:defRPr sz="3200" kern="1200">
+                <a:solidFill>
+                  <a:schemeClr val="tx1"/>
+                </a:solidFill>
+                <a:latin typeface="+mn-lt"/>
+                <a:ea typeface="+mn-ea"/>
+                <a:cs typeface="+mn-cs"/>
+              </a:defRPr>
+            </a:lvl1pPr>
+            <a:lvl2pPr marL="742950" indent="-285750" algn="l" defTabSz="914400" rtl="0" eaLnBrk="1" latinLnBrk="0" hangingPunct="1">
+              <a:spcBef>
+                <a:spcPct val="20000"/>
+              </a:spcBef>
+              <a:buFont typeface="Arial" pitchFamily="34" charset="0"/>
+              <a:buChar char="–"/>
+              <a:defRPr sz="2800" kern="1200">
+                <a:solidFill>
+                  <a:schemeClr val="tx1"/>
+                </a:solidFill>
+                <a:latin typeface="+mn-lt"/>
+                <a:ea typeface="+mn-ea"/>
+                <a:cs typeface="+mn-cs"/>
+              </a:defRPr>
+            </a:lvl2pPr>
+            <a:lvl3pPr marL="1143000" indent="-228600" algn="l" defTabSz="914400" rtl="0" eaLnBrk="1" latinLnBrk="0" hangingPunct="1">
+              <a:spcBef>
+                <a:spcPct val="20000"/>
+              </a:spcBef>
+              <a:buFont typeface="Arial" pitchFamily="34" charset="0"/>
+              <a:buChar char="•"/>
+              <a:defRPr sz="2400" kern="1200">
+                <a:solidFill>
+                  <a:schemeClr val="tx1"/>
+                </a:solidFill>
+                <a:latin typeface="+mn-lt"/>
+                <a:ea typeface="+mn-ea"/>
+                <a:cs typeface="+mn-cs"/>
+              </a:defRPr>
+            </a:lvl3pPr>
+            <a:lvl4pPr marL="1600200" indent="-228600" algn="l" defTabSz="914400" rtl="0" eaLnBrk="1" latinLnBrk="0" hangingPunct="1">
+              <a:spcBef>
+                <a:spcPct val="20000"/>
+              </a:spcBef>
+              <a:buFont typeface="Arial" pitchFamily="34" charset="0"/>
+              <a:buChar char="–"/>
+              <a:defRPr sz="2000" kern="1200">
+                <a:solidFill>
+                  <a:schemeClr val="tx1"/>
+                </a:solidFill>
+                <a:latin typeface="+mn-lt"/>
+                <a:ea typeface="+mn-ea"/>
+                <a:cs typeface="+mn-cs"/>
+              </a:defRPr>
+            </a:lvl4pPr>
+            <a:lvl5pPr marL="2057400" indent="-228600" algn="l" defTabSz="914400" rtl="0" eaLnBrk="1" latinLnBrk="0" hangingPunct="1">
+              <a:spcBef>
+                <a:spcPct val="20000"/>
+              </a:spcBef>
+              <a:buFont typeface="Arial" pitchFamily="34" charset="0"/>
+              <a:buChar char="»"/>
+              <a:defRPr sz="2000" kern="1200">
+                <a:solidFill>
+                  <a:schemeClr val="tx1"/>
+                </a:solidFill>
+                <a:latin typeface="+mn-lt"/>
+                <a:ea typeface="+mn-ea"/>
+                <a:cs typeface="+mn-cs"/>
+              </a:defRPr>
+            </a:lvl5pPr>
+            <a:lvl6pPr marL="2514600" indent="-228600" algn="l" defTabSz="914400" rtl="0" eaLnBrk="1" latinLnBrk="0" hangingPunct="1">
+              <a:spcBef>
+                <a:spcPct val="20000"/>
+              </a:spcBef>
+              <a:buFont typeface="Arial" pitchFamily="34" charset="0"/>
+              <a:buChar char="•"/>
+              <a:defRPr sz="2000" kern="1200">
+                <a:solidFill>
+                  <a:schemeClr val="tx1"/>
+                </a:solidFill>
+                <a:latin typeface="+mn-lt"/>
+                <a:ea typeface="+mn-ea"/>
+                <a:cs typeface="+mn-cs"/>
+              </a:defRPr>
+            </a:lvl6pPr>
+            <a:lvl7pPr marL="2971800" indent="-228600" algn="l" defTabSz="914400" rtl="0" eaLnBrk="1" latinLnBrk="0" hangingPunct="1">
+              <a:spcBef>
+                <a:spcPct val="20000"/>
+              </a:spcBef>
+              <a:buFont typeface="Arial" pitchFamily="34" charset="0"/>
+              <a:buChar char="•"/>
+              <a:defRPr sz="2000" kern="1200">
+                <a:solidFill>
+                  <a:schemeClr val="tx1"/>
+                </a:solidFill>
+                <a:latin typeface="+mn-lt"/>
+                <a:ea typeface="+mn-ea"/>
+                <a:cs typeface="+mn-cs"/>
+              </a:defRPr>
+            </a:lvl7pPr>
+            <a:lvl8pPr marL="3429000" indent="-228600" algn="l" defTabSz="914400" rtl="0" eaLnBrk="1" latinLnBrk="0" hangingPunct="1">
+              <a:spcBef>
+                <a:spcPct val="20000"/>
+              </a:spcBef>
+              <a:buFont typeface="Arial" pitchFamily="34" charset="0"/>
+              <a:buChar char="•"/>
+              <a:defRPr sz="2000" kern="1200">
+                <a:solidFill>
+                  <a:schemeClr val="tx1"/>
+                </a:solidFill>
+                <a:latin typeface="+mn-lt"/>
+                <a:ea typeface="+mn-ea"/>
+                <a:cs typeface="+mn-cs"/>
+              </a:defRPr>
+            </a:lvl8pPr>
+            <a:lvl9pPr marL="3886200" indent="-228600" algn="l" defTabSz="914400" rtl="0" eaLnBrk="1" latinLnBrk="0" hangingPunct="1">
+              <a:spcBef>
+                <a:spcPct val="20000"/>
+              </a:spcBef>
+              <a:buFont typeface="Arial" pitchFamily="34" charset="0"/>
+              <a:buChar char="•"/>
+              <a:defRPr sz="2000" kern="1200">
+                <a:solidFill>
+                  <a:schemeClr val="tx1"/>
+                </a:solidFill>
+                <a:latin typeface="+mn-lt"/>
+                <a:ea typeface="+mn-ea"/>
+                <a:cs typeface="+mn-cs"/>
+              </a:defRPr>
+            </a:lvl9pPr>
+          </a:lstStyle>
+          <a:p>
+            <a:pPr>
+              <a:buFont typeface="Wingdings" charset="2"/>
+              <a:buChar char="§"/>
+            </a:pPr>
+            <a:r>
+              <a:rPr lang="en-US" sz="2800" dirty="0" smtClean="0"/>
+              <a:t>Nothing Lost</a:t>
+            </a:r>
+            <a:endParaRPr lang="en-US" sz="2800" dirty="0"/>
+          </a:p>
+        </p:txBody>
+      </p:sp>
+      <p:sp>
+        <p:nvSpPr>
+          <p:cNvPr id="13" name="Content Placeholder 2"/>
+          <p:cNvSpPr txBox="1">
+            <a:spLocks/>
+          </p:cNvSpPr>
+          <p:nvPr/>
+        </p:nvSpPr>
+        <p:spPr>
+          <a:xfrm>
+            <a:off x="2529808" y="5471345"/>
+            <a:ext cx="8229600" cy="1020763"/>
+          </a:xfrm>
+          <a:prstGeom prst="rect">
+            <a:avLst/>
+          </a:prstGeom>
+        </p:spPr>
+        <p:txBody>
+          <a:bodyPr vert="horz" lIns="91440" tIns="45720" rIns="91440" bIns="45720" rtlCol="0">
+            <a:normAutofit/>
+          </a:bodyPr>
+          <a:lstStyle>
+            <a:lvl1pPr marL="342900" indent="-342900" algn="l" defTabSz="914400" rtl="0" eaLnBrk="1" latinLnBrk="0" hangingPunct="1">
+              <a:spcBef>
+                <a:spcPct val="20000"/>
+              </a:spcBef>
+              <a:buFont typeface="Arial" pitchFamily="34" charset="0"/>
+              <a:buChar char="•"/>
+              <a:defRPr sz="3200" kern="1200">
+                <a:solidFill>
+                  <a:schemeClr val="tx1"/>
+                </a:solidFill>
+                <a:latin typeface="+mn-lt"/>
+                <a:ea typeface="+mn-ea"/>
+                <a:cs typeface="+mn-cs"/>
+              </a:defRPr>
+            </a:lvl1pPr>
+            <a:lvl2pPr marL="742950" indent="-285750" algn="l" defTabSz="914400" rtl="0" eaLnBrk="1" latinLnBrk="0" hangingPunct="1">
+              <a:spcBef>
+                <a:spcPct val="20000"/>
+              </a:spcBef>
+              <a:buFont typeface="Arial" pitchFamily="34" charset="0"/>
+              <a:buChar char="–"/>
+              <a:defRPr sz="2800" kern="1200">
+                <a:solidFill>
+                  <a:schemeClr val="tx1"/>
+                </a:solidFill>
+                <a:latin typeface="+mn-lt"/>
+                <a:ea typeface="+mn-ea"/>
+                <a:cs typeface="+mn-cs"/>
+              </a:defRPr>
+            </a:lvl2pPr>
+            <a:lvl3pPr marL="1143000" indent="-228600" algn="l" defTabSz="914400" rtl="0" eaLnBrk="1" latinLnBrk="0" hangingPunct="1">
+              <a:spcBef>
+                <a:spcPct val="20000"/>
+              </a:spcBef>
+              <a:buFont typeface="Arial" pitchFamily="34" charset="0"/>
+              <a:buChar char="•"/>
+              <a:defRPr sz="2400" kern="1200">
+                <a:solidFill>
+                  <a:schemeClr val="tx1"/>
+                </a:solidFill>
+                <a:latin typeface="+mn-lt"/>
+                <a:ea typeface="+mn-ea"/>
+                <a:cs typeface="+mn-cs"/>
+              </a:defRPr>
+            </a:lvl3pPr>
+            <a:lvl4pPr marL="1600200" indent="-228600" algn="l" defTabSz="914400" rtl="0" eaLnBrk="1" latinLnBrk="0" hangingPunct="1">
+              <a:spcBef>
+                <a:spcPct val="20000"/>
+              </a:spcBef>
+              <a:buFont typeface="Arial" pitchFamily="34" charset="0"/>
+              <a:buChar char="–"/>
+              <a:defRPr sz="2000" kern="1200">
+                <a:solidFill>
+                  <a:schemeClr val="tx1"/>
+                </a:solidFill>
+                <a:latin typeface="+mn-lt"/>
+                <a:ea typeface="+mn-ea"/>
+                <a:cs typeface="+mn-cs"/>
+              </a:defRPr>
+            </a:lvl4pPr>
+            <a:lvl5pPr marL="2057400" indent="-228600" algn="l" defTabSz="914400" rtl="0" eaLnBrk="1" latinLnBrk="0" hangingPunct="1">
+              <a:spcBef>
+                <a:spcPct val="20000"/>
+              </a:spcBef>
+              <a:buFont typeface="Arial" pitchFamily="34" charset="0"/>
+              <a:buChar char="»"/>
+              <a:defRPr sz="2000" kern="1200">
+                <a:solidFill>
+                  <a:schemeClr val="tx1"/>
+                </a:solidFill>
+                <a:latin typeface="+mn-lt"/>
+                <a:ea typeface="+mn-ea"/>
+                <a:cs typeface="+mn-cs"/>
+              </a:defRPr>
+            </a:lvl5pPr>
+            <a:lvl6pPr marL="2514600" indent="-228600" algn="l" defTabSz="914400" rtl="0" eaLnBrk="1" latinLnBrk="0" hangingPunct="1">
+              <a:spcBef>
+                <a:spcPct val="20000"/>
+              </a:spcBef>
+              <a:buFont typeface="Arial" pitchFamily="34" charset="0"/>
+              <a:buChar char="•"/>
+              <a:defRPr sz="2000" kern="1200">
+                <a:solidFill>
+                  <a:schemeClr val="tx1"/>
+                </a:solidFill>
+                <a:latin typeface="+mn-lt"/>
+                <a:ea typeface="+mn-ea"/>
+                <a:cs typeface="+mn-cs"/>
+              </a:defRPr>
+            </a:lvl6pPr>
+            <a:lvl7pPr marL="2971800" indent="-228600" algn="l" defTabSz="914400" rtl="0" eaLnBrk="1" latinLnBrk="0" hangingPunct="1">
+              <a:spcBef>
+                <a:spcPct val="20000"/>
+              </a:spcBef>
+              <a:buFont typeface="Arial" pitchFamily="34" charset="0"/>
+              <a:buChar char="•"/>
+              <a:defRPr sz="2000" kern="1200">
+                <a:solidFill>
+                  <a:schemeClr val="tx1"/>
+                </a:solidFill>
+                <a:latin typeface="+mn-lt"/>
+                <a:ea typeface="+mn-ea"/>
+                <a:cs typeface="+mn-cs"/>
+              </a:defRPr>
+            </a:lvl7pPr>
+            <a:lvl8pPr marL="3429000" indent="-228600" algn="l" defTabSz="914400" rtl="0" eaLnBrk="1" latinLnBrk="0" hangingPunct="1">
+              <a:spcBef>
+                <a:spcPct val="20000"/>
+              </a:spcBef>
+              <a:buFont typeface="Arial" pitchFamily="34" charset="0"/>
+              <a:buChar char="•"/>
+              <a:defRPr sz="2000" kern="1200">
+                <a:solidFill>
+                  <a:schemeClr val="tx1"/>
+                </a:solidFill>
+                <a:latin typeface="+mn-lt"/>
+                <a:ea typeface="+mn-ea"/>
+                <a:cs typeface="+mn-cs"/>
+              </a:defRPr>
+            </a:lvl8pPr>
+            <a:lvl9pPr marL="3886200" indent="-228600" algn="l" defTabSz="914400" rtl="0" eaLnBrk="1" latinLnBrk="0" hangingPunct="1">
+              <a:spcBef>
+                <a:spcPct val="20000"/>
+              </a:spcBef>
+              <a:buFont typeface="Arial" pitchFamily="34" charset="0"/>
+              <a:buChar char="•"/>
+              <a:defRPr sz="2000" kern="1200">
+                <a:solidFill>
+                  <a:schemeClr val="tx1"/>
+                </a:solidFill>
+                <a:latin typeface="+mn-lt"/>
+                <a:ea typeface="+mn-ea"/>
+                <a:cs typeface="+mn-cs"/>
+              </a:defRPr>
+            </a:lvl9pPr>
+          </a:lstStyle>
+          <a:p>
+            <a:pPr>
+              <a:buFont typeface="Wingdings" charset="2"/>
+              <a:buChar char="§"/>
+            </a:pPr>
+            <a:r>
+              <a:rPr lang="en-US" sz="2800" dirty="0" smtClean="0"/>
+              <a:t>Transparent Tracking</a:t>
+            </a:r>
+            <a:endParaRPr lang="en-US" sz="2800" dirty="0"/>
+          </a:p>
+        </p:txBody>
+      </p:sp>
+      <p:sp>
+        <p:nvSpPr>
+          <p:cNvPr id="14" name="Content Placeholder 2"/>
+          <p:cNvSpPr txBox="1">
+            <a:spLocks/>
+          </p:cNvSpPr>
+          <p:nvPr/>
+        </p:nvSpPr>
+        <p:spPr>
+          <a:xfrm>
+            <a:off x="446178" y="5471345"/>
+            <a:ext cx="8229600" cy="1020763"/>
+          </a:xfrm>
+          <a:prstGeom prst="rect">
+            <a:avLst/>
+          </a:prstGeom>
+        </p:spPr>
+        <p:txBody>
+          <a:bodyPr vert="horz" lIns="91440" tIns="45720" rIns="91440" bIns="45720" rtlCol="0">
+            <a:normAutofit/>
+          </a:bodyPr>
+          <a:lstStyle>
+            <a:lvl1pPr marL="342900" indent="-342900" algn="l" defTabSz="914400" rtl="0" eaLnBrk="1" latinLnBrk="0" hangingPunct="1">
+              <a:spcBef>
+                <a:spcPct val="20000"/>
+              </a:spcBef>
+              <a:buFont typeface="Arial" pitchFamily="34" charset="0"/>
+              <a:buChar char="•"/>
+              <a:defRPr sz="3200" kern="1200">
+                <a:solidFill>
+                  <a:schemeClr val="tx1"/>
+                </a:solidFill>
+                <a:latin typeface="+mn-lt"/>
+                <a:ea typeface="+mn-ea"/>
+                <a:cs typeface="+mn-cs"/>
+              </a:defRPr>
+            </a:lvl1pPr>
+            <a:lvl2pPr marL="742950" indent="-285750" algn="l" defTabSz="914400" rtl="0" eaLnBrk="1" latinLnBrk="0" hangingPunct="1">
+              <a:spcBef>
+                <a:spcPct val="20000"/>
+              </a:spcBef>
+              <a:buFont typeface="Arial" pitchFamily="34" charset="0"/>
+              <a:buChar char="–"/>
+              <a:defRPr sz="2800" kern="1200">
+                <a:solidFill>
+                  <a:schemeClr val="tx1"/>
+                </a:solidFill>
+                <a:latin typeface="+mn-lt"/>
+                <a:ea typeface="+mn-ea"/>
+                <a:cs typeface="+mn-cs"/>
+              </a:defRPr>
+            </a:lvl2pPr>
+            <a:lvl3pPr marL="1143000" indent="-228600" algn="l" defTabSz="914400" rtl="0" eaLnBrk="1" latinLnBrk="0" hangingPunct="1">
+              <a:spcBef>
+                <a:spcPct val="20000"/>
+              </a:spcBef>
+              <a:buFont typeface="Arial" pitchFamily="34" charset="0"/>
+              <a:buChar char="•"/>
+              <a:defRPr sz="2400" kern="1200">
+                <a:solidFill>
+                  <a:schemeClr val="tx1"/>
+                </a:solidFill>
+                <a:latin typeface="+mn-lt"/>
+                <a:ea typeface="+mn-ea"/>
+                <a:cs typeface="+mn-cs"/>
+              </a:defRPr>
+            </a:lvl3pPr>
+            <a:lvl4pPr marL="1600200" indent="-228600" algn="l" defTabSz="914400" rtl="0" eaLnBrk="1" latinLnBrk="0" hangingPunct="1">
+              <a:spcBef>
+                <a:spcPct val="20000"/>
+              </a:spcBef>
+              <a:buFont typeface="Arial" pitchFamily="34" charset="0"/>
+              <a:buChar char="–"/>
+              <a:defRPr sz="2000" kern="1200">
+                <a:solidFill>
+                  <a:schemeClr val="tx1"/>
+                </a:solidFill>
+                <a:latin typeface="+mn-lt"/>
+                <a:ea typeface="+mn-ea"/>
+                <a:cs typeface="+mn-cs"/>
+              </a:defRPr>
+            </a:lvl4pPr>
+            <a:lvl5pPr marL="2057400" indent="-228600" algn="l" defTabSz="914400" rtl="0" eaLnBrk="1" latinLnBrk="0" hangingPunct="1">
+              <a:spcBef>
+                <a:spcPct val="20000"/>
+              </a:spcBef>
+              <a:buFont typeface="Arial" pitchFamily="34" charset="0"/>
+              <a:buChar char="»"/>
+              <a:defRPr sz="2000" kern="1200">
+                <a:solidFill>
+                  <a:schemeClr val="tx1"/>
+                </a:solidFill>
+                <a:latin typeface="+mn-lt"/>
+                <a:ea typeface="+mn-ea"/>
+                <a:cs typeface="+mn-cs"/>
+              </a:defRPr>
+            </a:lvl5pPr>
+            <a:lvl6pPr marL="2514600" indent="-228600" algn="l" defTabSz="914400" rtl="0" eaLnBrk="1" latinLnBrk="0" hangingPunct="1">
+              <a:spcBef>
+                <a:spcPct val="20000"/>
+              </a:spcBef>
+              <a:buFont typeface="Arial" pitchFamily="34" charset="0"/>
+              <a:buChar char="•"/>
+              <a:defRPr sz="2000" kern="1200">
+                <a:solidFill>
+                  <a:schemeClr val="tx1"/>
+                </a:solidFill>
+                <a:latin typeface="+mn-lt"/>
+                <a:ea typeface="+mn-ea"/>
+                <a:cs typeface="+mn-cs"/>
+              </a:defRPr>
+            </a:lvl6pPr>
+            <a:lvl7pPr marL="2971800" indent="-228600" algn="l" defTabSz="914400" rtl="0" eaLnBrk="1" latinLnBrk="0" hangingPunct="1">
+              <a:spcBef>
+                <a:spcPct val="20000"/>
+              </a:spcBef>
+              <a:buFont typeface="Arial" pitchFamily="34" charset="0"/>
+              <a:buChar char="•"/>
+              <a:defRPr sz="2000" kern="1200">
+                <a:solidFill>
+                  <a:schemeClr val="tx1"/>
+                </a:solidFill>
+                <a:latin typeface="+mn-lt"/>
+                <a:ea typeface="+mn-ea"/>
+                <a:cs typeface="+mn-cs"/>
+              </a:defRPr>
+            </a:lvl7pPr>
+            <a:lvl8pPr marL="3429000" indent="-228600" algn="l" defTabSz="914400" rtl="0" eaLnBrk="1" latinLnBrk="0" hangingPunct="1">
+              <a:spcBef>
+                <a:spcPct val="20000"/>
+              </a:spcBef>
+              <a:buFont typeface="Arial" pitchFamily="34" charset="0"/>
+              <a:buChar char="•"/>
+              <a:defRPr sz="2000" kern="1200">
+                <a:solidFill>
+                  <a:schemeClr val="tx1"/>
+                </a:solidFill>
+                <a:latin typeface="+mn-lt"/>
+                <a:ea typeface="+mn-ea"/>
+                <a:cs typeface="+mn-cs"/>
+              </a:defRPr>
+            </a:lvl8pPr>
+            <a:lvl9pPr marL="3886200" indent="-228600" algn="l" defTabSz="914400" rtl="0" eaLnBrk="1" latinLnBrk="0" hangingPunct="1">
+              <a:spcBef>
+                <a:spcPct val="20000"/>
+              </a:spcBef>
+              <a:buFont typeface="Arial" pitchFamily="34" charset="0"/>
+              <a:buChar char="•"/>
+              <a:defRPr sz="2000" kern="1200">
+                <a:solidFill>
+                  <a:schemeClr val="tx1"/>
+                </a:solidFill>
+                <a:latin typeface="+mn-lt"/>
+                <a:ea typeface="+mn-ea"/>
+                <a:cs typeface="+mn-cs"/>
+              </a:defRPr>
+            </a:lvl9pPr>
+          </a:lstStyle>
+          <a:p>
+            <a:pPr>
+              <a:buFont typeface="Wingdings" charset="2"/>
+              <a:buChar char="§"/>
+            </a:pPr>
+            <a:r>
+              <a:rPr lang="en-US" sz="2800" dirty="0" smtClean="0"/>
+              <a:t>Paperless</a:t>
+            </a:r>
+            <a:endParaRPr lang="en-US" sz="2800" dirty="0"/>
+          </a:p>
+        </p:txBody>
+      </p:sp>
+      <p:sp>
+        <p:nvSpPr>
+          <p:cNvPr id="19" name="Content Placeholder 2"/>
+          <p:cNvSpPr txBox="1">
+            <a:spLocks/>
+          </p:cNvSpPr>
+          <p:nvPr/>
+        </p:nvSpPr>
+        <p:spPr>
+          <a:xfrm>
+            <a:off x="833837" y="6025523"/>
+            <a:ext cx="3547528" cy="1020763"/>
+          </a:xfrm>
+          <a:prstGeom prst="rect">
+            <a:avLst/>
+          </a:prstGeom>
+        </p:spPr>
+        <p:txBody>
+          <a:bodyPr vert="horz" lIns="91440" tIns="45720" rIns="91440" bIns="45720" rtlCol="0">
+            <a:normAutofit/>
+          </a:bodyPr>
+          <a:lstStyle>
+            <a:lvl1pPr marL="342900" indent="-342900" algn="l" defTabSz="914400" rtl="0" eaLnBrk="1" latinLnBrk="0" hangingPunct="1">
+              <a:spcBef>
+                <a:spcPct val="20000"/>
+              </a:spcBef>
+              <a:buFont typeface="Arial" pitchFamily="34" charset="0"/>
+              <a:buChar char="•"/>
+              <a:defRPr sz="3200" kern="1200">
+                <a:solidFill>
+                  <a:schemeClr val="tx1"/>
+                </a:solidFill>
+                <a:latin typeface="+mn-lt"/>
+                <a:ea typeface="+mn-ea"/>
+                <a:cs typeface="+mn-cs"/>
+              </a:defRPr>
+            </a:lvl1pPr>
+            <a:lvl2pPr marL="742950" indent="-285750" algn="l" defTabSz="914400" rtl="0" eaLnBrk="1" latinLnBrk="0" hangingPunct="1">
+              <a:spcBef>
+                <a:spcPct val="20000"/>
+              </a:spcBef>
+              <a:buFont typeface="Arial" pitchFamily="34" charset="0"/>
+              <a:buChar char="–"/>
+              <a:defRPr sz="2800" kern="1200">
+                <a:solidFill>
+                  <a:schemeClr val="tx1"/>
+                </a:solidFill>
+                <a:latin typeface="+mn-lt"/>
+                <a:ea typeface="+mn-ea"/>
+                <a:cs typeface="+mn-cs"/>
+              </a:defRPr>
+            </a:lvl2pPr>
+            <a:lvl3pPr marL="1143000" indent="-228600" algn="l" defTabSz="914400" rtl="0" eaLnBrk="1" latinLnBrk="0" hangingPunct="1">
+              <a:spcBef>
+                <a:spcPct val="20000"/>
+              </a:spcBef>
+              <a:buFont typeface="Arial" pitchFamily="34" charset="0"/>
+              <a:buChar char="•"/>
+              <a:defRPr sz="2400" kern="1200">
+                <a:solidFill>
+                  <a:schemeClr val="tx1"/>
+                </a:solidFill>
+                <a:latin typeface="+mn-lt"/>
+                <a:ea typeface="+mn-ea"/>
+                <a:cs typeface="+mn-cs"/>
+              </a:defRPr>
+            </a:lvl3pPr>
+            <a:lvl4pPr marL="1600200" indent="-228600" algn="l" defTabSz="914400" rtl="0" eaLnBrk="1" latinLnBrk="0" hangingPunct="1">
+              <a:spcBef>
+                <a:spcPct val="20000"/>
+              </a:spcBef>
+              <a:buFont typeface="Arial" pitchFamily="34" charset="0"/>
+              <a:buChar char="–"/>
+              <a:defRPr sz="2000" kern="1200">
+                <a:solidFill>
+                  <a:schemeClr val="tx1"/>
+                </a:solidFill>
+                <a:latin typeface="+mn-lt"/>
+                <a:ea typeface="+mn-ea"/>
+                <a:cs typeface="+mn-cs"/>
+              </a:defRPr>
+            </a:lvl4pPr>
+            <a:lvl5pPr marL="2057400" indent="-228600" algn="l" defTabSz="914400" rtl="0" eaLnBrk="1" latinLnBrk="0" hangingPunct="1">
+              <a:spcBef>
+                <a:spcPct val="20000"/>
+              </a:spcBef>
+              <a:buFont typeface="Arial" pitchFamily="34" charset="0"/>
+              <a:buChar char="»"/>
+              <a:defRPr sz="2000" kern="1200">
+                <a:solidFill>
+                  <a:schemeClr val="tx1"/>
+                </a:solidFill>
+                <a:latin typeface="+mn-lt"/>
+                <a:ea typeface="+mn-ea"/>
+                <a:cs typeface="+mn-cs"/>
+              </a:defRPr>
+            </a:lvl5pPr>
+            <a:lvl6pPr marL="2514600" indent="-228600" algn="l" defTabSz="914400" rtl="0" eaLnBrk="1" latinLnBrk="0" hangingPunct="1">
+              <a:spcBef>
+                <a:spcPct val="20000"/>
+              </a:spcBef>
+              <a:buFont typeface="Arial" pitchFamily="34" charset="0"/>
+              <a:buChar char="•"/>
+              <a:defRPr sz="2000" kern="1200">
+                <a:solidFill>
+                  <a:schemeClr val="tx1"/>
+                </a:solidFill>
+                <a:latin typeface="+mn-lt"/>
+                <a:ea typeface="+mn-ea"/>
+                <a:cs typeface="+mn-cs"/>
+              </a:defRPr>
+            </a:lvl6pPr>
+            <a:lvl7pPr marL="2971800" indent="-228600" algn="l" defTabSz="914400" rtl="0" eaLnBrk="1" latinLnBrk="0" hangingPunct="1">
+              <a:spcBef>
+                <a:spcPct val="20000"/>
+              </a:spcBef>
+              <a:buFont typeface="Arial" pitchFamily="34" charset="0"/>
+              <a:buChar char="•"/>
+              <a:defRPr sz="2000" kern="1200">
+                <a:solidFill>
+                  <a:schemeClr val="tx1"/>
+                </a:solidFill>
+                <a:latin typeface="+mn-lt"/>
+                <a:ea typeface="+mn-ea"/>
+                <a:cs typeface="+mn-cs"/>
+              </a:defRPr>
+            </a:lvl7pPr>
+            <a:lvl8pPr marL="3429000" indent="-228600" algn="l" defTabSz="914400" rtl="0" eaLnBrk="1" latinLnBrk="0" hangingPunct="1">
+              <a:spcBef>
+                <a:spcPct val="20000"/>
+              </a:spcBef>
+              <a:buFont typeface="Arial" pitchFamily="34" charset="0"/>
+              <a:buChar char="•"/>
+              <a:defRPr sz="2000" kern="1200">
+                <a:solidFill>
+                  <a:schemeClr val="tx1"/>
+                </a:solidFill>
+                <a:latin typeface="+mn-lt"/>
+                <a:ea typeface="+mn-ea"/>
+                <a:cs typeface="+mn-cs"/>
+              </a:defRPr>
+            </a:lvl8pPr>
+            <a:lvl9pPr marL="3886200" indent="-228600" algn="l" defTabSz="914400" rtl="0" eaLnBrk="1" latinLnBrk="0" hangingPunct="1">
+              <a:spcBef>
+                <a:spcPct val="20000"/>
+              </a:spcBef>
+              <a:buFont typeface="Arial" pitchFamily="34" charset="0"/>
+              <a:buChar char="•"/>
+              <a:defRPr sz="2000" kern="1200">
+                <a:solidFill>
+                  <a:schemeClr val="tx1"/>
+                </a:solidFill>
+                <a:latin typeface="+mn-lt"/>
+                <a:ea typeface="+mn-ea"/>
+                <a:cs typeface="+mn-cs"/>
+              </a:defRPr>
+            </a:lvl9pPr>
+          </a:lstStyle>
+          <a:p>
+            <a:pPr>
+              <a:buFont typeface="Wingdings" charset="2"/>
+              <a:buChar char="§"/>
+            </a:pPr>
+            <a:r>
+              <a:rPr lang="en-US" sz="2800" dirty="0" smtClean="0"/>
+              <a:t>More Focus on Vets</a:t>
+            </a:r>
+            <a:endParaRPr lang="en-US" sz="2800" dirty="0"/>
+          </a:p>
+        </p:txBody>
+      </p:sp>
+      <p:sp>
+        <p:nvSpPr>
+          <p:cNvPr id="20" name="Content Placeholder 2"/>
+          <p:cNvSpPr txBox="1">
+            <a:spLocks/>
+          </p:cNvSpPr>
+          <p:nvPr/>
+        </p:nvSpPr>
+        <p:spPr>
+          <a:xfrm>
+            <a:off x="4174326" y="6041248"/>
+            <a:ext cx="4402150" cy="1020763"/>
+          </a:xfrm>
+          <a:prstGeom prst="rect">
+            <a:avLst/>
+          </a:prstGeom>
+        </p:spPr>
+        <p:txBody>
+          <a:bodyPr vert="horz" lIns="91440" tIns="45720" rIns="91440" bIns="45720" rtlCol="0">
+            <a:normAutofit/>
+          </a:bodyPr>
+          <a:lstStyle>
+            <a:lvl1pPr marL="342900" indent="-342900" algn="l" defTabSz="914400" rtl="0" eaLnBrk="1" latinLnBrk="0" hangingPunct="1">
+              <a:spcBef>
+                <a:spcPct val="20000"/>
+              </a:spcBef>
+              <a:buFont typeface="Arial" pitchFamily="34" charset="0"/>
+              <a:buChar char="•"/>
+              <a:defRPr sz="3200" kern="1200">
+                <a:solidFill>
+                  <a:schemeClr val="tx1"/>
+                </a:solidFill>
+                <a:latin typeface="+mn-lt"/>
+                <a:ea typeface="+mn-ea"/>
+                <a:cs typeface="+mn-cs"/>
+              </a:defRPr>
+            </a:lvl1pPr>
+            <a:lvl2pPr marL="742950" indent="-285750" algn="l" defTabSz="914400" rtl="0" eaLnBrk="1" latinLnBrk="0" hangingPunct="1">
+              <a:spcBef>
+                <a:spcPct val="20000"/>
+              </a:spcBef>
+              <a:buFont typeface="Arial" pitchFamily="34" charset="0"/>
+              <a:buChar char="–"/>
+              <a:defRPr sz="2800" kern="1200">
+                <a:solidFill>
+                  <a:schemeClr val="tx1"/>
+                </a:solidFill>
+                <a:latin typeface="+mn-lt"/>
+                <a:ea typeface="+mn-ea"/>
+                <a:cs typeface="+mn-cs"/>
+              </a:defRPr>
+            </a:lvl2pPr>
+            <a:lvl3pPr marL="1143000" indent="-228600" algn="l" defTabSz="914400" rtl="0" eaLnBrk="1" latinLnBrk="0" hangingPunct="1">
+              <a:spcBef>
+                <a:spcPct val="20000"/>
+              </a:spcBef>
+              <a:buFont typeface="Arial" pitchFamily="34" charset="0"/>
+              <a:buChar char="•"/>
+              <a:defRPr sz="2400" kern="1200">
+                <a:solidFill>
+                  <a:schemeClr val="tx1"/>
+                </a:solidFill>
+                <a:latin typeface="+mn-lt"/>
+                <a:ea typeface="+mn-ea"/>
+                <a:cs typeface="+mn-cs"/>
+              </a:defRPr>
+            </a:lvl3pPr>
+            <a:lvl4pPr marL="1600200" indent="-228600" algn="l" defTabSz="914400" rtl="0" eaLnBrk="1" latinLnBrk="0" hangingPunct="1">
+              <a:spcBef>
+                <a:spcPct val="20000"/>
+              </a:spcBef>
+              <a:buFont typeface="Arial" pitchFamily="34" charset="0"/>
+              <a:buChar char="–"/>
+              <a:defRPr sz="2000" kern="1200">
+                <a:solidFill>
+                  <a:schemeClr val="tx1"/>
+                </a:solidFill>
+                <a:latin typeface="+mn-lt"/>
+                <a:ea typeface="+mn-ea"/>
+                <a:cs typeface="+mn-cs"/>
+              </a:defRPr>
+            </a:lvl4pPr>
+            <a:lvl5pPr marL="2057400" indent="-228600" algn="l" defTabSz="914400" rtl="0" eaLnBrk="1" latinLnBrk="0" hangingPunct="1">
+              <a:spcBef>
+                <a:spcPct val="20000"/>
+              </a:spcBef>
+              <a:buFont typeface="Arial" pitchFamily="34" charset="0"/>
+              <a:buChar char="»"/>
+              <a:defRPr sz="2000" kern="1200">
+                <a:solidFill>
+                  <a:schemeClr val="tx1"/>
+                </a:solidFill>
+                <a:latin typeface="+mn-lt"/>
+                <a:ea typeface="+mn-ea"/>
+                <a:cs typeface="+mn-cs"/>
+              </a:defRPr>
+            </a:lvl5pPr>
+            <a:lvl6pPr marL="2514600" indent="-228600" algn="l" defTabSz="914400" rtl="0" eaLnBrk="1" latinLnBrk="0" hangingPunct="1">
+              <a:spcBef>
+                <a:spcPct val="20000"/>
+              </a:spcBef>
+              <a:buFont typeface="Arial" pitchFamily="34" charset="0"/>
+              <a:buChar char="•"/>
+              <a:defRPr sz="2000" kern="1200">
+                <a:solidFill>
+                  <a:schemeClr val="tx1"/>
+                </a:solidFill>
+                <a:latin typeface="+mn-lt"/>
+                <a:ea typeface="+mn-ea"/>
+                <a:cs typeface="+mn-cs"/>
+              </a:defRPr>
+            </a:lvl6pPr>
+            <a:lvl7pPr marL="2971800" indent="-228600" algn="l" defTabSz="914400" rtl="0" eaLnBrk="1" latinLnBrk="0" hangingPunct="1">
+              <a:spcBef>
+                <a:spcPct val="20000"/>
+              </a:spcBef>
+              <a:buFont typeface="Arial" pitchFamily="34" charset="0"/>
+              <a:buChar char="•"/>
+              <a:defRPr sz="2000" kern="1200">
+                <a:solidFill>
+                  <a:schemeClr val="tx1"/>
+                </a:solidFill>
+                <a:latin typeface="+mn-lt"/>
+                <a:ea typeface="+mn-ea"/>
+                <a:cs typeface="+mn-cs"/>
+              </a:defRPr>
+            </a:lvl7pPr>
+            <a:lvl8pPr marL="3429000" indent="-228600" algn="l" defTabSz="914400" rtl="0" eaLnBrk="1" latinLnBrk="0" hangingPunct="1">
+              <a:spcBef>
+                <a:spcPct val="20000"/>
+              </a:spcBef>
+              <a:buFont typeface="Arial" pitchFamily="34" charset="0"/>
+              <a:buChar char="•"/>
+              <a:defRPr sz="2000" kern="1200">
+                <a:solidFill>
+                  <a:schemeClr val="tx1"/>
+                </a:solidFill>
+                <a:latin typeface="+mn-lt"/>
+                <a:ea typeface="+mn-ea"/>
+                <a:cs typeface="+mn-cs"/>
+              </a:defRPr>
+            </a:lvl8pPr>
+            <a:lvl9pPr marL="3886200" indent="-228600" algn="l" defTabSz="914400" rtl="0" eaLnBrk="1" latinLnBrk="0" hangingPunct="1">
+              <a:spcBef>
+                <a:spcPct val="20000"/>
+              </a:spcBef>
+              <a:buFont typeface="Arial" pitchFamily="34" charset="0"/>
+              <a:buChar char="•"/>
+              <a:defRPr sz="2000" kern="1200">
+                <a:solidFill>
+                  <a:schemeClr val="tx1"/>
+                </a:solidFill>
+                <a:latin typeface="+mn-lt"/>
+                <a:ea typeface="+mn-ea"/>
+                <a:cs typeface="+mn-cs"/>
+              </a:defRPr>
+            </a:lvl9pPr>
+          </a:lstStyle>
+          <a:p>
+            <a:pPr>
+              <a:buFont typeface="Wingdings" charset="2"/>
+              <a:buChar char="§"/>
+            </a:pPr>
+            <a:r>
+              <a:rPr lang="en-US" sz="2800" dirty="0" smtClean="0">
+                <a:solidFill>
+                  <a:srgbClr val="005FB2"/>
+                </a:solidFill>
+              </a:rPr>
+              <a:t>Employee Morale Booster!</a:t>
+            </a:r>
+            <a:endParaRPr lang="en-US" sz="2800" dirty="0">
+              <a:solidFill>
+                <a:srgbClr val="005FB2"/>
+              </a:solidFill>
+            </a:endParaRPr>
+          </a:p>
+        </p:txBody>
+      </p:sp>
+      <p:sp>
+        <p:nvSpPr>
+          <p:cNvPr id="2" name="Title 1"/>
+          <p:cNvSpPr>
+            <a:spLocks noGrp="1"/>
+          </p:cNvSpPr>
+          <p:nvPr>
+            <p:ph type="title"/>
+          </p:nvPr>
+        </p:nvSpPr>
+        <p:spPr>
+          <a:xfrm>
+            <a:off x="0" y="-228600"/>
+            <a:ext cx="7715165" cy="1276377"/>
+          </a:xfrm>
+        </p:spPr>
+        <p:txBody>
+          <a:bodyPr>
+            <a:normAutofit/>
+          </a:bodyPr>
+          <a:lstStyle/>
+          <a:p>
+            <a:r>
+              <a:rPr lang="en-US" dirty="0" smtClean="0"/>
+              <a:t>Case Study: LEAF for Resource Management Committees</a:t>
+            </a:r>
+            <a:br>
+              <a:rPr lang="en-US" dirty="0" smtClean="0"/>
+            </a:br>
+            <a:r>
+              <a:rPr lang="en-US" sz="1800" i="1" dirty="0" smtClean="0">
+                <a:solidFill>
+                  <a:srgbClr val="005FB2"/>
+                </a:solidFill>
+              </a:rPr>
+              <a:t>Salisbury VAMC, December 2016</a:t>
+            </a:r>
+            <a:endParaRPr lang="en-US" sz="1800" i="1" dirty="0">
+              <a:solidFill>
+                <a:srgbClr val="005FB2"/>
+              </a:solidFill>
+            </a:endParaRPr>
+          </a:p>
+        </p:txBody>
+      </p:sp>
+      <p:sp>
+        <p:nvSpPr>
+          <p:cNvPr id="25" name="Content Placeholder 2"/>
+          <p:cNvSpPr>
+            <a:spLocks noGrp="1"/>
+          </p:cNvSpPr>
+          <p:nvPr>
+            <p:ph idx="1"/>
+          </p:nvPr>
+        </p:nvSpPr>
+        <p:spPr>
+          <a:xfrm>
+            <a:off x="868680" y="1189037"/>
+            <a:ext cx="7315200" cy="4525963"/>
+          </a:xfrm>
+        </p:spPr>
+        <p:txBody>
+          <a:bodyPr>
+            <a:normAutofit/>
+          </a:bodyPr>
+          <a:lstStyle/>
+          <a:p>
+            <a:pPr marL="0" indent="0" algn="ctr">
+              <a:buNone/>
+            </a:pPr>
+            <a:r>
+              <a:rPr lang="en-US" sz="2000" i="1" dirty="0" smtClean="0"/>
+              <a:t>We examined 50 hiring requests – 23 from the old process and 27 from the new LEAF process.</a:t>
+            </a:r>
+            <a:endParaRPr lang="en-US" sz="2000" i="1" dirty="0"/>
+          </a:p>
+        </p:txBody>
+      </p:sp>
+      <p:graphicFrame>
+        <p:nvGraphicFramePr>
+          <p:cNvPr id="26" name="Chart 25"/>
+          <p:cNvGraphicFramePr>
+            <a:graphicFrameLocks/>
+          </p:cNvGraphicFramePr>
+          <p:nvPr>
+            <p:extLst>
+              <p:ext uri="{D42A27DB-BD31-4B8C-83A1-F6EECF244321}">
+                <p14:modId xmlns:p14="http://schemas.microsoft.com/office/powerpoint/2010/main" val="3240459393"/>
+              </p:ext>
+            </p:extLst>
+          </p:nvPr>
+        </p:nvGraphicFramePr>
+        <p:xfrm>
+          <a:off x="3709836" y="2182370"/>
+          <a:ext cx="4866640" cy="2905569"/>
+        </p:xfrm>
+        <a:graphic>
+          <a:graphicData uri="http://schemas.openxmlformats.org/drawingml/2006/chart">
+            <c:chart xmlns:c="http://schemas.openxmlformats.org/drawingml/2006/chart" xmlns:r="http://schemas.openxmlformats.org/officeDocument/2006/relationships" r:id="rId3"/>
+          </a:graphicData>
+        </a:graphic>
+      </p:graphicFrame>
+      <p:sp>
+        <p:nvSpPr>
+          <p:cNvPr id="27" name="TextBox 26"/>
+          <p:cNvSpPr txBox="1"/>
+          <p:nvPr/>
+        </p:nvSpPr>
+        <p:spPr>
+          <a:xfrm>
+            <a:off x="359913" y="2514600"/>
+            <a:ext cx="3125158" cy="1938992"/>
+          </a:xfrm>
+          <a:prstGeom prst="rect">
+            <a:avLst/>
+          </a:prstGeom>
+        </p:spPr>
+        <p:style>
+          <a:lnRef idx="1">
+            <a:schemeClr val="accent3"/>
+          </a:lnRef>
+          <a:fillRef idx="2">
+            <a:schemeClr val="accent3"/>
+          </a:fillRef>
+          <a:effectRef idx="1">
+            <a:schemeClr val="accent3"/>
+          </a:effectRef>
+          <a:fontRef idx="minor">
+            <a:schemeClr val="dk1"/>
+          </a:fontRef>
+        </p:style>
+        <p:txBody>
+          <a:bodyPr wrap="square" rtlCol="0">
+            <a:spAutoFit/>
+          </a:bodyPr>
+          <a:lstStyle/>
+          <a:p>
+            <a:pPr marL="342900" indent="-342900" algn="ctr">
+              <a:buFont typeface="Arial" panose="020B0604020202020204" pitchFamily="34" charset="0"/>
+              <a:buChar char="•"/>
+            </a:pPr>
+            <a:r>
+              <a:rPr lang="en-US" sz="2000" dirty="0" smtClean="0"/>
+              <a:t>LEAF made hiring decisions </a:t>
+            </a:r>
+            <a:r>
+              <a:rPr lang="en-US" sz="2000" b="1" dirty="0" smtClean="0">
+                <a:solidFill>
+                  <a:srgbClr val="005FB2"/>
+                </a:solidFill>
+              </a:rPr>
+              <a:t>54% faster</a:t>
+            </a:r>
+            <a:r>
+              <a:rPr lang="en-US" sz="2000" dirty="0" smtClean="0"/>
+              <a:t>, a 26-day improvement</a:t>
+            </a:r>
+          </a:p>
+          <a:p>
+            <a:pPr marL="342900" indent="-342900" algn="ctr">
+              <a:buFont typeface="Arial" panose="020B0604020202020204" pitchFamily="34" charset="0"/>
+              <a:buChar char="•"/>
+            </a:pPr>
+            <a:r>
+              <a:rPr lang="en-US" sz="2000" dirty="0" smtClean="0"/>
+              <a:t>Urgent Access-related positions can now be approved in &lt;24 </a:t>
+            </a:r>
+            <a:r>
+              <a:rPr lang="en-US" sz="2000" dirty="0" err="1" smtClean="0"/>
+              <a:t>hrs</a:t>
+            </a:r>
+            <a:endParaRPr lang="en-US" sz="2000" dirty="0" smtClean="0"/>
+          </a:p>
+        </p:txBody>
+      </p:sp>
+    </p:spTree>
+    <p:extLst>
+      <p:ext uri="{BB962C8B-B14F-4D97-AF65-F5344CB8AC3E}">
+        <p14:creationId xmlns:p14="http://schemas.microsoft.com/office/powerpoint/2010/main" val="1937172520"/>
+      </p:ext>
+    </p:extLst>
+  </p:cSld>
+  <p:clrMapOvr>
+    <a:masterClrMapping/>
+  </p:clrMapOvr>
+  <p:timing>
+    <p:tnLst>
+      <p:par>
+        <p:cTn id="1" dur="indefinite" restart="never" nodeType="tmRoot">
+          <p:childTnLst>
+            <p:seq concurrent="1" nextAc="seek">
+              <p:cTn id="2" dur="indefinite" nodeType="mainSeq">
+                <p:childTnLst>
+                  <p:par>
+                    <p:cTn id="3" fill="hold">
+                      <p:stCondLst>
+                        <p:cond delay="indefinite"/>
+                      </p:stCondLst>
+                      <p:childTnLst>
+                        <p:par>
+                          <p:cTn id="4" fill="hold">
+                            <p:stCondLst>
+                              <p:cond delay="0"/>
+                            </p:stCondLst>
+                            <p:childTnLst>
+                              <p:par>
+                                <p:cTn id="5" presetID="9" presetClass="entr" presetSubtype="0" fill="hold" grpId="0" nodeType="clickEffect">
+                                  <p:stCondLst>
+                                    <p:cond delay="0"/>
+                                  </p:stCondLst>
+                                  <p:childTnLst>
+                                    <p:set>
+                                      <p:cBhvr>
+                                        <p:cTn id="6" dur="1" fill="hold">
+                                          <p:stCondLst>
+                                            <p:cond delay="0"/>
+                                          </p:stCondLst>
+                                        </p:cTn>
+                                        <p:tgtEl>
+                                          <p:spTgt spid="12"/>
+                                        </p:tgtEl>
+                                        <p:attrNameLst>
+                                          <p:attrName>style.visibility</p:attrName>
+                                        </p:attrNameLst>
+                                      </p:cBhvr>
+                                      <p:to>
+                                        <p:strVal val="visible"/>
+                                      </p:to>
+                                    </p:set>
+                                    <p:animEffect transition="in" filter="dissolve">
+                                      <p:cBhvr>
+                                        <p:cTn id="7" dur="500"/>
+                                        <p:tgtEl>
+                                          <p:spTgt spid="12"/>
+                                        </p:tgtEl>
+                                      </p:cBhvr>
+                                    </p:animEffect>
+                                  </p:childTnLst>
+                                </p:cTn>
+                              </p:par>
+                              <p:par>
+                                <p:cTn id="8" presetID="9" presetClass="entr" presetSubtype="0" fill="hold" grpId="0" nodeType="withEffect">
+                                  <p:stCondLst>
+                                    <p:cond delay="0"/>
+                                  </p:stCondLst>
+                                  <p:childTnLst>
+                                    <p:set>
+                                      <p:cBhvr>
+                                        <p:cTn id="9" dur="1" fill="hold">
+                                          <p:stCondLst>
+                                            <p:cond delay="0"/>
+                                          </p:stCondLst>
+                                        </p:cTn>
+                                        <p:tgtEl>
+                                          <p:spTgt spid="13"/>
+                                        </p:tgtEl>
+                                        <p:attrNameLst>
+                                          <p:attrName>style.visibility</p:attrName>
+                                        </p:attrNameLst>
+                                      </p:cBhvr>
+                                      <p:to>
+                                        <p:strVal val="visible"/>
+                                      </p:to>
+                                    </p:set>
+                                    <p:animEffect transition="in" filter="dissolve">
+                                      <p:cBhvr>
+                                        <p:cTn id="10" dur="500"/>
+                                        <p:tgtEl>
+                                          <p:spTgt spid="13"/>
+                                        </p:tgtEl>
+                                      </p:cBhvr>
+                                    </p:animEffect>
+                                  </p:childTnLst>
+                                </p:cTn>
+                              </p:par>
+                              <p:par>
+                                <p:cTn id="11" presetID="9" presetClass="entr" presetSubtype="0" fill="hold" grpId="0" nodeType="withEffect">
+                                  <p:stCondLst>
+                                    <p:cond delay="0"/>
+                                  </p:stCondLst>
+                                  <p:childTnLst>
+                                    <p:set>
+                                      <p:cBhvr>
+                                        <p:cTn id="12" dur="1" fill="hold">
+                                          <p:stCondLst>
+                                            <p:cond delay="0"/>
+                                          </p:stCondLst>
+                                        </p:cTn>
+                                        <p:tgtEl>
+                                          <p:spTgt spid="14"/>
+                                        </p:tgtEl>
+                                        <p:attrNameLst>
+                                          <p:attrName>style.visibility</p:attrName>
+                                        </p:attrNameLst>
+                                      </p:cBhvr>
+                                      <p:to>
+                                        <p:strVal val="visible"/>
+                                      </p:to>
+                                    </p:set>
+                                    <p:animEffect transition="in" filter="dissolve">
+                                      <p:cBhvr>
+                                        <p:cTn id="13" dur="500"/>
+                                        <p:tgtEl>
+                                          <p:spTgt spid="14"/>
+                                        </p:tgtEl>
+                                      </p:cBhvr>
+                                    </p:animEffect>
+                                  </p:childTnLst>
+                                </p:cTn>
+                              </p:par>
+                              <p:par>
+                                <p:cTn id="14" presetID="9" presetClass="entr" presetSubtype="0" fill="hold" grpId="0" nodeType="withEffect">
+                                  <p:stCondLst>
+                                    <p:cond delay="0"/>
+                                  </p:stCondLst>
+                                  <p:childTnLst>
+                                    <p:set>
+                                      <p:cBhvr>
+                                        <p:cTn id="15" dur="1" fill="hold">
+                                          <p:stCondLst>
+                                            <p:cond delay="0"/>
+                                          </p:stCondLst>
+                                        </p:cTn>
+                                        <p:tgtEl>
+                                          <p:spTgt spid="19"/>
+                                        </p:tgtEl>
+                                        <p:attrNameLst>
+                                          <p:attrName>style.visibility</p:attrName>
+                                        </p:attrNameLst>
+                                      </p:cBhvr>
+                                      <p:to>
+                                        <p:strVal val="visible"/>
+                                      </p:to>
+                                    </p:set>
+                                    <p:animEffect transition="in" filter="dissolve">
+                                      <p:cBhvr>
+                                        <p:cTn id="16" dur="500"/>
+                                        <p:tgtEl>
+                                          <p:spTgt spid="19"/>
+                                        </p:tgtEl>
+                                      </p:cBhvr>
+                                    </p:animEffect>
+                                  </p:childTnLst>
+                                </p:cTn>
+                              </p:par>
+                              <p:par>
+                                <p:cTn id="17" presetID="9" presetClass="entr" presetSubtype="0" fill="hold" grpId="0" nodeType="withEffect">
+                                  <p:stCondLst>
+                                    <p:cond delay="0"/>
+                                  </p:stCondLst>
+                                  <p:childTnLst>
+                                    <p:set>
+                                      <p:cBhvr>
+                                        <p:cTn id="18" dur="1" fill="hold">
+                                          <p:stCondLst>
+                                            <p:cond delay="0"/>
+                                          </p:stCondLst>
+                                        </p:cTn>
+                                        <p:tgtEl>
+                                          <p:spTgt spid="20"/>
+                                        </p:tgtEl>
+                                        <p:attrNameLst>
+                                          <p:attrName>style.visibility</p:attrName>
+                                        </p:attrNameLst>
+                                      </p:cBhvr>
+                                      <p:to>
+                                        <p:strVal val="visible"/>
+                                      </p:to>
+                                    </p:set>
+                                    <p:animEffect transition="in" filter="dissolve">
+                                      <p:cBhvr>
+                                        <p:cTn id="19" dur="500"/>
+                                        <p:tgtEl>
+                                          <p:spTgt spid="20"/>
+                                        </p:tgtEl>
+                                      </p:cBhvr>
+                                    </p:animEffect>
+                                  </p:childTnLst>
+                                </p:cTn>
+                              </p:par>
+                            </p:childTnLst>
+                          </p:cTn>
+                        </p:par>
+                      </p:childTnLst>
+                    </p:cTn>
+                  </p:par>
+                </p:childTnLst>
+              </p:cTn>
+              <p:prevCondLst>
+                <p:cond evt="onPrev" delay="0">
+                  <p:tgtEl>
+                    <p:sldTgt/>
+                  </p:tgtEl>
+                </p:cond>
+              </p:prevCondLst>
+              <p:nextCondLst>
+                <p:cond evt="onNext" delay="0">
+                  <p:tgtEl>
+                    <p:sldTgt/>
+                  </p:tgtEl>
+                </p:cond>
+              </p:nextCondLst>
+            </p:seq>
+          </p:childTnLst>
+        </p:cTn>
+      </p:par>
+    </p:tnLst>
+    <p:bldLst>
+      <p:bldP spid="12" grpId="0"/>
+      <p:bldP spid="13" grpId="0"/>
+      <p:bldP spid="14" grpId="0"/>
+      <p:bldP spid="19" grpId="0"/>
+      <p:bldP spid="20" grpId="0"/>
+    </p:bldLst>
+  </p:timing>
+</p:sld>
+</file>
+
+<file path=ppt/slides/slide6.xml><?xml version="1.0" encoding="utf-8"?>
 <p:sld xmlns:a="http://schemas.openxmlformats.org/drawingml/2006/main" xmlns:r="http://schemas.openxmlformats.org/officeDocument/2006/relationships" xmlns:p="http://schemas.openxmlformats.org/presentationml/2006/main">
   <p:cSld>
     <p:spTree>
@@ -6811,23 +8875,7 @@
                   <a:schemeClr val="bg1"/>
                 </a:solidFill>
               </a:rPr>
-              <a:t>Complex forms </a:t>
-            </a:r>
-            <a:r>
-              <a:rPr lang="en-US" sz="2000" dirty="0" smtClean="0">
-                <a:solidFill>
-                  <a:schemeClr val="bg1"/>
-                </a:solidFill>
-              </a:rPr>
-              <a:t>can be presented </a:t>
-            </a:r>
-            <a:r>
-              <a:rPr lang="en-US" sz="2000" dirty="0" smtClean="0">
-                <a:solidFill>
-                  <a:schemeClr val="bg1"/>
-                </a:solidFill>
-              </a:rPr>
-              <a:t>in small and manageable sections</a:t>
+              <a:t>Complex forms can be presented in small and manageable sections</a:t>
             </a:r>
           </a:p>
           <a:p>
@@ -6852,15 +8900,7 @@
                   <a:schemeClr val="bg1"/>
                 </a:solidFill>
               </a:rPr>
-              <a:t>All data </a:t>
-            </a:r>
-            <a:r>
-              <a:rPr lang="en-US" sz="2000" dirty="0" smtClean="0">
-                <a:solidFill>
-                  <a:schemeClr val="bg1"/>
-                </a:solidFill>
-              </a:rPr>
-              <a:t>fields can be used as search filters</a:t>
+              <a:t>All data fields can be used as search filters</a:t>
             </a:r>
             <a:endParaRPr lang="en-US" sz="2000" dirty="0">
               <a:solidFill>
@@ -6943,7 +8983,7 @@
 </p:sld>
 </file>
 
-<file path=ppt/slides/slide6.xml><?xml version="1.0" encoding="utf-8"?>
+<file path=ppt/slides/slide7.xml><?xml version="1.0" encoding="utf-8"?>
 <p:sld xmlns:a="http://schemas.openxmlformats.org/drawingml/2006/main" xmlns:r="http://schemas.openxmlformats.org/officeDocument/2006/relationships" xmlns:p="http://schemas.openxmlformats.org/presentationml/2006/main">
   <p:cSld>
     <p:spTree>
@@ -7056,15 +9096,7 @@
                   <a:schemeClr val="bg1"/>
                 </a:solidFill>
               </a:rPr>
-              <a:t>Easy to use interface for </a:t>
-            </a:r>
-            <a:r>
-              <a:rPr lang="en-US" sz="2000" dirty="0" smtClean="0">
-                <a:solidFill>
-                  <a:schemeClr val="bg1"/>
-                </a:solidFill>
-              </a:rPr>
-              <a:t>decision-making</a:t>
+              <a:t>Easy to use interface for decision-making</a:t>
             </a:r>
           </a:p>
           <a:p>
@@ -7172,7 +9204,7 @@
 </p:sld>
 </file>
 
-<file path=ppt/slides/slide7.xml><?xml version="1.0" encoding="utf-8"?>
+<file path=ppt/slides/slide8.xml><?xml version="1.0" encoding="utf-8"?>
 <p:sld xmlns:a="http://schemas.openxmlformats.org/drawingml/2006/main" xmlns:r="http://schemas.openxmlformats.org/officeDocument/2006/relationships" xmlns:p="http://schemas.openxmlformats.org/presentationml/2006/main">
   <p:cSld>
     <p:spTree>
@@ -7285,15 +9317,7 @@
                   <a:schemeClr val="bg1"/>
                 </a:solidFill>
               </a:rPr>
-              <a:t>Build collaborative </a:t>
-            </a:r>
-            <a:r>
-              <a:rPr lang="en-US" sz="2000" dirty="0" smtClean="0">
-                <a:solidFill>
-                  <a:schemeClr val="bg1"/>
-                </a:solidFill>
-              </a:rPr>
-              <a:t>spreadsheets and dashboards</a:t>
+              <a:t>Build collaborative spreadsheets and dashboards</a:t>
             </a:r>
           </a:p>
           <a:p>
@@ -7307,23 +9331,7 @@
                   <a:schemeClr val="bg1"/>
                 </a:solidFill>
               </a:rPr>
-              <a:t>Always up to </a:t>
-            </a:r>
-            <a:r>
-              <a:rPr lang="en-US" sz="2000" dirty="0" smtClean="0">
-                <a:solidFill>
-                  <a:schemeClr val="bg1"/>
-                </a:solidFill>
-              </a:rPr>
-              <a:t>date, and easily share </a:t>
-            </a:r>
-            <a:r>
-              <a:rPr lang="en-US" sz="2000" dirty="0" smtClean="0">
-                <a:solidFill>
-                  <a:schemeClr val="bg1"/>
-                </a:solidFill>
-              </a:rPr>
-              <a:t>reports with others</a:t>
+              <a:t>Always up to date, and easily share reports with others</a:t>
             </a:r>
           </a:p>
           <a:p>
@@ -7345,7 +9353,7 @@
                   <a:schemeClr val="bg1"/>
                 </a:solidFill>
               </a:rPr>
-              <a:t>Excel</a:t>
+              <a:t>Excel, and JSON API for programmers</a:t>
             </a:r>
             <a:endParaRPr lang="en-US" sz="2000" dirty="0">
               <a:solidFill>
@@ -7467,7 +9475,7 @@
 </p:sld>
 </file>
 
-<file path=ppt/slides/slide8.xml><?xml version="1.0" encoding="utf-8"?>
+<file path=ppt/slides/slide9.xml><?xml version="1.0" encoding="utf-8"?>
 <p:sld xmlns:a="http://schemas.openxmlformats.org/drawingml/2006/main" xmlns:r="http://schemas.openxmlformats.org/officeDocument/2006/relationships" xmlns:p="http://schemas.openxmlformats.org/presentationml/2006/main">
   <p:cSld>
     <p:spTree>
@@ -7582,22 +9590,20 @@
               </a:rPr>
               <a:t>Rapid development, iteration, and amendments</a:t>
             </a:r>
-            <a:endParaRPr lang="en-US" sz="2000" dirty="0" smtClean="0">
-              <a:solidFill>
-                <a:schemeClr val="bg1"/>
-              </a:solidFill>
-            </a:endParaRPr>
           </a:p>
           <a:p>
             <a:pPr marL="285750" indent="-285750">
               <a:buFont typeface="Arial" panose="020B0604020202020204" pitchFamily="34" charset="0"/>
               <a:buChar char="•"/>
             </a:pPr>
-            <a:endParaRPr lang="en-US" sz="2000" dirty="0" smtClean="0">
-              <a:solidFill>
-                <a:schemeClr val="bg1"/>
-              </a:solidFill>
-            </a:endParaRPr>
+            <a:r>
+              <a:rPr lang="en-US" sz="2000" dirty="0" smtClean="0">
+                <a:solidFill>
+                  <a:schemeClr val="bg1"/>
+                </a:solidFill>
+              </a:rPr>
+              <a:t>Form Library further accelerates implementation</a:t>
+            </a:r>
           </a:p>
           <a:p>
             <a:pPr marL="285750" indent="-285750">
@@ -7610,7 +9616,7 @@
                   <a:schemeClr val="bg1"/>
                 </a:solidFill>
               </a:rPr>
-              <a:t>Role-based </a:t>
+              <a:t>Role-based security identifies authorized users. PIV-card </a:t>
             </a:r>
             <a:r>
               <a:rPr lang="en-US" sz="2000" dirty="0" smtClean="0">
@@ -7618,31 +9624,7 @@
                   <a:schemeClr val="bg1"/>
                 </a:solidFill>
               </a:rPr>
-              <a:t>security </a:t>
-            </a:r>
-            <a:r>
-              <a:rPr lang="en-US" sz="2000" dirty="0" smtClean="0">
-                <a:solidFill>
-                  <a:schemeClr val="bg1"/>
-                </a:solidFill>
-              </a:rPr>
-              <a:t>identifies </a:t>
-            </a:r>
-            <a:r>
-              <a:rPr lang="en-US" sz="2000" dirty="0" smtClean="0">
-                <a:solidFill>
-                  <a:schemeClr val="bg1"/>
-                </a:solidFill>
-              </a:rPr>
-              <a:t>authorized </a:t>
-            </a:r>
-            <a:r>
-              <a:rPr lang="en-US" sz="2000" dirty="0" smtClean="0">
-                <a:solidFill>
-                  <a:schemeClr val="bg1"/>
-                </a:solidFill>
-              </a:rPr>
-              <a:t>users. PIV-card compatible.</a:t>
+              <a:t>compatible.</a:t>
             </a:r>
             <a:endParaRPr lang="en-US" sz="2000" dirty="0">
               <a:solidFill>
@@ -7709,373 +9691,6 @@
     <p:extLst>
       <p:ext uri="{BB962C8B-B14F-4D97-AF65-F5344CB8AC3E}">
         <p14:creationId xmlns:p14="http://schemas.microsoft.com/office/powerpoint/2010/main" val="4146710611"/>
-      </p:ext>
-    </p:extLst>
-  </p:cSld>
-  <p:clrMapOvr>
-    <a:masterClrMapping/>
-  </p:clrMapOvr>
-  <p:timing>
-    <p:tnLst>
-      <p:par>
-        <p:cTn id="1" dur="indefinite" restart="never" nodeType="tmRoot"/>
-      </p:par>
-    </p:tnLst>
-  </p:timing>
-</p:sld>
-</file>
-
-<file path=ppt/slides/slide9.xml><?xml version="1.0" encoding="utf-8"?>
-<p:sld xmlns:a="http://schemas.openxmlformats.org/drawingml/2006/main" xmlns:r="http://schemas.openxmlformats.org/officeDocument/2006/relationships" xmlns:p="http://schemas.openxmlformats.org/presentationml/2006/main">
-  <p:cSld>
-    <p:spTree>
-      <p:nvGrpSpPr>
-        <p:cNvPr id="1" name=""/>
-        <p:cNvGrpSpPr/>
-        <p:nvPr/>
-      </p:nvGrpSpPr>
-      <p:grpSpPr>
-        <a:xfrm>
-          <a:off x="0" y="0"/>
-          <a:ext cx="0" cy="0"/>
-          <a:chOff x="0" y="0"/>
-          <a:chExt cx="0" cy="0"/>
-        </a:xfrm>
-      </p:grpSpPr>
-      <p:sp>
-        <p:nvSpPr>
-          <p:cNvPr id="2" name="Title 1"/>
-          <p:cNvSpPr>
-            <a:spLocks noGrp="1"/>
-          </p:cNvSpPr>
-          <p:nvPr>
-            <p:ph type="title"/>
-          </p:nvPr>
-        </p:nvSpPr>
-        <p:spPr/>
-        <p:txBody>
-          <a:bodyPr/>
-          <a:lstStyle/>
-          <a:p>
-            <a:r>
-              <a:rPr lang="en-US" dirty="0" smtClean="0"/>
-              <a:t>Responsibilities</a:t>
-            </a:r>
-            <a:endParaRPr lang="en-US" dirty="0"/>
-          </a:p>
-        </p:txBody>
-      </p:sp>
-      <p:sp>
-        <p:nvSpPr>
-          <p:cNvPr id="3" name="Content Placeholder 2"/>
-          <p:cNvSpPr>
-            <a:spLocks noGrp="1"/>
-          </p:cNvSpPr>
-          <p:nvPr>
-            <p:ph idx="1"/>
-          </p:nvPr>
-        </p:nvSpPr>
-        <p:spPr>
-          <a:xfrm>
-            <a:off x="4648200" y="1143000"/>
-            <a:ext cx="4038600" cy="5486400"/>
-          </a:xfrm>
-        </p:spPr>
-        <p:txBody>
-          <a:bodyPr/>
-          <a:lstStyle/>
-          <a:p>
-            <a:pPr marL="0" indent="0">
-              <a:buNone/>
-            </a:pPr>
-            <a:endParaRPr lang="en-US" dirty="0" smtClean="0"/>
-          </a:p>
-          <a:p>
-            <a:r>
-              <a:rPr lang="en-US" sz="2800" dirty="0" smtClean="0"/>
-              <a:t>Server maintenance</a:t>
-            </a:r>
-          </a:p>
-          <a:p>
-            <a:r>
-              <a:rPr lang="en-US" sz="2800" dirty="0" smtClean="0"/>
-              <a:t>Backup databases</a:t>
-            </a:r>
-          </a:p>
-          <a:p>
-            <a:r>
-              <a:rPr lang="en-US" sz="2800" dirty="0" smtClean="0"/>
-              <a:t>Fix software issues</a:t>
-            </a:r>
-          </a:p>
-          <a:p>
-            <a:r>
-              <a:rPr lang="en-US" sz="2800" dirty="0" smtClean="0"/>
-              <a:t>Apply software updates</a:t>
-            </a:r>
-          </a:p>
-        </p:txBody>
-      </p:sp>
-      <p:sp>
-        <p:nvSpPr>
-          <p:cNvPr id="4" name="Content Placeholder 2"/>
-          <p:cNvSpPr txBox="1">
-            <a:spLocks/>
-          </p:cNvSpPr>
-          <p:nvPr/>
-        </p:nvSpPr>
-        <p:spPr>
-          <a:xfrm>
-            <a:off x="381000" y="1143000"/>
-            <a:ext cx="4038600" cy="5334000"/>
-          </a:xfrm>
-          <a:prstGeom prst="rect">
-            <a:avLst/>
-          </a:prstGeom>
-        </p:spPr>
-        <p:txBody>
-          <a:bodyPr vert="horz" lIns="91440" tIns="45720" rIns="91440" bIns="45720" rtlCol="0">
-            <a:normAutofit/>
-          </a:bodyPr>
-          <a:lstStyle>
-            <a:lvl1pPr marL="342900" indent="-342900" algn="l" defTabSz="914400" rtl="0" eaLnBrk="1" latinLnBrk="0" hangingPunct="1">
-              <a:spcBef>
-                <a:spcPct val="20000"/>
-              </a:spcBef>
-              <a:buFont typeface="Arial" pitchFamily="34" charset="0"/>
-              <a:buChar char="•"/>
-              <a:defRPr sz="3200" kern="1200">
-                <a:solidFill>
-                  <a:schemeClr val="tx1"/>
-                </a:solidFill>
-                <a:latin typeface="+mn-lt"/>
-                <a:ea typeface="+mn-ea"/>
-                <a:cs typeface="+mn-cs"/>
-              </a:defRPr>
-            </a:lvl1pPr>
-            <a:lvl2pPr marL="742950" indent="-285750" algn="l" defTabSz="914400" rtl="0" eaLnBrk="1" latinLnBrk="0" hangingPunct="1">
-              <a:spcBef>
-                <a:spcPct val="20000"/>
-              </a:spcBef>
-              <a:buFont typeface="Arial" pitchFamily="34" charset="0"/>
-              <a:buChar char="–"/>
-              <a:defRPr sz="2800" kern="1200">
-                <a:solidFill>
-                  <a:schemeClr val="tx1"/>
-                </a:solidFill>
-                <a:latin typeface="+mn-lt"/>
-                <a:ea typeface="+mn-ea"/>
-                <a:cs typeface="+mn-cs"/>
-              </a:defRPr>
-            </a:lvl2pPr>
-            <a:lvl3pPr marL="1143000" indent="-228600" algn="l" defTabSz="914400" rtl="0" eaLnBrk="1" latinLnBrk="0" hangingPunct="1">
-              <a:spcBef>
-                <a:spcPct val="20000"/>
-              </a:spcBef>
-              <a:buFont typeface="Arial" pitchFamily="34" charset="0"/>
-              <a:buChar char="•"/>
-              <a:defRPr sz="2400" kern="1200">
-                <a:solidFill>
-                  <a:schemeClr val="tx1"/>
-                </a:solidFill>
-                <a:latin typeface="+mn-lt"/>
-                <a:ea typeface="+mn-ea"/>
-                <a:cs typeface="+mn-cs"/>
-              </a:defRPr>
-            </a:lvl3pPr>
-            <a:lvl4pPr marL="1600200" indent="-228600" algn="l" defTabSz="914400" rtl="0" eaLnBrk="1" latinLnBrk="0" hangingPunct="1">
-              <a:spcBef>
-                <a:spcPct val="20000"/>
-              </a:spcBef>
-              <a:buFont typeface="Arial" pitchFamily="34" charset="0"/>
-              <a:buChar char="–"/>
-              <a:defRPr sz="2000" kern="1200">
-                <a:solidFill>
-                  <a:schemeClr val="tx1"/>
-                </a:solidFill>
-                <a:latin typeface="+mn-lt"/>
-                <a:ea typeface="+mn-ea"/>
-                <a:cs typeface="+mn-cs"/>
-              </a:defRPr>
-            </a:lvl4pPr>
-            <a:lvl5pPr marL="2057400" indent="-228600" algn="l" defTabSz="914400" rtl="0" eaLnBrk="1" latinLnBrk="0" hangingPunct="1">
-              <a:spcBef>
-                <a:spcPct val="20000"/>
-              </a:spcBef>
-              <a:buFont typeface="Arial" pitchFamily="34" charset="0"/>
-              <a:buChar char="»"/>
-              <a:defRPr sz="2000" kern="1200">
-                <a:solidFill>
-                  <a:schemeClr val="tx1"/>
-                </a:solidFill>
-                <a:latin typeface="+mn-lt"/>
-                <a:ea typeface="+mn-ea"/>
-                <a:cs typeface="+mn-cs"/>
-              </a:defRPr>
-            </a:lvl5pPr>
-            <a:lvl6pPr marL="2514600" indent="-228600" algn="l" defTabSz="914400" rtl="0" eaLnBrk="1" latinLnBrk="0" hangingPunct="1">
-              <a:spcBef>
-                <a:spcPct val="20000"/>
-              </a:spcBef>
-              <a:buFont typeface="Arial" pitchFamily="34" charset="0"/>
-              <a:buChar char="•"/>
-              <a:defRPr sz="2000" kern="1200">
-                <a:solidFill>
-                  <a:schemeClr val="tx1"/>
-                </a:solidFill>
-                <a:latin typeface="+mn-lt"/>
-                <a:ea typeface="+mn-ea"/>
-                <a:cs typeface="+mn-cs"/>
-              </a:defRPr>
-            </a:lvl6pPr>
-            <a:lvl7pPr marL="2971800" indent="-228600" algn="l" defTabSz="914400" rtl="0" eaLnBrk="1" latinLnBrk="0" hangingPunct="1">
-              <a:spcBef>
-                <a:spcPct val="20000"/>
-              </a:spcBef>
-              <a:buFont typeface="Arial" pitchFamily="34" charset="0"/>
-              <a:buChar char="•"/>
-              <a:defRPr sz="2000" kern="1200">
-                <a:solidFill>
-                  <a:schemeClr val="tx1"/>
-                </a:solidFill>
-                <a:latin typeface="+mn-lt"/>
-                <a:ea typeface="+mn-ea"/>
-                <a:cs typeface="+mn-cs"/>
-              </a:defRPr>
-            </a:lvl7pPr>
-            <a:lvl8pPr marL="3429000" indent="-228600" algn="l" defTabSz="914400" rtl="0" eaLnBrk="1" latinLnBrk="0" hangingPunct="1">
-              <a:spcBef>
-                <a:spcPct val="20000"/>
-              </a:spcBef>
-              <a:buFont typeface="Arial" pitchFamily="34" charset="0"/>
-              <a:buChar char="•"/>
-              <a:defRPr sz="2000" kern="1200">
-                <a:solidFill>
-                  <a:schemeClr val="tx1"/>
-                </a:solidFill>
-                <a:latin typeface="+mn-lt"/>
-                <a:ea typeface="+mn-ea"/>
-                <a:cs typeface="+mn-cs"/>
-              </a:defRPr>
-            </a:lvl8pPr>
-            <a:lvl9pPr marL="3886200" indent="-228600" algn="l" defTabSz="914400" rtl="0" eaLnBrk="1" latinLnBrk="0" hangingPunct="1">
-              <a:spcBef>
-                <a:spcPct val="20000"/>
-              </a:spcBef>
-              <a:buFont typeface="Arial" pitchFamily="34" charset="0"/>
-              <a:buChar char="•"/>
-              <a:defRPr sz="2000" kern="1200">
-                <a:solidFill>
-                  <a:schemeClr val="tx1"/>
-                </a:solidFill>
-                <a:latin typeface="+mn-lt"/>
-                <a:ea typeface="+mn-ea"/>
-                <a:cs typeface="+mn-cs"/>
-              </a:defRPr>
-            </a:lvl9pPr>
-          </a:lstStyle>
-          <a:p>
-            <a:pPr marL="0" indent="0" algn="ctr">
-              <a:buFont typeface="Arial" pitchFamily="34" charset="0"/>
-              <a:buNone/>
-            </a:pPr>
-            <a:r>
-              <a:rPr lang="en-US" b="1" dirty="0" smtClean="0"/>
-              <a:t>Your Facility</a:t>
-            </a:r>
-          </a:p>
-          <a:p>
-            <a:r>
-              <a:rPr lang="en-US" sz="2800" dirty="0" smtClean="0"/>
-              <a:t>Maintain forms, workflows, privilege groups, and any customizations made</a:t>
-            </a:r>
-          </a:p>
-          <a:p>
-            <a:r>
-              <a:rPr lang="en-US" sz="2800" dirty="0" smtClean="0"/>
-              <a:t>Ensure personnel are apprised of the system</a:t>
-            </a:r>
-          </a:p>
-          <a:p>
-            <a:endParaRPr lang="en-US" sz="2800" dirty="0"/>
-          </a:p>
-        </p:txBody>
-      </p:sp>
-      <p:pic>
-        <p:nvPicPr>
-          <p:cNvPr id="1026" name="Picture 2" descr="C:\Users\vhawasgaom1\Desktop\LEAF\Logos\LEAF_logo.png"/>
-          <p:cNvPicPr>
-            <a:picLocks noChangeAspect="1" noChangeArrowheads="1"/>
-          </p:cNvPicPr>
-          <p:nvPr/>
-        </p:nvPicPr>
-        <p:blipFill>
-          <a:blip r:embed="rId2" cstate="print">
-            <a:extLst>
-              <a:ext uri="{28A0092B-C50C-407E-A947-70E740481C1C}">
-                <a14:useLocalDpi xmlns:a14="http://schemas.microsoft.com/office/drawing/2010/main" val="0"/>
-              </a:ext>
-            </a:extLst>
-          </a:blip>
-          <a:srcRect/>
-          <a:stretch>
-            <a:fillRect/>
-          </a:stretch>
-        </p:blipFill>
-        <p:spPr bwMode="auto">
-          <a:xfrm>
-            <a:off x="5715000" y="1143001"/>
-            <a:ext cx="1828800" cy="452106"/>
-          </a:xfrm>
-          <a:prstGeom prst="rect">
-            <a:avLst/>
-          </a:prstGeom>
-          <a:noFill/>
-          <a:extLst>
-            <a:ext uri="{909E8E84-426E-40DD-AFC4-6F175D3DCCD1}">
-              <a14:hiddenFill xmlns:a14="http://schemas.microsoft.com/office/drawing/2010/main">
-                <a:solidFill>
-                  <a:srgbClr val="FFFFFF"/>
-                </a:solidFill>
-              </a14:hiddenFill>
-            </a:ext>
-          </a:extLst>
-        </p:spPr>
-      </p:pic>
-      <p:cxnSp>
-        <p:nvCxnSpPr>
-          <p:cNvPr id="6" name="Straight Connector 5"/>
-          <p:cNvCxnSpPr/>
-          <p:nvPr/>
-        </p:nvCxnSpPr>
-        <p:spPr>
-          <a:xfrm>
-            <a:off x="4419600" y="1066800"/>
-            <a:ext cx="0" cy="5486400"/>
-          </a:xfrm>
-          <a:prstGeom prst="line">
-            <a:avLst/>
-          </a:prstGeom>
-        </p:spPr>
-        <p:style>
-          <a:lnRef idx="1">
-            <a:schemeClr val="accent1"/>
-          </a:lnRef>
-          <a:fillRef idx="0">
-            <a:schemeClr val="accent1"/>
-          </a:fillRef>
-          <a:effectRef idx="0">
-            <a:schemeClr val="accent1"/>
-          </a:effectRef>
-          <a:fontRef idx="minor">
-            <a:schemeClr val="tx1"/>
-          </a:fontRef>
-        </p:style>
-      </p:cxnSp>
-    </p:spTree>
-    <p:extLst>
-      <p:ext uri="{BB962C8B-B14F-4D97-AF65-F5344CB8AC3E}">
-        <p14:creationId xmlns:p14="http://schemas.microsoft.com/office/powerpoint/2010/main" val="3799369597"/>
       </p:ext>
     </p:extLst>
   </p:cSld>
